--- a/Diapo Présentation.pptx
+++ b/Diapo Présentation.pptx
@@ -2,28 +2,28 @@
 <file path=ppt/presentation.xml><?xml version="1.0" encoding="utf-8"?>
 <p:presentation xmlns:a="http://schemas.openxmlformats.org/drawingml/2006/main" xmlns:r="http://schemas.openxmlformats.org/officeDocument/2006/relationships" xmlns:p="http://schemas.openxmlformats.org/presentationml/2006/main" saveSubsetFonts="1">
   <p:sldMasterIdLst>
-    <p:sldMasterId id="2147483648" r:id="rId1"/>
+    <p:sldMasterId id="2147483648" r:id="rId4"/>
   </p:sldMasterIdLst>
   <p:notesMasterIdLst>
-    <p:notesMasterId r:id="rId18"/>
+    <p:notesMasterId r:id="rId21"/>
   </p:notesMasterIdLst>
   <p:sldIdLst>
-    <p:sldId id="2464" r:id="rId2"/>
-    <p:sldId id="2323" r:id="rId3"/>
-    <p:sldId id="2429" r:id="rId4"/>
-    <p:sldId id="2343" r:id="rId5"/>
-    <p:sldId id="2427" r:id="rId6"/>
-    <p:sldId id="2401" r:id="rId7"/>
-    <p:sldId id="2468" r:id="rId8"/>
-    <p:sldId id="2465" r:id="rId9"/>
-    <p:sldId id="2471" r:id="rId10"/>
-    <p:sldId id="2473" r:id="rId11"/>
-    <p:sldId id="2472" r:id="rId12"/>
-    <p:sldId id="2466" r:id="rId13"/>
-    <p:sldId id="2474" r:id="rId14"/>
-    <p:sldId id="2467" r:id="rId15"/>
-    <p:sldId id="2475" r:id="rId16"/>
-    <p:sldId id="2420" r:id="rId17"/>
+    <p:sldId id="2464" r:id="rId5"/>
+    <p:sldId id="2323" r:id="rId6"/>
+    <p:sldId id="2429" r:id="rId7"/>
+    <p:sldId id="2343" r:id="rId8"/>
+    <p:sldId id="2427" r:id="rId9"/>
+    <p:sldId id="2401" r:id="rId10"/>
+    <p:sldId id="2468" r:id="rId11"/>
+    <p:sldId id="2465" r:id="rId12"/>
+    <p:sldId id="2471" r:id="rId13"/>
+    <p:sldId id="2473" r:id="rId14"/>
+    <p:sldId id="2472" r:id="rId15"/>
+    <p:sldId id="2466" r:id="rId16"/>
+    <p:sldId id="2474" r:id="rId17"/>
+    <p:sldId id="2467" r:id="rId18"/>
+    <p:sldId id="2475" r:id="rId19"/>
+    <p:sldId id="2420" r:id="rId20"/>
   </p:sldIdLst>
   <p:sldSz cx="24377650" cy="13716000"/>
   <p:notesSz cx="6858000" cy="9144000"/>
@@ -147,1346 +147,10 @@
 <file path=ppt/revisionInfo.xml><?xml version="1.0" encoding="utf-8"?>
 <p1510:revInfo xmlns:a="http://schemas.openxmlformats.org/drawingml/2006/main" xmlns:r="http://schemas.openxmlformats.org/officeDocument/2006/relationships" xmlns:p1510="http://schemas.microsoft.com/office/powerpoint/2015/10/main">
   <p1510:revLst>
+    <p1510:client id="{BC77E55B-3EA1-4BFB-9789-35A79929866B}" v="3" dt="2022-01-01T18:28:49.049"/>
     <p1510:client id="{E9982812-8B46-4E5A-8405-D9D98755CCAE}" v="57" dt="2022-01-01T17:24:29.718"/>
   </p1510:revLst>
 </p1510:revInfo>
-</file>
-
-<file path=ppt/changesInfos/changesInfo1.xml><?xml version="1.0" encoding="utf-8"?>
-<pc:chgInfo xmlns:a="http://schemas.openxmlformats.org/drawingml/2006/main" xmlns:r="http://schemas.openxmlformats.org/officeDocument/2006/relationships" xmlns:ac="http://schemas.microsoft.com/office/drawing/2013/main/command" xmlns:pc="http://schemas.microsoft.com/office/powerpoint/2013/main/command">
-  <pc:docChgLst>
-    <pc:chgData name="BONNIN François" userId="d90fafad-3c8a-4b4e-90f8-caf225ca9ff7" providerId="ADAL" clId="{D13C6D58-C88B-4EF1-82A1-96611FAB2364}"/>
-    <pc:docChg chg="undo custSel modSld sldOrd">
-      <pc:chgData name="BONNIN François" userId="d90fafad-3c8a-4b4e-90f8-caf225ca9ff7" providerId="ADAL" clId="{D13C6D58-C88B-4EF1-82A1-96611FAB2364}" dt="2021-12-13T22:58:59.624" v="105"/>
-      <pc:docMkLst>
-        <pc:docMk/>
-      </pc:docMkLst>
-      <pc:sldChg chg="ord">
-        <pc:chgData name="BONNIN François" userId="d90fafad-3c8a-4b4e-90f8-caf225ca9ff7" providerId="ADAL" clId="{D13C6D58-C88B-4EF1-82A1-96611FAB2364}" dt="2021-12-13T22:58:59.624" v="105"/>
-        <pc:sldMkLst>
-          <pc:docMk/>
-          <pc:sldMk cId="1890488339" sldId="2420"/>
-        </pc:sldMkLst>
-      </pc:sldChg>
-      <pc:sldChg chg="addSp delSp modSp mod">
-        <pc:chgData name="BONNIN François" userId="d90fafad-3c8a-4b4e-90f8-caf225ca9ff7" providerId="ADAL" clId="{D13C6D58-C88B-4EF1-82A1-96611FAB2364}" dt="2021-12-13T12:54:18.712" v="103" actId="20577"/>
-        <pc:sldMkLst>
-          <pc:docMk/>
-          <pc:sldMk cId="1156491059" sldId="2427"/>
-        </pc:sldMkLst>
-        <pc:spChg chg="mod">
-          <ac:chgData name="BONNIN François" userId="d90fafad-3c8a-4b4e-90f8-caf225ca9ff7" providerId="ADAL" clId="{D13C6D58-C88B-4EF1-82A1-96611FAB2364}" dt="2021-12-13T12:50:11.023" v="19" actId="20577"/>
-          <ac:spMkLst>
-            <pc:docMk/>
-            <pc:sldMk cId="1156491059" sldId="2427"/>
-            <ac:spMk id="21" creationId="{469E770E-8582-3F4A-9B51-D1B005C49561}"/>
-          </ac:spMkLst>
-        </pc:spChg>
-        <pc:spChg chg="add del mod">
-          <ac:chgData name="BONNIN François" userId="d90fafad-3c8a-4b4e-90f8-caf225ca9ff7" providerId="ADAL" clId="{D13C6D58-C88B-4EF1-82A1-96611FAB2364}" dt="2021-12-13T12:53:45.763" v="51" actId="1076"/>
-          <ac:spMkLst>
-            <pc:docMk/>
-            <pc:sldMk cId="1156491059" sldId="2427"/>
-            <ac:spMk id="60" creationId="{00000000-0000-0000-0000-000000000000}"/>
-          </ac:spMkLst>
-        </pc:spChg>
-        <pc:spChg chg="mod">
-          <ac:chgData name="BONNIN François" userId="d90fafad-3c8a-4b4e-90f8-caf225ca9ff7" providerId="ADAL" clId="{D13C6D58-C88B-4EF1-82A1-96611FAB2364}" dt="2021-12-13T12:53:49.360" v="52" actId="1076"/>
-          <ac:spMkLst>
-            <pc:docMk/>
-            <pc:sldMk cId="1156491059" sldId="2427"/>
-            <ac:spMk id="61" creationId="{00000000-0000-0000-0000-000000000000}"/>
-          </ac:spMkLst>
-        </pc:spChg>
-        <pc:spChg chg="mod">
-          <ac:chgData name="BONNIN François" userId="d90fafad-3c8a-4b4e-90f8-caf225ca9ff7" providerId="ADAL" clId="{D13C6D58-C88B-4EF1-82A1-96611FAB2364}" dt="2021-12-13T12:53:51.743" v="53" actId="1076"/>
-          <ac:spMkLst>
-            <pc:docMk/>
-            <pc:sldMk cId="1156491059" sldId="2427"/>
-            <ac:spMk id="62" creationId="{00000000-0000-0000-0000-000000000000}"/>
-          </ac:spMkLst>
-        </pc:spChg>
-        <pc:spChg chg="mod">
-          <ac:chgData name="BONNIN François" userId="d90fafad-3c8a-4b4e-90f8-caf225ca9ff7" providerId="ADAL" clId="{D13C6D58-C88B-4EF1-82A1-96611FAB2364}" dt="2021-12-13T12:53:36.180" v="50" actId="207"/>
-          <ac:spMkLst>
-            <pc:docMk/>
-            <pc:sldMk cId="1156491059" sldId="2427"/>
-            <ac:spMk id="63" creationId="{00000000-0000-0000-0000-000000000000}"/>
-          </ac:spMkLst>
-        </pc:spChg>
-        <pc:spChg chg="del mod">
-          <ac:chgData name="BONNIN François" userId="d90fafad-3c8a-4b4e-90f8-caf225ca9ff7" providerId="ADAL" clId="{D13C6D58-C88B-4EF1-82A1-96611FAB2364}" dt="2021-12-13T12:51:19.290" v="29" actId="478"/>
-          <ac:spMkLst>
-            <pc:docMk/>
-            <pc:sldMk cId="1156491059" sldId="2427"/>
-            <ac:spMk id="64" creationId="{00000000-0000-0000-0000-000000000000}"/>
-          </ac:spMkLst>
-        </pc:spChg>
-        <pc:spChg chg="del">
-          <ac:chgData name="BONNIN François" userId="d90fafad-3c8a-4b4e-90f8-caf225ca9ff7" providerId="ADAL" clId="{D13C6D58-C88B-4EF1-82A1-96611FAB2364}" dt="2021-12-13T12:51:47.101" v="33" actId="478"/>
-          <ac:spMkLst>
-            <pc:docMk/>
-            <pc:sldMk cId="1156491059" sldId="2427"/>
-            <ac:spMk id="65" creationId="{00000000-0000-0000-0000-000000000000}"/>
-          </ac:spMkLst>
-        </pc:spChg>
-        <pc:spChg chg="del">
-          <ac:chgData name="BONNIN François" userId="d90fafad-3c8a-4b4e-90f8-caf225ca9ff7" providerId="ADAL" clId="{D13C6D58-C88B-4EF1-82A1-96611FAB2364}" dt="2021-12-13T12:51:47.345" v="34" actId="478"/>
-          <ac:spMkLst>
-            <pc:docMk/>
-            <pc:sldMk cId="1156491059" sldId="2427"/>
-            <ac:spMk id="66" creationId="{00000000-0000-0000-0000-000000000000}"/>
-          </ac:spMkLst>
-        </pc:spChg>
-        <pc:spChg chg="del">
-          <ac:chgData name="BONNIN François" userId="d90fafad-3c8a-4b4e-90f8-caf225ca9ff7" providerId="ADAL" clId="{D13C6D58-C88B-4EF1-82A1-96611FAB2364}" dt="2021-12-13T12:51:53.456" v="37" actId="478"/>
-          <ac:spMkLst>
-            <pc:docMk/>
-            <pc:sldMk cId="1156491059" sldId="2427"/>
-            <ac:spMk id="67" creationId="{00000000-0000-0000-0000-000000000000}"/>
-          </ac:spMkLst>
-        </pc:spChg>
-        <pc:spChg chg="mod">
-          <ac:chgData name="BONNIN François" userId="d90fafad-3c8a-4b4e-90f8-caf225ca9ff7" providerId="ADAL" clId="{D13C6D58-C88B-4EF1-82A1-96611FAB2364}" dt="2021-12-13T12:54:18.712" v="103" actId="20577"/>
-          <ac:spMkLst>
-            <pc:docMk/>
-            <pc:sldMk cId="1156491059" sldId="2427"/>
-            <ac:spMk id="68" creationId="{00000000-0000-0000-0000-000000000000}"/>
-          </ac:spMkLst>
-        </pc:spChg>
-        <pc:spChg chg="mod">
-          <ac:chgData name="BONNIN François" userId="d90fafad-3c8a-4b4e-90f8-caf225ca9ff7" providerId="ADAL" clId="{D13C6D58-C88B-4EF1-82A1-96611FAB2364}" dt="2021-12-13T12:54:08.345" v="76" actId="1076"/>
-          <ac:spMkLst>
-            <pc:docMk/>
-            <pc:sldMk cId="1156491059" sldId="2427"/>
-            <ac:spMk id="70" creationId="{00000000-0000-0000-0000-000000000000}"/>
-          </ac:spMkLst>
-        </pc:spChg>
-        <pc:picChg chg="add mod">
-          <ac:chgData name="BONNIN François" userId="d90fafad-3c8a-4b4e-90f8-caf225ca9ff7" providerId="ADAL" clId="{D13C6D58-C88B-4EF1-82A1-96611FAB2364}" dt="2021-12-13T12:53:16.234" v="49" actId="1037"/>
-          <ac:picMkLst>
-            <pc:docMk/>
-            <pc:sldMk cId="1156491059" sldId="2427"/>
-            <ac:picMk id="3" creationId="{6D77815F-86A8-460A-9A7C-DAF608CC5D09}"/>
-          </ac:picMkLst>
-        </pc:picChg>
-        <pc:picChg chg="add mod">
-          <ac:chgData name="BONNIN François" userId="d90fafad-3c8a-4b4e-90f8-caf225ca9ff7" providerId="ADAL" clId="{D13C6D58-C88B-4EF1-82A1-96611FAB2364}" dt="2021-12-13T12:53:51.743" v="53" actId="1076"/>
-          <ac:picMkLst>
-            <pc:docMk/>
-            <pc:sldMk cId="1156491059" sldId="2427"/>
-            <ac:picMk id="5" creationId="{B298A885-1794-45E7-B57B-E2060C0FB138}"/>
-          </ac:picMkLst>
-        </pc:picChg>
-        <pc:picChg chg="add mod">
-          <ac:chgData name="BONNIN François" userId="d90fafad-3c8a-4b4e-90f8-caf225ca9ff7" providerId="ADAL" clId="{D13C6D58-C88B-4EF1-82A1-96611FAB2364}" dt="2021-12-13T12:53:49.360" v="52" actId="1076"/>
-          <ac:picMkLst>
-            <pc:docMk/>
-            <pc:sldMk cId="1156491059" sldId="2427"/>
-            <ac:picMk id="7" creationId="{6D47AFAD-E2AA-441D-8BF7-D2BC8D1AB7B8}"/>
-          </ac:picMkLst>
-        </pc:picChg>
-        <pc:picChg chg="add mod">
-          <ac:chgData name="BONNIN François" userId="d90fafad-3c8a-4b4e-90f8-caf225ca9ff7" providerId="ADAL" clId="{D13C6D58-C88B-4EF1-82A1-96611FAB2364}" dt="2021-12-13T12:53:45.763" v="51" actId="1076"/>
-          <ac:picMkLst>
-            <pc:docMk/>
-            <pc:sldMk cId="1156491059" sldId="2427"/>
-            <ac:picMk id="9" creationId="{423CFB4C-0AAA-4DFC-BD1F-E08BF290C200}"/>
-          </ac:picMkLst>
-        </pc:picChg>
-      </pc:sldChg>
-    </pc:docChg>
-  </pc:docChgLst>
-  <pc:docChgLst>
-    <pc:chgData name="BONNIN François" userId="d90fafad-3c8a-4b4e-90f8-caf225ca9ff7" providerId="ADAL" clId="{E9982812-8B46-4E5A-8405-D9D98755CCAE}"/>
-    <pc:docChg chg="undo redo custSel addSld delSld modSld sldOrd modShowInfo">
-      <pc:chgData name="BONNIN François" userId="d90fafad-3c8a-4b4e-90f8-caf225ca9ff7" providerId="ADAL" clId="{E9982812-8B46-4E5A-8405-D9D98755CCAE}" dt="2022-01-01T17:37:00.140" v="2935" actId="20577"/>
-      <pc:docMkLst>
-        <pc:docMk/>
-      </pc:docMkLst>
-      <pc:sldChg chg="addSp delSp modSp mod">
-        <pc:chgData name="BONNIN François" userId="d90fafad-3c8a-4b4e-90f8-caf225ca9ff7" providerId="ADAL" clId="{E9982812-8B46-4E5A-8405-D9D98755CCAE}" dt="2021-12-29T17:31:58.921" v="916" actId="12789"/>
-        <pc:sldMkLst>
-          <pc:docMk/>
-          <pc:sldMk cId="1741621966" sldId="2343"/>
-        </pc:sldMkLst>
-        <pc:spChg chg="add del mod">
-          <ac:chgData name="BONNIN François" userId="d90fafad-3c8a-4b4e-90f8-caf225ca9ff7" providerId="ADAL" clId="{E9982812-8B46-4E5A-8405-D9D98755CCAE}" dt="2021-12-29T17:29:54.389" v="880" actId="478"/>
-          <ac:spMkLst>
-            <pc:docMk/>
-            <pc:sldMk cId="1741621966" sldId="2343"/>
-            <ac:spMk id="13" creationId="{035530E2-6D25-4521-8F81-8CED1FF60F3D}"/>
-          </ac:spMkLst>
-        </pc:spChg>
-        <pc:spChg chg="add mod">
-          <ac:chgData name="BONNIN François" userId="d90fafad-3c8a-4b4e-90f8-caf225ca9ff7" providerId="ADAL" clId="{E9982812-8B46-4E5A-8405-D9D98755CCAE}" dt="2021-12-29T17:31:58.921" v="916" actId="12789"/>
-          <ac:spMkLst>
-            <pc:docMk/>
-            <pc:sldMk cId="1741621966" sldId="2343"/>
-            <ac:spMk id="14" creationId="{BC0E8D75-BAFC-45E8-9CBF-11F2A47B25B6}"/>
-          </ac:spMkLst>
-        </pc:spChg>
-        <pc:spChg chg="add mod">
-          <ac:chgData name="BONNIN François" userId="d90fafad-3c8a-4b4e-90f8-caf225ca9ff7" providerId="ADAL" clId="{E9982812-8B46-4E5A-8405-D9D98755CCAE}" dt="2021-12-28T17:15:09.376" v="203" actId="12789"/>
-          <ac:spMkLst>
-            <pc:docMk/>
-            <pc:sldMk cId="1741621966" sldId="2343"/>
-            <ac:spMk id="15" creationId="{69E9FCA6-FFFF-43AA-A68D-3CBC171EDAA9}"/>
-          </ac:spMkLst>
-        </pc:spChg>
-        <pc:spChg chg="mod">
-          <ac:chgData name="BONNIN François" userId="d90fafad-3c8a-4b4e-90f8-caf225ca9ff7" providerId="ADAL" clId="{E9982812-8B46-4E5A-8405-D9D98755CCAE}" dt="2021-12-29T17:31:58.921" v="916" actId="12789"/>
-          <ac:spMkLst>
-            <pc:docMk/>
-            <pc:sldMk cId="1741621966" sldId="2343"/>
-            <ac:spMk id="28" creationId="{00000000-0000-0000-0000-000000000000}"/>
-          </ac:spMkLst>
-        </pc:spChg>
-        <pc:spChg chg="mod">
-          <ac:chgData name="BONNIN François" userId="d90fafad-3c8a-4b4e-90f8-caf225ca9ff7" providerId="ADAL" clId="{E9982812-8B46-4E5A-8405-D9D98755CCAE}" dt="2021-12-29T17:31:58.921" v="916" actId="12789"/>
-          <ac:spMkLst>
-            <pc:docMk/>
-            <pc:sldMk cId="1741621966" sldId="2343"/>
-            <ac:spMk id="29" creationId="{00000000-0000-0000-0000-000000000000}"/>
-          </ac:spMkLst>
-        </pc:spChg>
-        <pc:spChg chg="mod">
-          <ac:chgData name="BONNIN François" userId="d90fafad-3c8a-4b4e-90f8-caf225ca9ff7" providerId="ADAL" clId="{E9982812-8B46-4E5A-8405-D9D98755CCAE}" dt="2021-12-28T17:15:09.376" v="203" actId="12789"/>
-          <ac:spMkLst>
-            <pc:docMk/>
-            <pc:sldMk cId="1741621966" sldId="2343"/>
-            <ac:spMk id="30" creationId="{00000000-0000-0000-0000-000000000000}"/>
-          </ac:spMkLst>
-        </pc:spChg>
-        <pc:spChg chg="del mod">
-          <ac:chgData name="BONNIN François" userId="d90fafad-3c8a-4b4e-90f8-caf225ca9ff7" providerId="ADAL" clId="{E9982812-8B46-4E5A-8405-D9D98755CCAE}" dt="2021-12-29T17:30:02.614" v="881" actId="478"/>
-          <ac:spMkLst>
-            <pc:docMk/>
-            <pc:sldMk cId="1741621966" sldId="2343"/>
-            <ac:spMk id="31" creationId="{00000000-0000-0000-0000-000000000000}"/>
-          </ac:spMkLst>
-        </pc:spChg>
-        <pc:spChg chg="mod">
-          <ac:chgData name="BONNIN François" userId="d90fafad-3c8a-4b4e-90f8-caf225ca9ff7" providerId="ADAL" clId="{E9982812-8B46-4E5A-8405-D9D98755CCAE}" dt="2021-12-29T17:31:58.921" v="916" actId="12789"/>
-          <ac:spMkLst>
-            <pc:docMk/>
-            <pc:sldMk cId="1741621966" sldId="2343"/>
-            <ac:spMk id="32" creationId="{00000000-0000-0000-0000-000000000000}"/>
-          </ac:spMkLst>
-        </pc:spChg>
-        <pc:spChg chg="mod">
-          <ac:chgData name="BONNIN François" userId="d90fafad-3c8a-4b4e-90f8-caf225ca9ff7" providerId="ADAL" clId="{E9982812-8B46-4E5A-8405-D9D98755CCAE}" dt="2021-12-28T17:15:09.376" v="203" actId="12789"/>
-          <ac:spMkLst>
-            <pc:docMk/>
-            <pc:sldMk cId="1741621966" sldId="2343"/>
-            <ac:spMk id="33" creationId="{00000000-0000-0000-0000-000000000000}"/>
-          </ac:spMkLst>
-        </pc:spChg>
-        <pc:picChg chg="mod">
-          <ac:chgData name="BONNIN François" userId="d90fafad-3c8a-4b4e-90f8-caf225ca9ff7" providerId="ADAL" clId="{E9982812-8B46-4E5A-8405-D9D98755CCAE}" dt="2021-12-28T17:15:30.295" v="218" actId="1036"/>
-          <ac:picMkLst>
-            <pc:docMk/>
-            <pc:sldMk cId="1741621966" sldId="2343"/>
-            <ac:picMk id="5" creationId="{6A2B4DC0-F3B8-4B8B-9794-97758B0425B1}"/>
-          </ac:picMkLst>
-        </pc:picChg>
-        <pc:picChg chg="mod modCrop">
-          <ac:chgData name="BONNIN François" userId="d90fafad-3c8a-4b4e-90f8-caf225ca9ff7" providerId="ADAL" clId="{E9982812-8B46-4E5A-8405-D9D98755CCAE}" dt="2021-12-28T17:15:30.295" v="218" actId="1036"/>
-          <ac:picMkLst>
-            <pc:docMk/>
-            <pc:sldMk cId="1741621966" sldId="2343"/>
-            <ac:picMk id="11" creationId="{5B1B6BBB-18F9-5441-AFFB-0307692ED424}"/>
-          </ac:picMkLst>
-        </pc:picChg>
-        <pc:picChg chg="add del mod">
-          <ac:chgData name="BONNIN François" userId="d90fafad-3c8a-4b4e-90f8-caf225ca9ff7" providerId="ADAL" clId="{E9982812-8B46-4E5A-8405-D9D98755CCAE}" dt="2021-12-28T17:17:22.164" v="229" actId="1076"/>
-          <ac:picMkLst>
-            <pc:docMk/>
-            <pc:sldMk cId="1741621966" sldId="2343"/>
-            <ac:picMk id="16" creationId="{2C6AD885-F929-42AF-87E9-018143933679}"/>
-          </ac:picMkLst>
-        </pc:picChg>
-        <pc:picChg chg="add del mod">
-          <ac:chgData name="BONNIN François" userId="d90fafad-3c8a-4b4e-90f8-caf225ca9ff7" providerId="ADAL" clId="{E9982812-8B46-4E5A-8405-D9D98755CCAE}" dt="2021-12-28T17:17:03.979" v="225"/>
-          <ac:picMkLst>
-            <pc:docMk/>
-            <pc:sldMk cId="1741621966" sldId="2343"/>
-            <ac:picMk id="1026" creationId="{50D83576-B663-4280-8E75-52D308019406}"/>
-          </ac:picMkLst>
-        </pc:picChg>
-      </pc:sldChg>
-      <pc:sldChg chg="del ord">
-        <pc:chgData name="BONNIN François" userId="d90fafad-3c8a-4b4e-90f8-caf225ca9ff7" providerId="ADAL" clId="{E9982812-8B46-4E5A-8405-D9D98755CCAE}" dt="2021-12-28T18:22:54.292" v="586" actId="47"/>
-        <pc:sldMkLst>
-          <pc:docMk/>
-          <pc:sldMk cId="572061171" sldId="2395"/>
-        </pc:sldMkLst>
-      </pc:sldChg>
-      <pc:sldChg chg="addSp delSp modSp mod modNotesTx">
-        <pc:chgData name="BONNIN François" userId="d90fafad-3c8a-4b4e-90f8-caf225ca9ff7" providerId="ADAL" clId="{E9982812-8B46-4E5A-8405-D9D98755CCAE}" dt="2022-01-01T17:31:08.959" v="2831" actId="113"/>
-        <pc:sldMkLst>
-          <pc:docMk/>
-          <pc:sldMk cId="3381359016" sldId="2401"/>
-        </pc:sldMkLst>
-        <pc:spChg chg="add del mod">
-          <ac:chgData name="BONNIN François" userId="d90fafad-3c8a-4b4e-90f8-caf225ca9ff7" providerId="ADAL" clId="{E9982812-8B46-4E5A-8405-D9D98755CCAE}" dt="2022-01-01T17:31:08.959" v="2831" actId="113"/>
-          <ac:spMkLst>
-            <pc:docMk/>
-            <pc:sldMk cId="3381359016" sldId="2401"/>
-            <ac:spMk id="2" creationId="{00000000-0000-0000-0000-000000000000}"/>
-          </ac:spMkLst>
-        </pc:spChg>
-        <pc:spChg chg="mod">
-          <ac:chgData name="BONNIN François" userId="d90fafad-3c8a-4b4e-90f8-caf225ca9ff7" providerId="ADAL" clId="{E9982812-8B46-4E5A-8405-D9D98755CCAE}" dt="2021-12-29T17:45:15.760" v="973" actId="313"/>
-          <ac:spMkLst>
-            <pc:docMk/>
-            <pc:sldMk cId="3381359016" sldId="2401"/>
-            <ac:spMk id="21" creationId="{00000000-0000-0000-0000-000000000000}"/>
-          </ac:spMkLst>
-        </pc:spChg>
-        <pc:spChg chg="mod">
-          <ac:chgData name="BONNIN François" userId="d90fafad-3c8a-4b4e-90f8-caf225ca9ff7" providerId="ADAL" clId="{E9982812-8B46-4E5A-8405-D9D98755CCAE}" dt="2021-12-29T17:34:13.602" v="951" actId="20577"/>
-          <ac:spMkLst>
-            <pc:docMk/>
-            <pc:sldMk cId="3381359016" sldId="2401"/>
-            <ac:spMk id="22" creationId="{00000000-0000-0000-0000-000000000000}"/>
-          </ac:spMkLst>
-        </pc:spChg>
-        <pc:spChg chg="del">
-          <ac:chgData name="BONNIN François" userId="d90fafad-3c8a-4b4e-90f8-caf225ca9ff7" providerId="ADAL" clId="{E9982812-8B46-4E5A-8405-D9D98755CCAE}" dt="2021-12-28T18:23:41.269" v="609" actId="478"/>
-          <ac:spMkLst>
-            <pc:docMk/>
-            <pc:sldMk cId="3381359016" sldId="2401"/>
-            <ac:spMk id="24" creationId="{00000000-0000-0000-0000-000000000000}"/>
-          </ac:spMkLst>
-        </pc:spChg>
-      </pc:sldChg>
-      <pc:sldChg chg="addSp delSp modSp mod modTransition modNotesTx">
-        <pc:chgData name="BONNIN François" userId="d90fafad-3c8a-4b4e-90f8-caf225ca9ff7" providerId="ADAL" clId="{E9982812-8B46-4E5A-8405-D9D98755CCAE}" dt="2022-01-01T17:37:00.140" v="2935" actId="20577"/>
-        <pc:sldMkLst>
-          <pc:docMk/>
-          <pc:sldMk cId="1890488339" sldId="2420"/>
-        </pc:sldMkLst>
-        <pc:spChg chg="mod">
-          <ac:chgData name="BONNIN François" userId="d90fafad-3c8a-4b4e-90f8-caf225ca9ff7" providerId="ADAL" clId="{E9982812-8B46-4E5A-8405-D9D98755CCAE}" dt="2021-12-29T17:27:56.877" v="865" actId="207"/>
-          <ac:spMkLst>
-            <pc:docMk/>
-            <pc:sldMk cId="1890488339" sldId="2420"/>
-            <ac:spMk id="12" creationId="{00000000-0000-0000-0000-000000000000}"/>
-          </ac:spMkLst>
-        </pc:spChg>
-        <pc:spChg chg="mod">
-          <ac:chgData name="BONNIN François" userId="d90fafad-3c8a-4b4e-90f8-caf225ca9ff7" providerId="ADAL" clId="{E9982812-8B46-4E5A-8405-D9D98755CCAE}" dt="2021-12-28T17:33:56.978" v="286" actId="20577"/>
-          <ac:spMkLst>
-            <pc:docMk/>
-            <pc:sldMk cId="1890488339" sldId="2420"/>
-            <ac:spMk id="14" creationId="{00000000-0000-0000-0000-000000000000}"/>
-          </ac:spMkLst>
-        </pc:spChg>
-        <pc:spChg chg="del mod">
-          <ac:chgData name="BONNIN François" userId="d90fafad-3c8a-4b4e-90f8-caf225ca9ff7" providerId="ADAL" clId="{E9982812-8B46-4E5A-8405-D9D98755CCAE}" dt="2021-12-29T17:42:03.771" v="954"/>
-          <ac:spMkLst>
-            <pc:docMk/>
-            <pc:sldMk cId="1890488339" sldId="2420"/>
-            <ac:spMk id="15" creationId="{00000000-0000-0000-0000-000000000000}"/>
-          </ac:spMkLst>
-        </pc:spChg>
-        <pc:spChg chg="mod">
-          <ac:chgData name="BONNIN François" userId="d90fafad-3c8a-4b4e-90f8-caf225ca9ff7" providerId="ADAL" clId="{E9982812-8B46-4E5A-8405-D9D98755CCAE}" dt="2022-01-01T17:37:00.140" v="2935" actId="20577"/>
-          <ac:spMkLst>
-            <pc:docMk/>
-            <pc:sldMk cId="1890488339" sldId="2420"/>
-            <ac:spMk id="19" creationId="{00000000-0000-0000-0000-000000000000}"/>
-          </ac:spMkLst>
-        </pc:spChg>
-        <pc:spChg chg="mod">
-          <ac:chgData name="BONNIN François" userId="d90fafad-3c8a-4b4e-90f8-caf225ca9ff7" providerId="ADAL" clId="{E9982812-8B46-4E5A-8405-D9D98755CCAE}" dt="2021-12-29T17:42:18.576" v="959" actId="20577"/>
-          <ac:spMkLst>
-            <pc:docMk/>
-            <pc:sldMk cId="1890488339" sldId="2420"/>
-            <ac:spMk id="20" creationId="{00000000-0000-0000-0000-000000000000}"/>
-          </ac:spMkLst>
-        </pc:spChg>
-        <pc:spChg chg="del mod">
-          <ac:chgData name="BONNIN François" userId="d90fafad-3c8a-4b4e-90f8-caf225ca9ff7" providerId="ADAL" clId="{E9982812-8B46-4E5A-8405-D9D98755CCAE}" dt="2021-12-29T17:44:23.841" v="964" actId="478"/>
-          <ac:spMkLst>
-            <pc:docMk/>
-            <pc:sldMk cId="1890488339" sldId="2420"/>
-            <ac:spMk id="23" creationId="{00000000-0000-0000-0000-000000000000}"/>
-          </ac:spMkLst>
-        </pc:spChg>
-        <pc:picChg chg="add mod">
-          <ac:chgData name="BONNIN François" userId="d90fafad-3c8a-4b4e-90f8-caf225ca9ff7" providerId="ADAL" clId="{E9982812-8B46-4E5A-8405-D9D98755CCAE}" dt="2021-12-29T17:44:54.338" v="969" actId="207"/>
-          <ac:picMkLst>
-            <pc:docMk/>
-            <pc:sldMk cId="1890488339" sldId="2420"/>
-            <ac:picMk id="3" creationId="{C08D29E8-9B89-4DB6-9162-4376095CB891}"/>
-          </ac:picMkLst>
-        </pc:picChg>
-      </pc:sldChg>
-      <pc:sldChg chg="addSp modSp mod modNotesTx">
-        <pc:chgData name="BONNIN François" userId="d90fafad-3c8a-4b4e-90f8-caf225ca9ff7" providerId="ADAL" clId="{E9982812-8B46-4E5A-8405-D9D98755CCAE}" dt="2021-12-30T18:20:39.611" v="2610" actId="20577"/>
-        <pc:sldMkLst>
-          <pc:docMk/>
-          <pc:sldMk cId="1156491059" sldId="2427"/>
-        </pc:sldMkLst>
-        <pc:spChg chg="mod">
-          <ac:chgData name="BONNIN François" userId="d90fafad-3c8a-4b4e-90f8-caf225ca9ff7" providerId="ADAL" clId="{E9982812-8B46-4E5A-8405-D9D98755CCAE}" dt="2021-12-30T18:15:24.990" v="2489" actId="20578"/>
-          <ac:spMkLst>
-            <pc:docMk/>
-            <pc:sldMk cId="1156491059" sldId="2427"/>
-            <ac:spMk id="60" creationId="{00000000-0000-0000-0000-000000000000}"/>
-          </ac:spMkLst>
-        </pc:spChg>
-        <pc:spChg chg="mod">
-          <ac:chgData name="BONNIN François" userId="d90fafad-3c8a-4b4e-90f8-caf225ca9ff7" providerId="ADAL" clId="{E9982812-8B46-4E5A-8405-D9D98755CCAE}" dt="2021-12-30T18:15:24.990" v="2489" actId="20578"/>
-          <ac:spMkLst>
-            <pc:docMk/>
-            <pc:sldMk cId="1156491059" sldId="2427"/>
-            <ac:spMk id="61" creationId="{00000000-0000-0000-0000-000000000000}"/>
-          </ac:spMkLst>
-        </pc:spChg>
-        <pc:spChg chg="mod">
-          <ac:chgData name="BONNIN François" userId="d90fafad-3c8a-4b4e-90f8-caf225ca9ff7" providerId="ADAL" clId="{E9982812-8B46-4E5A-8405-D9D98755CCAE}" dt="2021-12-30T18:15:24.990" v="2489" actId="20578"/>
-          <ac:spMkLst>
-            <pc:docMk/>
-            <pc:sldMk cId="1156491059" sldId="2427"/>
-            <ac:spMk id="62" creationId="{00000000-0000-0000-0000-000000000000}"/>
-          </ac:spMkLst>
-        </pc:spChg>
-        <pc:spChg chg="mod">
-          <ac:chgData name="BONNIN François" userId="d90fafad-3c8a-4b4e-90f8-caf225ca9ff7" providerId="ADAL" clId="{E9982812-8B46-4E5A-8405-D9D98755CCAE}" dt="2021-12-30T18:15:24.990" v="2489" actId="20578"/>
-          <ac:spMkLst>
-            <pc:docMk/>
-            <pc:sldMk cId="1156491059" sldId="2427"/>
-            <ac:spMk id="63" creationId="{00000000-0000-0000-0000-000000000000}"/>
-          </ac:spMkLst>
-        </pc:spChg>
-        <pc:spChg chg="mod">
-          <ac:chgData name="BONNIN François" userId="d90fafad-3c8a-4b4e-90f8-caf225ca9ff7" providerId="ADAL" clId="{E9982812-8B46-4E5A-8405-D9D98755CCAE}" dt="2021-12-30T18:15:24.990" v="2489" actId="20578"/>
-          <ac:spMkLst>
-            <pc:docMk/>
-            <pc:sldMk cId="1156491059" sldId="2427"/>
-            <ac:spMk id="68" creationId="{00000000-0000-0000-0000-000000000000}"/>
-          </ac:spMkLst>
-        </pc:spChg>
-        <pc:spChg chg="mod">
-          <ac:chgData name="BONNIN François" userId="d90fafad-3c8a-4b4e-90f8-caf225ca9ff7" providerId="ADAL" clId="{E9982812-8B46-4E5A-8405-D9D98755CCAE}" dt="2021-12-30T18:15:24.990" v="2489" actId="20578"/>
-          <ac:spMkLst>
-            <pc:docMk/>
-            <pc:sldMk cId="1156491059" sldId="2427"/>
-            <ac:spMk id="69" creationId="{00000000-0000-0000-0000-000000000000}"/>
-          </ac:spMkLst>
-        </pc:spChg>
-        <pc:spChg chg="mod">
-          <ac:chgData name="BONNIN François" userId="d90fafad-3c8a-4b4e-90f8-caf225ca9ff7" providerId="ADAL" clId="{E9982812-8B46-4E5A-8405-D9D98755CCAE}" dt="2021-12-30T18:15:24.990" v="2489" actId="20578"/>
-          <ac:spMkLst>
-            <pc:docMk/>
-            <pc:sldMk cId="1156491059" sldId="2427"/>
-            <ac:spMk id="70" creationId="{00000000-0000-0000-0000-000000000000}"/>
-          </ac:spMkLst>
-        </pc:spChg>
-        <pc:spChg chg="mod">
-          <ac:chgData name="BONNIN François" userId="d90fafad-3c8a-4b4e-90f8-caf225ca9ff7" providerId="ADAL" clId="{E9982812-8B46-4E5A-8405-D9D98755CCAE}" dt="2021-12-30T18:15:24.990" v="2489" actId="20578"/>
-          <ac:spMkLst>
-            <pc:docMk/>
-            <pc:sldMk cId="1156491059" sldId="2427"/>
-            <ac:spMk id="71" creationId="{00000000-0000-0000-0000-000000000000}"/>
-          </ac:spMkLst>
-        </pc:spChg>
-        <pc:spChg chg="mod">
-          <ac:chgData name="BONNIN François" userId="d90fafad-3c8a-4b4e-90f8-caf225ca9ff7" providerId="ADAL" clId="{E9982812-8B46-4E5A-8405-D9D98755CCAE}" dt="2021-12-30T18:20:39.611" v="2610" actId="20577"/>
-          <ac:spMkLst>
-            <pc:docMk/>
-            <pc:sldMk cId="1156491059" sldId="2427"/>
-            <ac:spMk id="72" creationId="{00000000-0000-0000-0000-000000000000}"/>
-          </ac:spMkLst>
-        </pc:spChg>
-        <pc:spChg chg="mod">
-          <ac:chgData name="BONNIN François" userId="d90fafad-3c8a-4b4e-90f8-caf225ca9ff7" providerId="ADAL" clId="{E9982812-8B46-4E5A-8405-D9D98755CCAE}" dt="2021-12-30T18:16:53.094" v="2529" actId="20577"/>
-          <ac:spMkLst>
-            <pc:docMk/>
-            <pc:sldMk cId="1156491059" sldId="2427"/>
-            <ac:spMk id="73" creationId="{00000000-0000-0000-0000-000000000000}"/>
-          </ac:spMkLst>
-        </pc:spChg>
-        <pc:spChg chg="mod">
-          <ac:chgData name="BONNIN François" userId="d90fafad-3c8a-4b4e-90f8-caf225ca9ff7" providerId="ADAL" clId="{E9982812-8B46-4E5A-8405-D9D98755CCAE}" dt="2021-12-30T18:15:24.990" v="2489" actId="20578"/>
-          <ac:spMkLst>
-            <pc:docMk/>
-            <pc:sldMk cId="1156491059" sldId="2427"/>
-            <ac:spMk id="74" creationId="{00000000-0000-0000-0000-000000000000}"/>
-          </ac:spMkLst>
-        </pc:spChg>
-        <pc:spChg chg="mod">
-          <ac:chgData name="BONNIN François" userId="d90fafad-3c8a-4b4e-90f8-caf225ca9ff7" providerId="ADAL" clId="{E9982812-8B46-4E5A-8405-D9D98755CCAE}" dt="2021-12-30T18:15:24.990" v="2489" actId="20578"/>
-          <ac:spMkLst>
-            <pc:docMk/>
-            <pc:sldMk cId="1156491059" sldId="2427"/>
-            <ac:spMk id="75" creationId="{00000000-0000-0000-0000-000000000000}"/>
-          </ac:spMkLst>
-        </pc:spChg>
-        <pc:grpChg chg="add mod">
-          <ac:chgData name="BONNIN François" userId="d90fafad-3c8a-4b4e-90f8-caf225ca9ff7" providerId="ADAL" clId="{E9982812-8B46-4E5A-8405-D9D98755CCAE}" dt="2021-12-30T18:15:24.990" v="2489" actId="20578"/>
-          <ac:grpSpMkLst>
-            <pc:docMk/>
-            <pc:sldMk cId="1156491059" sldId="2427"/>
-            <ac:grpSpMk id="2" creationId="{A6FCF093-1830-4E6C-A5A1-0C1E9A06F816}"/>
-          </ac:grpSpMkLst>
-        </pc:grpChg>
-        <pc:grpChg chg="add mod">
-          <ac:chgData name="BONNIN François" userId="d90fafad-3c8a-4b4e-90f8-caf225ca9ff7" providerId="ADAL" clId="{E9982812-8B46-4E5A-8405-D9D98755CCAE}" dt="2021-12-30T18:15:24.990" v="2489" actId="20578"/>
-          <ac:grpSpMkLst>
-            <pc:docMk/>
-            <pc:sldMk cId="1156491059" sldId="2427"/>
-            <ac:grpSpMk id="4" creationId="{229F1F22-D6CB-4089-9A21-088B64FB7C0D}"/>
-          </ac:grpSpMkLst>
-        </pc:grpChg>
-        <pc:grpChg chg="add mod">
-          <ac:chgData name="BONNIN François" userId="d90fafad-3c8a-4b4e-90f8-caf225ca9ff7" providerId="ADAL" clId="{E9982812-8B46-4E5A-8405-D9D98755CCAE}" dt="2021-12-30T18:15:24.990" v="2489" actId="20578"/>
-          <ac:grpSpMkLst>
-            <pc:docMk/>
-            <pc:sldMk cId="1156491059" sldId="2427"/>
-            <ac:grpSpMk id="6" creationId="{E987D1B0-8C00-4DCA-AAFB-187C8ED69EAD}"/>
-          </ac:grpSpMkLst>
-        </pc:grpChg>
-        <pc:grpChg chg="add mod">
-          <ac:chgData name="BONNIN François" userId="d90fafad-3c8a-4b4e-90f8-caf225ca9ff7" providerId="ADAL" clId="{E9982812-8B46-4E5A-8405-D9D98755CCAE}" dt="2021-12-30T18:15:24.990" v="2489" actId="20578"/>
-          <ac:grpSpMkLst>
-            <pc:docMk/>
-            <pc:sldMk cId="1156491059" sldId="2427"/>
-            <ac:grpSpMk id="8" creationId="{944288CA-D225-4BEB-A8A4-4601F755DAAF}"/>
-          </ac:grpSpMkLst>
-        </pc:grpChg>
-        <pc:grpChg chg="add mod">
-          <ac:chgData name="BONNIN François" userId="d90fafad-3c8a-4b4e-90f8-caf225ca9ff7" providerId="ADAL" clId="{E9982812-8B46-4E5A-8405-D9D98755CCAE}" dt="2021-12-30T18:15:24.990" v="2489" actId="20578"/>
-          <ac:grpSpMkLst>
-            <pc:docMk/>
-            <pc:sldMk cId="1156491059" sldId="2427"/>
-            <ac:grpSpMk id="10" creationId="{88993623-B624-4EA8-B396-227F5C8F4EA9}"/>
-          </ac:grpSpMkLst>
-        </pc:grpChg>
-        <pc:picChg chg="mod">
-          <ac:chgData name="BONNIN François" userId="d90fafad-3c8a-4b4e-90f8-caf225ca9ff7" providerId="ADAL" clId="{E9982812-8B46-4E5A-8405-D9D98755CCAE}" dt="2021-12-30T18:15:24.990" v="2489" actId="20578"/>
-          <ac:picMkLst>
-            <pc:docMk/>
-            <pc:sldMk cId="1156491059" sldId="2427"/>
-            <ac:picMk id="3" creationId="{6D77815F-86A8-460A-9A7C-DAF608CC5D09}"/>
-          </ac:picMkLst>
-        </pc:picChg>
-        <pc:picChg chg="mod">
-          <ac:chgData name="BONNIN François" userId="d90fafad-3c8a-4b4e-90f8-caf225ca9ff7" providerId="ADAL" clId="{E9982812-8B46-4E5A-8405-D9D98755CCAE}" dt="2021-12-30T18:15:24.990" v="2489" actId="20578"/>
-          <ac:picMkLst>
-            <pc:docMk/>
-            <pc:sldMk cId="1156491059" sldId="2427"/>
-            <ac:picMk id="5" creationId="{B298A885-1794-45E7-B57B-E2060C0FB138}"/>
-          </ac:picMkLst>
-        </pc:picChg>
-        <pc:picChg chg="mod">
-          <ac:chgData name="BONNIN François" userId="d90fafad-3c8a-4b4e-90f8-caf225ca9ff7" providerId="ADAL" clId="{E9982812-8B46-4E5A-8405-D9D98755CCAE}" dt="2021-12-30T18:15:24.990" v="2489" actId="20578"/>
-          <ac:picMkLst>
-            <pc:docMk/>
-            <pc:sldMk cId="1156491059" sldId="2427"/>
-            <ac:picMk id="7" creationId="{6D47AFAD-E2AA-441D-8BF7-D2BC8D1AB7B8}"/>
-          </ac:picMkLst>
-        </pc:picChg>
-        <pc:picChg chg="mod">
-          <ac:chgData name="BONNIN François" userId="d90fafad-3c8a-4b4e-90f8-caf225ca9ff7" providerId="ADAL" clId="{E9982812-8B46-4E5A-8405-D9D98755CCAE}" dt="2021-12-30T18:15:24.990" v="2489" actId="20578"/>
-          <ac:picMkLst>
-            <pc:docMk/>
-            <pc:sldMk cId="1156491059" sldId="2427"/>
-            <ac:picMk id="9" creationId="{423CFB4C-0AAA-4DFC-BD1F-E08BF290C200}"/>
-          </ac:picMkLst>
-        </pc:picChg>
-      </pc:sldChg>
-      <pc:sldChg chg="addSp delSp modSp mod modNotesTx">
-        <pc:chgData name="BONNIN François" userId="d90fafad-3c8a-4b4e-90f8-caf225ca9ff7" providerId="ADAL" clId="{E9982812-8B46-4E5A-8405-D9D98755CCAE}" dt="2021-12-30T18:10:14.949" v="2356" actId="108"/>
-        <pc:sldMkLst>
-          <pc:docMk/>
-          <pc:sldMk cId="3375800771" sldId="2429"/>
-        </pc:sldMkLst>
-        <pc:spChg chg="mod">
-          <ac:chgData name="BONNIN François" userId="d90fafad-3c8a-4b4e-90f8-caf225ca9ff7" providerId="ADAL" clId="{E9982812-8B46-4E5A-8405-D9D98755CCAE}" dt="2021-12-30T10:09:49.483" v="1845" actId="1038"/>
-          <ac:spMkLst>
-            <pc:docMk/>
-            <pc:sldMk cId="3375800771" sldId="2429"/>
-            <ac:spMk id="12" creationId="{DBF4BB16-066B-004E-AA33-BEE4B3168A60}"/>
-          </ac:spMkLst>
-        </pc:spChg>
-        <pc:spChg chg="add mod">
-          <ac:chgData name="BONNIN François" userId="d90fafad-3c8a-4b4e-90f8-caf225ca9ff7" providerId="ADAL" clId="{E9982812-8B46-4E5A-8405-D9D98755CCAE}" dt="2021-12-30T18:10:07.495" v="2354" actId="1076"/>
-          <ac:spMkLst>
-            <pc:docMk/>
-            <pc:sldMk cId="3375800771" sldId="2429"/>
-            <ac:spMk id="13" creationId="{367404F4-A3A8-4E98-9DF6-B40CC2E740A4}"/>
-          </ac:spMkLst>
-        </pc:spChg>
-        <pc:spChg chg="add mod">
-          <ac:chgData name="BONNIN François" userId="d90fafad-3c8a-4b4e-90f8-caf225ca9ff7" providerId="ADAL" clId="{E9982812-8B46-4E5A-8405-D9D98755CCAE}" dt="2021-12-30T18:10:07.495" v="2354" actId="1076"/>
-          <ac:spMkLst>
-            <pc:docMk/>
-            <pc:sldMk cId="3375800771" sldId="2429"/>
-            <ac:spMk id="14" creationId="{E71F4EDC-4B7E-4499-98C8-D46A5CAE0B1E}"/>
-          </ac:spMkLst>
-        </pc:spChg>
-        <pc:spChg chg="add mod">
-          <ac:chgData name="BONNIN François" userId="d90fafad-3c8a-4b4e-90f8-caf225ca9ff7" providerId="ADAL" clId="{E9982812-8B46-4E5A-8405-D9D98755CCAE}" dt="2021-12-30T18:10:07.495" v="2354" actId="1076"/>
-          <ac:spMkLst>
-            <pc:docMk/>
-            <pc:sldMk cId="3375800771" sldId="2429"/>
-            <ac:spMk id="16" creationId="{09740747-8A21-43E9-9BCB-52D94645120F}"/>
-          </ac:spMkLst>
-        </pc:spChg>
-        <pc:spChg chg="mod">
-          <ac:chgData name="BONNIN François" userId="d90fafad-3c8a-4b4e-90f8-caf225ca9ff7" providerId="ADAL" clId="{E9982812-8B46-4E5A-8405-D9D98755CCAE}" dt="2021-12-30T18:10:07.495" v="2354" actId="1076"/>
-          <ac:spMkLst>
-            <pc:docMk/>
-            <pc:sldMk cId="3375800771" sldId="2429"/>
-            <ac:spMk id="44" creationId="{00000000-0000-0000-0000-000000000000}"/>
-          </ac:spMkLst>
-        </pc:spChg>
-        <pc:spChg chg="mod">
-          <ac:chgData name="BONNIN François" userId="d90fafad-3c8a-4b4e-90f8-caf225ca9ff7" providerId="ADAL" clId="{E9982812-8B46-4E5A-8405-D9D98755CCAE}" dt="2021-12-30T18:10:14.949" v="2356" actId="108"/>
-          <ac:spMkLst>
-            <pc:docMk/>
-            <pc:sldMk cId="3375800771" sldId="2429"/>
-            <ac:spMk id="45" creationId="{00000000-0000-0000-0000-000000000000}"/>
-          </ac:spMkLst>
-        </pc:spChg>
-        <pc:spChg chg="add del mod">
-          <ac:chgData name="BONNIN François" userId="d90fafad-3c8a-4b4e-90f8-caf225ca9ff7" providerId="ADAL" clId="{E9982812-8B46-4E5A-8405-D9D98755CCAE}" dt="2021-12-30T10:41:55.300" v="2204"/>
-          <ac:spMkLst>
-            <pc:docMk/>
-            <pc:sldMk cId="3375800771" sldId="2429"/>
-            <ac:spMk id="46" creationId="{00000000-0000-0000-0000-000000000000}"/>
-          </ac:spMkLst>
-        </pc:spChg>
-        <pc:spChg chg="del mod">
-          <ac:chgData name="BONNIN François" userId="d90fafad-3c8a-4b4e-90f8-caf225ca9ff7" providerId="ADAL" clId="{E9982812-8B46-4E5A-8405-D9D98755CCAE}" dt="2021-12-30T10:46:08.778" v="2235" actId="478"/>
-          <ac:spMkLst>
-            <pc:docMk/>
-            <pc:sldMk cId="3375800771" sldId="2429"/>
-            <ac:spMk id="47" creationId="{00000000-0000-0000-0000-000000000000}"/>
-          </ac:spMkLst>
-        </pc:spChg>
-        <pc:spChg chg="add del mod">
-          <ac:chgData name="BONNIN François" userId="d90fafad-3c8a-4b4e-90f8-caf225ca9ff7" providerId="ADAL" clId="{E9982812-8B46-4E5A-8405-D9D98755CCAE}" dt="2021-12-30T10:41:54.115" v="2202" actId="552"/>
-          <ac:spMkLst>
-            <pc:docMk/>
-            <pc:sldMk cId="3375800771" sldId="2429"/>
-            <ac:spMk id="48" creationId="{00000000-0000-0000-0000-000000000000}"/>
-          </ac:spMkLst>
-        </pc:spChg>
-        <pc:spChg chg="mod">
-          <ac:chgData name="BONNIN François" userId="d90fafad-3c8a-4b4e-90f8-caf225ca9ff7" providerId="ADAL" clId="{E9982812-8B46-4E5A-8405-D9D98755CCAE}" dt="2021-12-30T18:10:10.454" v="2355" actId="14100"/>
-          <ac:spMkLst>
-            <pc:docMk/>
-            <pc:sldMk cId="3375800771" sldId="2429"/>
-            <ac:spMk id="49" creationId="{00000000-0000-0000-0000-000000000000}"/>
-          </ac:spMkLst>
-        </pc:spChg>
-      </pc:sldChg>
-      <pc:sldChg chg="del">
-        <pc:chgData name="BONNIN François" userId="d90fafad-3c8a-4b4e-90f8-caf225ca9ff7" providerId="ADAL" clId="{E9982812-8B46-4E5A-8405-D9D98755CCAE}" dt="2021-12-29T17:26:22.558" v="861" actId="47"/>
-        <pc:sldMkLst>
-          <pc:docMk/>
-          <pc:sldMk cId="1225732617" sldId="2463"/>
-        </pc:sldMkLst>
-      </pc:sldChg>
-      <pc:sldChg chg="modSp mod modNotesTx">
-        <pc:chgData name="BONNIN François" userId="d90fafad-3c8a-4b4e-90f8-caf225ca9ff7" providerId="ADAL" clId="{E9982812-8B46-4E5A-8405-D9D98755CCAE}" dt="2021-12-29T17:32:17.966" v="918" actId="208"/>
-        <pc:sldMkLst>
-          <pc:docMk/>
-          <pc:sldMk cId="3963181478" sldId="2464"/>
-        </pc:sldMkLst>
-        <pc:cxnChg chg="mod">
-          <ac:chgData name="BONNIN François" userId="d90fafad-3c8a-4b4e-90f8-caf225ca9ff7" providerId="ADAL" clId="{E9982812-8B46-4E5A-8405-D9D98755CCAE}" dt="2021-12-29T17:32:17.966" v="918" actId="208"/>
-          <ac:cxnSpMkLst>
-            <pc:docMk/>
-            <pc:sldMk cId="3963181478" sldId="2464"/>
-            <ac:cxnSpMk id="17" creationId="{57E868CD-3022-7541-B0B9-7FF9CAF7A4E1}"/>
-          </ac:cxnSpMkLst>
-        </pc:cxnChg>
-        <pc:cxnChg chg="mod">
-          <ac:chgData name="BONNIN François" userId="d90fafad-3c8a-4b4e-90f8-caf225ca9ff7" providerId="ADAL" clId="{E9982812-8B46-4E5A-8405-D9D98755CCAE}" dt="2021-12-29T17:32:17.966" v="918" actId="208"/>
-          <ac:cxnSpMkLst>
-            <pc:docMk/>
-            <pc:sldMk cId="3963181478" sldId="2464"/>
-            <ac:cxnSpMk id="20" creationId="{00000000-0000-0000-0000-000000000000}"/>
-          </ac:cxnSpMkLst>
-        </pc:cxnChg>
-      </pc:sldChg>
-      <pc:sldChg chg="delSp modSp add mod">
-        <pc:chgData name="BONNIN François" userId="d90fafad-3c8a-4b4e-90f8-caf225ca9ff7" providerId="ADAL" clId="{E9982812-8B46-4E5A-8405-D9D98755CCAE}" dt="2022-01-01T17:30:24.971" v="2830" actId="113"/>
-        <pc:sldMkLst>
-          <pc:docMk/>
-          <pc:sldMk cId="1868281814" sldId="2465"/>
-        </pc:sldMkLst>
-        <pc:spChg chg="mod">
-          <ac:chgData name="BONNIN François" userId="d90fafad-3c8a-4b4e-90f8-caf225ca9ff7" providerId="ADAL" clId="{E9982812-8B46-4E5A-8405-D9D98755CCAE}" dt="2022-01-01T17:30:24.971" v="2830" actId="113"/>
-          <ac:spMkLst>
-            <pc:docMk/>
-            <pc:sldMk cId="1868281814" sldId="2465"/>
-            <ac:spMk id="2" creationId="{00000000-0000-0000-0000-000000000000}"/>
-          </ac:spMkLst>
-        </pc:spChg>
-        <pc:spChg chg="mod">
-          <ac:chgData name="BONNIN François" userId="d90fafad-3c8a-4b4e-90f8-caf225ca9ff7" providerId="ADAL" clId="{E9982812-8B46-4E5A-8405-D9D98755CCAE}" dt="2021-12-28T18:24:52.143" v="687" actId="12788"/>
-          <ac:spMkLst>
-            <pc:docMk/>
-            <pc:sldMk cId="1868281814" sldId="2465"/>
-            <ac:spMk id="21" creationId="{00000000-0000-0000-0000-000000000000}"/>
-          </ac:spMkLst>
-        </pc:spChg>
-        <pc:spChg chg="mod">
-          <ac:chgData name="BONNIN François" userId="d90fafad-3c8a-4b4e-90f8-caf225ca9ff7" providerId="ADAL" clId="{E9982812-8B46-4E5A-8405-D9D98755CCAE}" dt="2021-12-29T17:33:35.213" v="930"/>
-          <ac:spMkLst>
-            <pc:docMk/>
-            <pc:sldMk cId="1868281814" sldId="2465"/>
-            <ac:spMk id="22" creationId="{00000000-0000-0000-0000-000000000000}"/>
-          </ac:spMkLst>
-        </pc:spChg>
-        <pc:spChg chg="del">
-          <ac:chgData name="BONNIN François" userId="d90fafad-3c8a-4b4e-90f8-caf225ca9ff7" providerId="ADAL" clId="{E9982812-8B46-4E5A-8405-D9D98755CCAE}" dt="2021-12-29T17:28:37.589" v="870" actId="478"/>
-          <ac:spMkLst>
-            <pc:docMk/>
-            <pc:sldMk cId="1868281814" sldId="2465"/>
-            <ac:spMk id="24" creationId="{00000000-0000-0000-0000-000000000000}"/>
-          </ac:spMkLst>
-        </pc:spChg>
-      </pc:sldChg>
-      <pc:sldChg chg="delSp modSp add mod ord">
-        <pc:chgData name="BONNIN François" userId="d90fafad-3c8a-4b4e-90f8-caf225ca9ff7" providerId="ADAL" clId="{E9982812-8B46-4E5A-8405-D9D98755CCAE}" dt="2022-01-01T17:36:40.055" v="2902" actId="20578"/>
-        <pc:sldMkLst>
-          <pc:docMk/>
-          <pc:sldMk cId="275256398" sldId="2466"/>
-        </pc:sldMkLst>
-        <pc:spChg chg="mod">
-          <ac:chgData name="BONNIN François" userId="d90fafad-3c8a-4b4e-90f8-caf225ca9ff7" providerId="ADAL" clId="{E9982812-8B46-4E5A-8405-D9D98755CCAE}" dt="2022-01-01T17:30:12.497" v="2829" actId="113"/>
-          <ac:spMkLst>
-            <pc:docMk/>
-            <pc:sldMk cId="275256398" sldId="2466"/>
-            <ac:spMk id="2" creationId="{00000000-0000-0000-0000-000000000000}"/>
-          </ac:spMkLst>
-        </pc:spChg>
-        <pc:spChg chg="mod">
-          <ac:chgData name="BONNIN François" userId="d90fafad-3c8a-4b4e-90f8-caf225ca9ff7" providerId="ADAL" clId="{E9982812-8B46-4E5A-8405-D9D98755CCAE}" dt="2021-12-28T18:25:41.902" v="780" actId="12788"/>
-          <ac:spMkLst>
-            <pc:docMk/>
-            <pc:sldMk cId="275256398" sldId="2466"/>
-            <ac:spMk id="21" creationId="{00000000-0000-0000-0000-000000000000}"/>
-          </ac:spMkLst>
-        </pc:spChg>
-        <pc:spChg chg="mod">
-          <ac:chgData name="BONNIN François" userId="d90fafad-3c8a-4b4e-90f8-caf225ca9ff7" providerId="ADAL" clId="{E9982812-8B46-4E5A-8405-D9D98755CCAE}" dt="2021-12-29T17:33:22.500" v="926" actId="108"/>
-          <ac:spMkLst>
-            <pc:docMk/>
-            <pc:sldMk cId="275256398" sldId="2466"/>
-            <ac:spMk id="22" creationId="{00000000-0000-0000-0000-000000000000}"/>
-          </ac:spMkLst>
-        </pc:spChg>
-        <pc:spChg chg="del">
-          <ac:chgData name="BONNIN François" userId="d90fafad-3c8a-4b4e-90f8-caf225ca9ff7" providerId="ADAL" clId="{E9982812-8B46-4E5A-8405-D9D98755CCAE}" dt="2021-12-29T17:28:51.526" v="873" actId="478"/>
-          <ac:spMkLst>
-            <pc:docMk/>
-            <pc:sldMk cId="275256398" sldId="2466"/>
-            <ac:spMk id="24" creationId="{00000000-0000-0000-0000-000000000000}"/>
-          </ac:spMkLst>
-        </pc:spChg>
-      </pc:sldChg>
-      <pc:sldChg chg="delSp modSp add mod">
-        <pc:chgData name="BONNIN François" userId="d90fafad-3c8a-4b4e-90f8-caf225ca9ff7" providerId="ADAL" clId="{E9982812-8B46-4E5A-8405-D9D98755CCAE}" dt="2022-01-01T17:29:22.874" v="2828" actId="113"/>
-        <pc:sldMkLst>
-          <pc:docMk/>
-          <pc:sldMk cId="345967441" sldId="2467"/>
-        </pc:sldMkLst>
-        <pc:spChg chg="mod">
-          <ac:chgData name="BONNIN François" userId="d90fafad-3c8a-4b4e-90f8-caf225ca9ff7" providerId="ADAL" clId="{E9982812-8B46-4E5A-8405-D9D98755CCAE}" dt="2022-01-01T17:29:22.874" v="2828" actId="113"/>
-          <ac:spMkLst>
-            <pc:docMk/>
-            <pc:sldMk cId="345967441" sldId="2467"/>
-            <ac:spMk id="2" creationId="{00000000-0000-0000-0000-000000000000}"/>
-          </ac:spMkLst>
-        </pc:spChg>
-        <pc:spChg chg="mod">
-          <ac:chgData name="BONNIN François" userId="d90fafad-3c8a-4b4e-90f8-caf225ca9ff7" providerId="ADAL" clId="{E9982812-8B46-4E5A-8405-D9D98755CCAE}" dt="2021-12-29T17:45:47.331" v="982" actId="20577"/>
-          <ac:spMkLst>
-            <pc:docMk/>
-            <pc:sldMk cId="345967441" sldId="2467"/>
-            <ac:spMk id="21" creationId="{00000000-0000-0000-0000-000000000000}"/>
-          </ac:spMkLst>
-        </pc:spChg>
-        <pc:spChg chg="mod">
-          <ac:chgData name="BONNIN François" userId="d90fafad-3c8a-4b4e-90f8-caf225ca9ff7" providerId="ADAL" clId="{E9982812-8B46-4E5A-8405-D9D98755CCAE}" dt="2021-12-28T18:28:18.384" v="859"/>
-          <ac:spMkLst>
-            <pc:docMk/>
-            <pc:sldMk cId="345967441" sldId="2467"/>
-            <ac:spMk id="22" creationId="{00000000-0000-0000-0000-000000000000}"/>
-          </ac:spMkLst>
-        </pc:spChg>
-        <pc:spChg chg="del">
-          <ac:chgData name="BONNIN François" userId="d90fafad-3c8a-4b4e-90f8-caf225ca9ff7" providerId="ADAL" clId="{E9982812-8B46-4E5A-8405-D9D98755CCAE}" dt="2021-12-29T17:29:00.450" v="874" actId="478"/>
-          <ac:spMkLst>
-            <pc:docMk/>
-            <pc:sldMk cId="345967441" sldId="2467"/>
-            <ac:spMk id="24" creationId="{00000000-0000-0000-0000-000000000000}"/>
-          </ac:spMkLst>
-        </pc:spChg>
-      </pc:sldChg>
-      <pc:sldChg chg="addSp delSp modSp new mod setBg">
-        <pc:chgData name="BONNIN François" userId="d90fafad-3c8a-4b4e-90f8-caf225ca9ff7" providerId="ADAL" clId="{E9982812-8B46-4E5A-8405-D9D98755CCAE}" dt="2021-12-30T09:36:35.714" v="1151" actId="26606"/>
-        <pc:sldMkLst>
-          <pc:docMk/>
-          <pc:sldMk cId="2303087837" sldId="2468"/>
-        </pc:sldMkLst>
-        <pc:spChg chg="del mod">
-          <ac:chgData name="BONNIN François" userId="d90fafad-3c8a-4b4e-90f8-caf225ca9ff7" providerId="ADAL" clId="{E9982812-8B46-4E5A-8405-D9D98755CCAE}" dt="2021-12-30T09:32:12.467" v="1109" actId="931"/>
-          <ac:spMkLst>
-            <pc:docMk/>
-            <pc:sldMk cId="2303087837" sldId="2468"/>
-            <ac:spMk id="2" creationId="{3D0AB87D-47E7-4FD2-9A49-62AA66BF042B}"/>
-          </ac:spMkLst>
-        </pc:spChg>
-        <pc:spChg chg="add del mod">
-          <ac:chgData name="BONNIN François" userId="d90fafad-3c8a-4b4e-90f8-caf225ca9ff7" providerId="ADAL" clId="{E9982812-8B46-4E5A-8405-D9D98755CCAE}" dt="2021-12-30T09:32:41.792" v="1117" actId="931"/>
-          <ac:spMkLst>
-            <pc:docMk/>
-            <pc:sldMk cId="2303087837" sldId="2468"/>
-            <ac:spMk id="3" creationId="{F4F0CB4C-F888-453E-B9D5-4627C3533C15}"/>
-          </ac:spMkLst>
-        </pc:spChg>
-        <pc:spChg chg="del mod">
-          <ac:chgData name="BONNIN François" userId="d90fafad-3c8a-4b4e-90f8-caf225ca9ff7" providerId="ADAL" clId="{E9982812-8B46-4E5A-8405-D9D98755CCAE}" dt="2021-12-30T09:29:53.324" v="1101" actId="931"/>
-          <ac:spMkLst>
-            <pc:docMk/>
-            <pc:sldMk cId="2303087837" sldId="2468"/>
-            <ac:spMk id="4" creationId="{30B72004-EAF4-4A9E-8784-87D7DA1BF391}"/>
-          </ac:spMkLst>
-        </pc:spChg>
-        <pc:spChg chg="add del">
-          <ac:chgData name="BONNIN François" userId="d90fafad-3c8a-4b4e-90f8-caf225ca9ff7" providerId="ADAL" clId="{E9982812-8B46-4E5A-8405-D9D98755CCAE}" dt="2021-12-30T09:36:35.714" v="1151" actId="26606"/>
-          <ac:spMkLst>
-            <pc:docMk/>
-            <pc:sldMk cId="2303087837" sldId="2468"/>
-            <ac:spMk id="12" creationId="{56827C3C-D52F-46CE-A441-3CD6A1A6A0A2}"/>
-          </ac:spMkLst>
-        </pc:spChg>
-        <pc:spChg chg="add del">
-          <ac:chgData name="BONNIN François" userId="d90fafad-3c8a-4b4e-90f8-caf225ca9ff7" providerId="ADAL" clId="{E9982812-8B46-4E5A-8405-D9D98755CCAE}" dt="2021-12-30T09:32:17.577" v="1111" actId="26606"/>
-          <ac:spMkLst>
-            <pc:docMk/>
-            <pc:sldMk cId="2303087837" sldId="2468"/>
-            <ac:spMk id="13" creationId="{9E90EB45-EEE9-4563-8179-65EF62AE0978}"/>
-          </ac:spMkLst>
-        </pc:spChg>
-        <pc:spChg chg="add del">
-          <ac:chgData name="BONNIN François" userId="d90fafad-3c8a-4b4e-90f8-caf225ca9ff7" providerId="ADAL" clId="{E9982812-8B46-4E5A-8405-D9D98755CCAE}" dt="2021-12-30T09:32:17.577" v="1111" actId="26606"/>
-          <ac:spMkLst>
-            <pc:docMk/>
-            <pc:sldMk cId="2303087837" sldId="2468"/>
-            <ac:spMk id="15" creationId="{23D0EF74-AD1E-4FD9-914D-8EC9058EBBA3}"/>
-          </ac:spMkLst>
-        </pc:spChg>
-        <pc:spChg chg="add del">
-          <ac:chgData name="BONNIN François" userId="d90fafad-3c8a-4b4e-90f8-caf225ca9ff7" providerId="ADAL" clId="{E9982812-8B46-4E5A-8405-D9D98755CCAE}" dt="2021-12-30T09:36:35.714" v="1151" actId="26606"/>
-          <ac:spMkLst>
-            <pc:docMk/>
-            <pc:sldMk cId="2303087837" sldId="2468"/>
-            <ac:spMk id="17" creationId="{F52A8B51-0A89-497B-B882-6658E029A3F9}"/>
-          </ac:spMkLst>
-        </pc:spChg>
-        <pc:spChg chg="add del">
-          <ac:chgData name="BONNIN François" userId="d90fafad-3c8a-4b4e-90f8-caf225ca9ff7" providerId="ADAL" clId="{E9982812-8B46-4E5A-8405-D9D98755CCAE}" dt="2021-12-30T09:36:35.714" v="1151" actId="26606"/>
-          <ac:spMkLst>
-            <pc:docMk/>
-            <pc:sldMk cId="2303087837" sldId="2468"/>
-            <ac:spMk id="19" creationId="{EB1CEFBF-6F09-4052-862B-E219DA15757E}"/>
-          </ac:spMkLst>
-        </pc:spChg>
-        <pc:spChg chg="add del">
-          <ac:chgData name="BONNIN François" userId="d90fafad-3c8a-4b4e-90f8-caf225ca9ff7" providerId="ADAL" clId="{E9982812-8B46-4E5A-8405-D9D98755CCAE}" dt="2021-12-30T09:36:35.714" v="1151" actId="26606"/>
-          <ac:spMkLst>
-            <pc:docMk/>
-            <pc:sldMk cId="2303087837" sldId="2468"/>
-            <ac:spMk id="21" creationId="{BCB5D417-2A71-445D-B4C7-9E814D633D33}"/>
-          </ac:spMkLst>
-        </pc:spChg>
-        <pc:picChg chg="add mod">
-          <ac:chgData name="BONNIN François" userId="d90fafad-3c8a-4b4e-90f8-caf225ca9ff7" providerId="ADAL" clId="{E9982812-8B46-4E5A-8405-D9D98755CCAE}" dt="2021-12-30T09:36:35.714" v="1151" actId="26606"/>
-          <ac:picMkLst>
-            <pc:docMk/>
-            <pc:sldMk cId="2303087837" sldId="2468"/>
-            <ac:picMk id="6" creationId="{2D5193ED-6E3C-43AD-82EF-B323949E3A6B}"/>
-          </ac:picMkLst>
-        </pc:picChg>
-        <pc:picChg chg="add mod ord">
-          <ac:chgData name="BONNIN François" userId="d90fafad-3c8a-4b4e-90f8-caf225ca9ff7" providerId="ADAL" clId="{E9982812-8B46-4E5A-8405-D9D98755CCAE}" dt="2021-12-30T09:36:35.714" v="1151" actId="26606"/>
-          <ac:picMkLst>
-            <pc:docMk/>
-            <pc:sldMk cId="2303087837" sldId="2468"/>
-            <ac:picMk id="8" creationId="{431D9207-67A8-435C-8DFD-17EE9A54BA2D}"/>
-          </ac:picMkLst>
-        </pc:picChg>
-        <pc:picChg chg="add mod ord modCrop">
-          <ac:chgData name="BONNIN François" userId="d90fafad-3c8a-4b4e-90f8-caf225ca9ff7" providerId="ADAL" clId="{E9982812-8B46-4E5A-8405-D9D98755CCAE}" dt="2021-12-30T09:36:35.714" v="1151" actId="26606"/>
-          <ac:picMkLst>
-            <pc:docMk/>
-            <pc:sldMk cId="2303087837" sldId="2468"/>
-            <ac:picMk id="10" creationId="{4791C7B5-A02F-4196-89C2-974612C917D2}"/>
-          </ac:picMkLst>
-        </pc:picChg>
-      </pc:sldChg>
-      <pc:sldChg chg="addSp delSp modSp add del mod ord">
-        <pc:chgData name="BONNIN François" userId="d90fafad-3c8a-4b4e-90f8-caf225ca9ff7" providerId="ADAL" clId="{E9982812-8B46-4E5A-8405-D9D98755CCAE}" dt="2022-01-01T17:25:58.189" v="2825" actId="47"/>
-        <pc:sldMkLst>
-          <pc:docMk/>
-          <pc:sldMk cId="2433972797" sldId="2469"/>
-        </pc:sldMkLst>
-        <pc:spChg chg="add del mod">
-          <ac:chgData name="BONNIN François" userId="d90fafad-3c8a-4b4e-90f8-caf225ca9ff7" providerId="ADAL" clId="{E9982812-8B46-4E5A-8405-D9D98755CCAE}" dt="2021-12-30T18:57:33.763" v="2714" actId="931"/>
-          <ac:spMkLst>
-            <pc:docMk/>
-            <pc:sldMk cId="2433972797" sldId="2469"/>
-            <ac:spMk id="3" creationId="{EC4C0A22-0429-498D-A45B-33361E76885D}"/>
-          </ac:spMkLst>
-        </pc:spChg>
-        <pc:spChg chg="add del mod">
-          <ac:chgData name="BONNIN François" userId="d90fafad-3c8a-4b4e-90f8-caf225ca9ff7" providerId="ADAL" clId="{E9982812-8B46-4E5A-8405-D9D98755CCAE}" dt="2021-12-30T18:28:01.328" v="2654" actId="478"/>
-          <ac:spMkLst>
-            <pc:docMk/>
-            <pc:sldMk cId="2433972797" sldId="2469"/>
-            <ac:spMk id="6" creationId="{FFB09A56-BE21-411D-B9DC-C4369D8E5287}"/>
-          </ac:spMkLst>
-        </pc:spChg>
-        <pc:spChg chg="add del mod">
-          <ac:chgData name="BONNIN François" userId="d90fafad-3c8a-4b4e-90f8-caf225ca9ff7" providerId="ADAL" clId="{E9982812-8B46-4E5A-8405-D9D98755CCAE}" dt="2021-12-30T18:56:47.012" v="2706" actId="478"/>
-          <ac:spMkLst>
-            <pc:docMk/>
-            <pc:sldMk cId="2433972797" sldId="2469"/>
-            <ac:spMk id="8" creationId="{89C0EBD5-535B-4DCA-9A50-5B3ABEAECF06}"/>
-          </ac:spMkLst>
-        </pc:spChg>
-        <pc:spChg chg="mod">
-          <ac:chgData name="BONNIN François" userId="d90fafad-3c8a-4b4e-90f8-caf225ca9ff7" providerId="ADAL" clId="{E9982812-8B46-4E5A-8405-D9D98755CCAE}" dt="2021-12-30T18:21:57.039" v="2643" actId="6549"/>
-          <ac:spMkLst>
-            <pc:docMk/>
-            <pc:sldMk cId="2433972797" sldId="2469"/>
-            <ac:spMk id="12" creationId="{0AFC64C3-7306-9F47-826B-2519504A5E35}"/>
-          </ac:spMkLst>
-        </pc:spChg>
-        <pc:spChg chg="del mod">
-          <ac:chgData name="BONNIN François" userId="d90fafad-3c8a-4b4e-90f8-caf225ca9ff7" providerId="ADAL" clId="{E9982812-8B46-4E5A-8405-D9D98755CCAE}" dt="2021-12-30T18:56:39.365" v="2704" actId="478"/>
-          <ac:spMkLst>
-            <pc:docMk/>
-            <pc:sldMk cId="2433972797" sldId="2469"/>
-            <ac:spMk id="14" creationId="{BC0E8D75-BAFC-45E8-9CBF-11F2A47B25B6}"/>
-          </ac:spMkLst>
-        </pc:spChg>
-        <pc:spChg chg="add del">
-          <ac:chgData name="BONNIN François" userId="d90fafad-3c8a-4b4e-90f8-caf225ca9ff7" providerId="ADAL" clId="{E9982812-8B46-4E5A-8405-D9D98755CCAE}" dt="2021-12-30T18:28:10.444" v="2657" actId="478"/>
-          <ac:spMkLst>
-            <pc:docMk/>
-            <pc:sldMk cId="2433972797" sldId="2469"/>
-            <ac:spMk id="15" creationId="{69E9FCA6-FFFF-43AA-A68D-3CBC171EDAA9}"/>
-          </ac:spMkLst>
-        </pc:spChg>
-        <pc:spChg chg="add mod">
-          <ac:chgData name="BONNIN François" userId="d90fafad-3c8a-4b4e-90f8-caf225ca9ff7" providerId="ADAL" clId="{E9982812-8B46-4E5A-8405-D9D98755CCAE}" dt="2021-12-30T18:58:38.618" v="2722" actId="1076"/>
-          <ac:spMkLst>
-            <pc:docMk/>
-            <pc:sldMk cId="2433972797" sldId="2469"/>
-            <ac:spMk id="18" creationId="{2BE6B62B-BBF9-4BBF-89BE-2B853D122258}"/>
-          </ac:spMkLst>
-        </pc:spChg>
-        <pc:spChg chg="add mod">
-          <ac:chgData name="BONNIN François" userId="d90fafad-3c8a-4b4e-90f8-caf225ca9ff7" providerId="ADAL" clId="{E9982812-8B46-4E5A-8405-D9D98755CCAE}" dt="2021-12-30T18:28:49.559" v="2665" actId="571"/>
-          <ac:spMkLst>
-            <pc:docMk/>
-            <pc:sldMk cId="2433972797" sldId="2469"/>
-            <ac:spMk id="20" creationId="{49467C49-6CAB-4B3A-B2E7-AA199FF7ECCE}"/>
-          </ac:spMkLst>
-        </pc:spChg>
-        <pc:spChg chg="add mod">
-          <ac:chgData name="BONNIN François" userId="d90fafad-3c8a-4b4e-90f8-caf225ca9ff7" providerId="ADAL" clId="{E9982812-8B46-4E5A-8405-D9D98755CCAE}" dt="2021-12-30T18:28:55.827" v="2666" actId="571"/>
-          <ac:spMkLst>
-            <pc:docMk/>
-            <pc:sldMk cId="2433972797" sldId="2469"/>
-            <ac:spMk id="21" creationId="{2100BE74-CC20-4CBA-8B3E-B79B9A3F9B88}"/>
-          </ac:spMkLst>
-        </pc:spChg>
-        <pc:spChg chg="add del mod">
-          <ac:chgData name="BONNIN François" userId="d90fafad-3c8a-4b4e-90f8-caf225ca9ff7" providerId="ADAL" clId="{E9982812-8B46-4E5A-8405-D9D98755CCAE}" dt="2021-12-30T18:29:05.413" v="2668" actId="478"/>
-          <ac:spMkLst>
-            <pc:docMk/>
-            <pc:sldMk cId="2433972797" sldId="2469"/>
-            <ac:spMk id="22" creationId="{97AC0A18-7FE8-4531-97D9-B9EEC19679B8}"/>
-          </ac:spMkLst>
-        </pc:spChg>
-        <pc:spChg chg="del mod">
-          <ac:chgData name="BONNIN François" userId="d90fafad-3c8a-4b4e-90f8-caf225ca9ff7" providerId="ADAL" clId="{E9982812-8B46-4E5A-8405-D9D98755CCAE}" dt="2021-12-30T18:56:38.534" v="2703" actId="478"/>
-          <ac:spMkLst>
-            <pc:docMk/>
-            <pc:sldMk cId="2433972797" sldId="2469"/>
-            <ac:spMk id="28" creationId="{00000000-0000-0000-0000-000000000000}"/>
-          </ac:spMkLst>
-        </pc:spChg>
-        <pc:spChg chg="del mod">
-          <ac:chgData name="BONNIN François" userId="d90fafad-3c8a-4b4e-90f8-caf225ca9ff7" providerId="ADAL" clId="{E9982812-8B46-4E5A-8405-D9D98755CCAE}" dt="2021-12-30T18:55:58.599" v="2689" actId="478"/>
-          <ac:spMkLst>
-            <pc:docMk/>
-            <pc:sldMk cId="2433972797" sldId="2469"/>
-            <ac:spMk id="29" creationId="{00000000-0000-0000-0000-000000000000}"/>
-          </ac:spMkLst>
-        </pc:spChg>
-        <pc:spChg chg="add del mod">
-          <ac:chgData name="BONNIN François" userId="d90fafad-3c8a-4b4e-90f8-caf225ca9ff7" providerId="ADAL" clId="{E9982812-8B46-4E5A-8405-D9D98755CCAE}" dt="2021-12-30T18:28:07.789" v="2656" actId="478"/>
-          <ac:spMkLst>
-            <pc:docMk/>
-            <pc:sldMk cId="2433972797" sldId="2469"/>
-            <ac:spMk id="30" creationId="{00000000-0000-0000-0000-000000000000}"/>
-          </ac:spMkLst>
-        </pc:spChg>
-        <pc:spChg chg="mod">
-          <ac:chgData name="BONNIN François" userId="d90fafad-3c8a-4b4e-90f8-caf225ca9ff7" providerId="ADAL" clId="{E9982812-8B46-4E5A-8405-D9D98755CCAE}" dt="2021-12-30T18:56:44.349" v="2705" actId="1076"/>
-          <ac:spMkLst>
-            <pc:docMk/>
-            <pc:sldMk cId="2433972797" sldId="2469"/>
-            <ac:spMk id="32" creationId="{00000000-0000-0000-0000-000000000000}"/>
-          </ac:spMkLst>
-        </pc:spChg>
-        <pc:spChg chg="del mod">
-          <ac:chgData name="BONNIN François" userId="d90fafad-3c8a-4b4e-90f8-caf225ca9ff7" providerId="ADAL" clId="{E9982812-8B46-4E5A-8405-D9D98755CCAE}" dt="2021-12-30T18:27:40.490" v="2645" actId="478"/>
-          <ac:spMkLst>
-            <pc:docMk/>
-            <pc:sldMk cId="2433972797" sldId="2469"/>
-            <ac:spMk id="33" creationId="{00000000-0000-0000-0000-000000000000}"/>
-          </ac:spMkLst>
-        </pc:spChg>
-        <pc:picChg chg="del">
-          <ac:chgData name="BONNIN François" userId="d90fafad-3c8a-4b4e-90f8-caf225ca9ff7" providerId="ADAL" clId="{E9982812-8B46-4E5A-8405-D9D98755CCAE}" dt="2021-12-30T18:27:41.628" v="2646" actId="478"/>
-          <ac:picMkLst>
-            <pc:docMk/>
-            <pc:sldMk cId="2433972797" sldId="2469"/>
-            <ac:picMk id="5" creationId="{6A2B4DC0-F3B8-4B8B-9794-97758B0425B1}"/>
-          </ac:picMkLst>
-        </pc:picChg>
-        <pc:picChg chg="add del">
-          <ac:chgData name="BONNIN François" userId="d90fafad-3c8a-4b4e-90f8-caf225ca9ff7" providerId="ADAL" clId="{E9982812-8B46-4E5A-8405-D9D98755CCAE}" dt="2021-12-30T18:28:17.876" v="2660" actId="478"/>
-          <ac:picMkLst>
-            <pc:docMk/>
-            <pc:sldMk cId="2433972797" sldId="2469"/>
-            <ac:picMk id="11" creationId="{5B1B6BBB-18F9-5441-AFFB-0307692ED424}"/>
-          </ac:picMkLst>
-        </pc:picChg>
-        <pc:picChg chg="add del mod">
-          <ac:chgData name="BONNIN François" userId="d90fafad-3c8a-4b4e-90f8-caf225ca9ff7" providerId="ADAL" clId="{E9982812-8B46-4E5A-8405-D9D98755CCAE}" dt="2021-12-30T18:58:09.648" v="2721" actId="478"/>
-          <ac:picMkLst>
-            <pc:docMk/>
-            <pc:sldMk cId="2433972797" sldId="2469"/>
-            <ac:picMk id="13" creationId="{B7BED12D-B43D-43FB-9C18-A4BB9E3B9A98}"/>
-          </ac:picMkLst>
-        </pc:picChg>
-        <pc:picChg chg="add del">
-          <ac:chgData name="BONNIN François" userId="d90fafad-3c8a-4b4e-90f8-caf225ca9ff7" providerId="ADAL" clId="{E9982812-8B46-4E5A-8405-D9D98755CCAE}" dt="2021-12-30T18:28:38.255" v="2663" actId="478"/>
-          <ac:picMkLst>
-            <pc:docMk/>
-            <pc:sldMk cId="2433972797" sldId="2469"/>
-            <ac:picMk id="16" creationId="{2C6AD885-F929-42AF-87E9-018143933679}"/>
-          </ac:picMkLst>
-        </pc:picChg>
-      </pc:sldChg>
-      <pc:sldChg chg="addSp delSp modSp add del mod">
-        <pc:chgData name="BONNIN François" userId="d90fafad-3c8a-4b4e-90f8-caf225ca9ff7" providerId="ADAL" clId="{E9982812-8B46-4E5A-8405-D9D98755CCAE}" dt="2022-01-01T17:15:59.252" v="2748" actId="47"/>
-        <pc:sldMkLst>
-          <pc:docMk/>
-          <pc:sldMk cId="2862042059" sldId="2470"/>
-        </pc:sldMkLst>
-        <pc:spChg chg="mod">
-          <ac:chgData name="BONNIN François" userId="d90fafad-3c8a-4b4e-90f8-caf225ca9ff7" providerId="ADAL" clId="{E9982812-8B46-4E5A-8405-D9D98755CCAE}" dt="2021-12-30T18:58:43.187" v="2723" actId="1076"/>
-          <ac:spMkLst>
-            <pc:docMk/>
-            <pc:sldMk cId="2862042059" sldId="2470"/>
-            <ac:spMk id="3" creationId="{EC4C0A22-0429-498D-A45B-33361E76885D}"/>
-          </ac:spMkLst>
-        </pc:spChg>
-        <pc:spChg chg="del">
-          <ac:chgData name="BONNIN François" userId="d90fafad-3c8a-4b4e-90f8-caf225ca9ff7" providerId="ADAL" clId="{E9982812-8B46-4E5A-8405-D9D98755CCAE}" dt="2021-12-30T18:57:23.525" v="2712" actId="478"/>
-          <ac:spMkLst>
-            <pc:docMk/>
-            <pc:sldMk cId="2862042059" sldId="2470"/>
-            <ac:spMk id="8" creationId="{89C0EBD5-535B-4DCA-9A50-5B3ABEAECF06}"/>
-          </ac:spMkLst>
-        </pc:spChg>
-        <pc:spChg chg="add del">
-          <ac:chgData name="BONNIN François" userId="d90fafad-3c8a-4b4e-90f8-caf225ca9ff7" providerId="ADAL" clId="{E9982812-8B46-4E5A-8405-D9D98755CCAE}" dt="2021-12-30T18:56:25.315" v="2700" actId="478"/>
-          <ac:spMkLst>
-            <pc:docMk/>
-            <pc:sldMk cId="2862042059" sldId="2470"/>
-            <ac:spMk id="14" creationId="{BC0E8D75-BAFC-45E8-9CBF-11F2A47B25B6}"/>
-          </ac:spMkLst>
-        </pc:spChg>
-        <pc:spChg chg="add del mod">
-          <ac:chgData name="BONNIN François" userId="d90fafad-3c8a-4b4e-90f8-caf225ca9ff7" providerId="ADAL" clId="{E9982812-8B46-4E5A-8405-D9D98755CCAE}" dt="2021-12-30T18:57:12.497" v="2710" actId="1076"/>
-          <ac:spMkLst>
-            <pc:docMk/>
-            <pc:sldMk cId="2862042059" sldId="2470"/>
-            <ac:spMk id="28" creationId="{00000000-0000-0000-0000-000000000000}"/>
-          </ac:spMkLst>
-        </pc:spChg>
-        <pc:spChg chg="del mod">
-          <ac:chgData name="BONNIN François" userId="d90fafad-3c8a-4b4e-90f8-caf225ca9ff7" providerId="ADAL" clId="{E9982812-8B46-4E5A-8405-D9D98755CCAE}" dt="2021-12-30T18:56:22.257" v="2699" actId="478"/>
-          <ac:spMkLst>
-            <pc:docMk/>
-            <pc:sldMk cId="2862042059" sldId="2470"/>
-            <ac:spMk id="32" creationId="{00000000-0000-0000-0000-000000000000}"/>
-          </ac:spMkLst>
-        </pc:spChg>
-      </pc:sldChg>
-      <pc:sldChg chg="addSp delSp modSp add del mod">
-        <pc:chgData name="BONNIN François" userId="d90fafad-3c8a-4b4e-90f8-caf225ca9ff7" providerId="ADAL" clId="{E9982812-8B46-4E5A-8405-D9D98755CCAE}" dt="2022-01-01T17:24:43.147" v="2824" actId="1076"/>
-        <pc:sldMkLst>
-          <pc:docMk/>
-          <pc:sldMk cId="2734735935" sldId="2471"/>
-        </pc:sldMkLst>
-        <pc:spChg chg="del mod">
-          <ac:chgData name="BONNIN François" userId="d90fafad-3c8a-4b4e-90f8-caf225ca9ff7" providerId="ADAL" clId="{E9982812-8B46-4E5A-8405-D9D98755CCAE}" dt="2021-12-30T18:58:55.110" v="2725" actId="931"/>
-          <ac:spMkLst>
-            <pc:docMk/>
-            <pc:sldMk cId="2734735935" sldId="2471"/>
-            <ac:spMk id="3" creationId="{EC4C0A22-0429-498D-A45B-33361E76885D}"/>
-          </ac:spMkLst>
-        </pc:spChg>
-        <pc:spChg chg="add del mod">
-          <ac:chgData name="BONNIN François" userId="d90fafad-3c8a-4b4e-90f8-caf225ca9ff7" providerId="ADAL" clId="{E9982812-8B46-4E5A-8405-D9D98755CCAE}" dt="2022-01-01T17:13:55.981" v="2728" actId="931"/>
-          <ac:spMkLst>
-            <pc:docMk/>
-            <pc:sldMk cId="2734735935" sldId="2471"/>
-            <ac:spMk id="6" creationId="{A43D8F96-2EFB-42E9-8BB4-003F142D17DB}"/>
-          </ac:spMkLst>
-        </pc:spChg>
-        <pc:spChg chg="del">
-          <ac:chgData name="BONNIN François" userId="d90fafad-3c8a-4b4e-90f8-caf225ca9ff7" providerId="ADAL" clId="{E9982812-8B46-4E5A-8405-D9D98755CCAE}" dt="2021-12-30T18:57:19.706" v="2711" actId="478"/>
-          <ac:spMkLst>
-            <pc:docMk/>
-            <pc:sldMk cId="2734735935" sldId="2471"/>
-            <ac:spMk id="8" creationId="{89C0EBD5-535B-4DCA-9A50-5B3ABEAECF06}"/>
-          </ac:spMkLst>
-        </pc:spChg>
-        <pc:spChg chg="add del mod">
-          <ac:chgData name="BONNIN François" userId="d90fafad-3c8a-4b4e-90f8-caf225ca9ff7" providerId="ADAL" clId="{E9982812-8B46-4E5A-8405-D9D98755CCAE}" dt="2022-01-01T17:14:27.861" v="2732" actId="931"/>
-          <ac:spMkLst>
-            <pc:docMk/>
-            <pc:sldMk cId="2734735935" sldId="2471"/>
-            <ac:spMk id="13" creationId="{54E9A673-C9D4-4D44-AA43-8FD1F1B1F892}"/>
-          </ac:spMkLst>
-        </pc:spChg>
-        <pc:spChg chg="mod">
-          <ac:chgData name="BONNIN François" userId="d90fafad-3c8a-4b4e-90f8-caf225ca9ff7" providerId="ADAL" clId="{E9982812-8B46-4E5A-8405-D9D98755CCAE}" dt="2022-01-01T17:18:54.943" v="2802" actId="207"/>
-          <ac:spMkLst>
-            <pc:docMk/>
-            <pc:sldMk cId="2734735935" sldId="2471"/>
-            <ac:spMk id="14" creationId="{BC0E8D75-BAFC-45E8-9CBF-11F2A47B25B6}"/>
-          </ac:spMkLst>
-        </pc:spChg>
-        <pc:spChg chg="add del mod">
-          <ac:chgData name="BONNIN François" userId="d90fafad-3c8a-4b4e-90f8-caf225ca9ff7" providerId="ADAL" clId="{E9982812-8B46-4E5A-8405-D9D98755CCAE}" dt="2022-01-01T17:16:32.636" v="2780" actId="931"/>
-          <ac:spMkLst>
-            <pc:docMk/>
-            <pc:sldMk cId="2734735935" sldId="2471"/>
-            <ac:spMk id="18" creationId="{518B9599-6E40-4860-9059-98BEE552FE17}"/>
-          </ac:spMkLst>
-        </pc:spChg>
-        <pc:spChg chg="del mod">
-          <ac:chgData name="BONNIN François" userId="d90fafad-3c8a-4b4e-90f8-caf225ca9ff7" providerId="ADAL" clId="{E9982812-8B46-4E5A-8405-D9D98755CCAE}" dt="2022-01-01T17:16:26.313" v="2779" actId="478"/>
-          <ac:spMkLst>
-            <pc:docMk/>
-            <pc:sldMk cId="2734735935" sldId="2471"/>
-            <ac:spMk id="20" creationId="{49467C49-6CAB-4B3A-B2E7-AA199FF7ECCE}"/>
-          </ac:spMkLst>
-        </pc:spChg>
-        <pc:spChg chg="add del mod">
-          <ac:chgData name="BONNIN François" userId="d90fafad-3c8a-4b4e-90f8-caf225ca9ff7" providerId="ADAL" clId="{E9982812-8B46-4E5A-8405-D9D98755CCAE}" dt="2022-01-01T17:17:12.359" v="2785" actId="931"/>
-          <ac:spMkLst>
-            <pc:docMk/>
-            <pc:sldMk cId="2734735935" sldId="2471"/>
-            <ac:spMk id="24" creationId="{F487AB14-8E0F-4CC9-AA1B-AEA5D261D622}"/>
-          </ac:spMkLst>
-        </pc:spChg>
-        <pc:spChg chg="del">
-          <ac:chgData name="BONNIN François" userId="d90fafad-3c8a-4b4e-90f8-caf225ca9ff7" providerId="ADAL" clId="{E9982812-8B46-4E5A-8405-D9D98755CCAE}" dt="2021-12-30T18:56:30.291" v="2701" actId="478"/>
-          <ac:spMkLst>
-            <pc:docMk/>
-            <pc:sldMk cId="2734735935" sldId="2471"/>
-            <ac:spMk id="28" creationId="{00000000-0000-0000-0000-000000000000}"/>
-          </ac:spMkLst>
-        </pc:spChg>
-        <pc:spChg chg="add del mod">
-          <ac:chgData name="BONNIN François" userId="d90fafad-3c8a-4b4e-90f8-caf225ca9ff7" providerId="ADAL" clId="{E9982812-8B46-4E5A-8405-D9D98755CCAE}" dt="2022-01-01T17:21:29.181" v="2804" actId="478"/>
-          <ac:spMkLst>
-            <pc:docMk/>
-            <pc:sldMk cId="2734735935" sldId="2471"/>
-            <ac:spMk id="29" creationId="{7402F483-9653-4CC9-BC1F-62788BEFF834}"/>
-          </ac:spMkLst>
-        </pc:spChg>
-        <pc:spChg chg="add del mod">
-          <ac:chgData name="BONNIN François" userId="d90fafad-3c8a-4b4e-90f8-caf225ca9ff7" providerId="ADAL" clId="{E9982812-8B46-4E5A-8405-D9D98755CCAE}" dt="2022-01-01T17:24:00.979" v="2818" actId="478"/>
-          <ac:spMkLst>
-            <pc:docMk/>
-            <pc:sldMk cId="2734735935" sldId="2471"/>
-            <ac:spMk id="31" creationId="{2641F779-2E1D-45A7-B5B6-4730CC78DF1F}"/>
-          </ac:spMkLst>
-        </pc:spChg>
-        <pc:spChg chg="del">
-          <ac:chgData name="BONNIN François" userId="d90fafad-3c8a-4b4e-90f8-caf225ca9ff7" providerId="ADAL" clId="{E9982812-8B46-4E5A-8405-D9D98755CCAE}" dt="2021-12-30T18:56:32.049" v="2702" actId="478"/>
-          <ac:spMkLst>
-            <pc:docMk/>
-            <pc:sldMk cId="2734735935" sldId="2471"/>
-            <ac:spMk id="32" creationId="{00000000-0000-0000-0000-000000000000}"/>
-          </ac:spMkLst>
-        </pc:spChg>
-        <pc:picChg chg="add del mod">
-          <ac:chgData name="BONNIN François" userId="d90fafad-3c8a-4b4e-90f8-caf225ca9ff7" providerId="ADAL" clId="{E9982812-8B46-4E5A-8405-D9D98755CCAE}" dt="2022-01-01T17:13:51.995" v="2727" actId="478"/>
-          <ac:picMkLst>
-            <pc:docMk/>
-            <pc:sldMk cId="2734735935" sldId="2471"/>
-            <ac:picMk id="4" creationId="{12FD78B8-5D38-45C0-B0E9-25D02270E560}"/>
-          </ac:picMkLst>
-        </pc:picChg>
-        <pc:picChg chg="add del mod">
-          <ac:chgData name="BONNIN François" userId="d90fafad-3c8a-4b4e-90f8-caf225ca9ff7" providerId="ADAL" clId="{E9982812-8B46-4E5A-8405-D9D98755CCAE}" dt="2022-01-01T17:14:24.034" v="2731" actId="478"/>
-          <ac:picMkLst>
-            <pc:docMk/>
-            <pc:sldMk cId="2734735935" sldId="2471"/>
-            <ac:picMk id="10" creationId="{26916986-2DAA-4034-9AC0-D62A4757C123}"/>
-          </ac:picMkLst>
-        </pc:picChg>
-        <pc:picChg chg="add del mod">
-          <ac:chgData name="BONNIN François" userId="d90fafad-3c8a-4b4e-90f8-caf225ca9ff7" providerId="ADAL" clId="{E9982812-8B46-4E5A-8405-D9D98755CCAE}" dt="2022-01-01T17:16:18.829" v="2777" actId="478"/>
-          <ac:picMkLst>
-            <pc:docMk/>
-            <pc:sldMk cId="2734735935" sldId="2471"/>
-            <ac:picMk id="16" creationId="{2EC71C3B-4C71-4A11-9C23-307DFA0854FD}"/>
-          </ac:picMkLst>
-        </pc:picChg>
-        <pc:picChg chg="add del mod">
-          <ac:chgData name="BONNIN François" userId="d90fafad-3c8a-4b4e-90f8-caf225ca9ff7" providerId="ADAL" clId="{E9982812-8B46-4E5A-8405-D9D98755CCAE}" dt="2022-01-01T17:16:37.599" v="2784" actId="478"/>
-          <ac:picMkLst>
-            <pc:docMk/>
-            <pc:sldMk cId="2734735935" sldId="2471"/>
-            <ac:picMk id="22" creationId="{E0427B28-D942-4D21-B0A8-BF04344C7514}"/>
-          </ac:picMkLst>
-        </pc:picChg>
-        <pc:picChg chg="add del mod">
-          <ac:chgData name="BONNIN François" userId="d90fafad-3c8a-4b4e-90f8-caf225ca9ff7" providerId="ADAL" clId="{E9982812-8B46-4E5A-8405-D9D98755CCAE}" dt="2022-01-01T17:23:36.632" v="2810" actId="478"/>
-          <ac:picMkLst>
-            <pc:docMk/>
-            <pc:sldMk cId="2734735935" sldId="2471"/>
-            <ac:picMk id="26" creationId="{C5662176-70D2-4D8F-BD72-9706898065E0}"/>
-          </ac:picMkLst>
-        </pc:picChg>
-        <pc:picChg chg="add del mod">
-          <ac:chgData name="BONNIN François" userId="d90fafad-3c8a-4b4e-90f8-caf225ca9ff7" providerId="ADAL" clId="{E9982812-8B46-4E5A-8405-D9D98755CCAE}" dt="2022-01-01T17:23:48.656" v="2817" actId="931"/>
-          <ac:picMkLst>
-            <pc:docMk/>
-            <pc:sldMk cId="2734735935" sldId="2471"/>
-            <ac:picMk id="34" creationId="{BBBC2E6A-8847-4743-B49D-DFA58125C58E}"/>
-          </ac:picMkLst>
-        </pc:picChg>
-        <pc:picChg chg="add mod">
-          <ac:chgData name="BONNIN François" userId="d90fafad-3c8a-4b4e-90f8-caf225ca9ff7" providerId="ADAL" clId="{E9982812-8B46-4E5A-8405-D9D98755CCAE}" dt="2022-01-01T17:24:43.147" v="2824" actId="1076"/>
-          <ac:picMkLst>
-            <pc:docMk/>
-            <pc:sldMk cId="2734735935" sldId="2471"/>
-            <ac:picMk id="36" creationId="{B5996678-C144-4784-B3E3-0690AE128465}"/>
-          </ac:picMkLst>
-        </pc:picChg>
-      </pc:sldChg>
-      <pc:sldChg chg="add">
-        <pc:chgData name="BONNIN François" userId="d90fafad-3c8a-4b4e-90f8-caf225ca9ff7" providerId="ADAL" clId="{E9982812-8B46-4E5A-8405-D9D98755CCAE}" dt="2022-01-01T17:16:02.683" v="2749" actId="2890"/>
-        <pc:sldMkLst>
-          <pc:docMk/>
-          <pc:sldMk cId="1702928186" sldId="2472"/>
-        </pc:sldMkLst>
-      </pc:sldChg>
-      <pc:sldChg chg="add">
-        <pc:chgData name="BONNIN François" userId="d90fafad-3c8a-4b4e-90f8-caf225ca9ff7" providerId="ADAL" clId="{E9982812-8B46-4E5A-8405-D9D98755CCAE}" dt="2022-01-01T17:17:41.340" v="2793" actId="2890"/>
-        <pc:sldMkLst>
-          <pc:docMk/>
-          <pc:sldMk cId="3171574921" sldId="2473"/>
-        </pc:sldMkLst>
-      </pc:sldChg>
-      <pc:sldChg chg="addSp delSp modSp add mod ord">
-        <pc:chgData name="BONNIN François" userId="d90fafad-3c8a-4b4e-90f8-caf225ca9ff7" providerId="ADAL" clId="{E9982812-8B46-4E5A-8405-D9D98755CCAE}" dt="2022-01-01T17:36:27.511" v="2898" actId="1076"/>
-        <pc:sldMkLst>
-          <pc:docMk/>
-          <pc:sldMk cId="2660301468" sldId="2474"/>
-        </pc:sldMkLst>
-        <pc:spChg chg="add mod">
-          <ac:chgData name="BONNIN François" userId="d90fafad-3c8a-4b4e-90f8-caf225ca9ff7" providerId="ADAL" clId="{E9982812-8B46-4E5A-8405-D9D98755CCAE}" dt="2022-01-01T17:36:27.511" v="2898" actId="1076"/>
-          <ac:spMkLst>
-            <pc:docMk/>
-            <pc:sldMk cId="2660301468" sldId="2474"/>
-            <ac:spMk id="3" creationId="{8B39CB6E-7EAE-473B-89D3-18F76D894AFA}"/>
-          </ac:spMkLst>
-        </pc:spChg>
-        <pc:spChg chg="mod">
-          <ac:chgData name="BONNIN François" userId="d90fafad-3c8a-4b4e-90f8-caf225ca9ff7" providerId="ADAL" clId="{E9982812-8B46-4E5A-8405-D9D98755CCAE}" dt="2022-01-01T17:36:13.015" v="2893" actId="20577"/>
-          <ac:spMkLst>
-            <pc:docMk/>
-            <pc:sldMk cId="2660301468" sldId="2474"/>
-            <ac:spMk id="12" creationId="{0AFC64C3-7306-9F47-826B-2519504A5E35}"/>
-          </ac:spMkLst>
-        </pc:spChg>
-        <pc:spChg chg="del">
-          <ac:chgData name="BONNIN François" userId="d90fafad-3c8a-4b4e-90f8-caf225ca9ff7" providerId="ADAL" clId="{E9982812-8B46-4E5A-8405-D9D98755CCAE}" dt="2022-01-01T17:36:17.644" v="2894" actId="478"/>
-          <ac:spMkLst>
-            <pc:docMk/>
-            <pc:sldMk cId="2660301468" sldId="2474"/>
-            <ac:spMk id="14" creationId="{BC0E8D75-BAFC-45E8-9CBF-11F2A47B25B6}"/>
-          </ac:spMkLst>
-        </pc:spChg>
-        <pc:picChg chg="del mod">
-          <ac:chgData name="BONNIN François" userId="d90fafad-3c8a-4b4e-90f8-caf225ca9ff7" providerId="ADAL" clId="{E9982812-8B46-4E5A-8405-D9D98755CCAE}" dt="2022-01-01T17:36:20.653" v="2896" actId="478"/>
-          <ac:picMkLst>
-            <pc:docMk/>
-            <pc:sldMk cId="2660301468" sldId="2474"/>
-            <ac:picMk id="16" creationId="{2EC71C3B-4C71-4A11-9C23-307DFA0854FD}"/>
-          </ac:picMkLst>
-        </pc:picChg>
-      </pc:sldChg>
-      <pc:sldChg chg="modSp add mod ord">
-        <pc:chgData name="BONNIN François" userId="d90fafad-3c8a-4b4e-90f8-caf225ca9ff7" providerId="ADAL" clId="{E9982812-8B46-4E5A-8405-D9D98755CCAE}" dt="2022-01-01T17:36:51.998" v="2933" actId="20577"/>
-        <pc:sldMkLst>
-          <pc:docMk/>
-          <pc:sldMk cId="595208413" sldId="2475"/>
-        </pc:sldMkLst>
-        <pc:spChg chg="mod">
-          <ac:chgData name="BONNIN François" userId="d90fafad-3c8a-4b4e-90f8-caf225ca9ff7" providerId="ADAL" clId="{E9982812-8B46-4E5A-8405-D9D98755CCAE}" dt="2022-01-01T17:36:51.998" v="2933" actId="20577"/>
-          <ac:spMkLst>
-            <pc:docMk/>
-            <pc:sldMk cId="595208413" sldId="2475"/>
-            <ac:spMk id="12" creationId="{0AFC64C3-7306-9F47-826B-2519504A5E35}"/>
-          </ac:spMkLst>
-        </pc:spChg>
-      </pc:sldChg>
-      <pc:sldMasterChg chg="delSldLayout">
-        <pc:chgData name="BONNIN François" userId="d90fafad-3c8a-4b4e-90f8-caf225ca9ff7" providerId="ADAL" clId="{E9982812-8B46-4E5A-8405-D9D98755CCAE}" dt="2021-12-29T17:26:22.558" v="861" actId="47"/>
-        <pc:sldMasterMkLst>
-          <pc:docMk/>
-          <pc:sldMasterMk cId="1422848046" sldId="2147483648"/>
-        </pc:sldMasterMkLst>
-        <pc:sldLayoutChg chg="del">
-          <pc:chgData name="BONNIN François" userId="d90fafad-3c8a-4b4e-90f8-caf225ca9ff7" providerId="ADAL" clId="{E9982812-8B46-4E5A-8405-D9D98755CCAE}" dt="2021-12-29T17:26:22.558" v="861" actId="47"/>
-          <pc:sldLayoutMkLst>
-            <pc:docMk/>
-            <pc:sldMasterMk cId="1422848046" sldId="2147483648"/>
-            <pc:sldLayoutMk cId="3265843396" sldId="2147484044"/>
-          </pc:sldLayoutMkLst>
-        </pc:sldLayoutChg>
-      </pc:sldMasterChg>
-    </pc:docChg>
-  </pc:docChgLst>
-</pc:chgInfo>
 </file>
 
 <file path=ppt/notesMasters/notesMaster1.xml><?xml version="1.0" encoding="utf-8"?>
@@ -1576,7 +240,7 @@
             <a:fld id="{EFC10EE1-B198-C942-8235-326C972CBB30}" type="datetimeFigureOut">
               <a:rPr lang="en-US" smtClean="0"/>
               <a:pPr/>
-              <a:t>12/28/2021</a:t>
+              <a:t>1/1/2022</a:t>
             </a:fld>
             <a:endParaRPr lang="en-US" dirty="0"/>
           </a:p>
@@ -3346,7 +2010,18 @@
   <p:clrMapOvr>
     <a:masterClrMapping/>
   </p:clrMapOvr>
-  <p:transition/>
+  <mc:AlternateContent xmlns:mc="http://schemas.openxmlformats.org/markup-compatibility/2006" xmlns:p159="http://schemas.microsoft.com/office/powerpoint/2015/09/main">
+    <mc:Choice Requires="p159">
+      <p:transition xmlns:p14="http://schemas.microsoft.com/office/powerpoint/2010/main" spd="slow" p14:dur="2000" advClick="0">
+        <p159:morph option="byObject"/>
+      </p:transition>
+    </mc:Choice>
+    <mc:Fallback xmlns="">
+      <p:transition spd="slow" advClick="0">
+        <p:fade/>
+      </p:transition>
+    </mc:Fallback>
+  </mc:AlternateContent>
 </p:sldLayout>
 </file>
 
@@ -3518,7 +2193,18 @@
   <p:clrMapOvr>
     <a:masterClrMapping/>
   </p:clrMapOvr>
-  <p:transition/>
+  <mc:AlternateContent xmlns:mc="http://schemas.openxmlformats.org/markup-compatibility/2006" xmlns:p159="http://schemas.microsoft.com/office/powerpoint/2015/09/main">
+    <mc:Choice Requires="p159">
+      <p:transition xmlns:p14="http://schemas.microsoft.com/office/powerpoint/2010/main" spd="slow" p14:dur="2000" advClick="0">
+        <p159:morph option="byObject"/>
+      </p:transition>
+    </mc:Choice>
+    <mc:Fallback xmlns="">
+      <p:transition spd="slow" advClick="0">
+        <p:fade/>
+      </p:transition>
+    </mc:Fallback>
+  </mc:AlternateContent>
 </p:sldLayout>
 </file>
 
@@ -3643,7 +2329,18 @@
   <p:clrMapOvr>
     <a:masterClrMapping/>
   </p:clrMapOvr>
-  <p:transition/>
+  <mc:AlternateContent xmlns:mc="http://schemas.openxmlformats.org/markup-compatibility/2006" xmlns:p159="http://schemas.microsoft.com/office/powerpoint/2015/09/main">
+    <mc:Choice Requires="p159">
+      <p:transition xmlns:p14="http://schemas.microsoft.com/office/powerpoint/2010/main" spd="slow" p14:dur="2000" advClick="0">
+        <p159:morph option="byObject"/>
+      </p:transition>
+    </mc:Choice>
+    <mc:Fallback xmlns="">
+      <p:transition spd="slow" advClick="0">
+        <p:fade/>
+      </p:transition>
+    </mc:Fallback>
+  </mc:AlternateContent>
 </p:sldLayout>
 </file>
 
@@ -3721,7 +2418,18 @@
   <p:clrMapOvr>
     <a:masterClrMapping/>
   </p:clrMapOvr>
-  <p:transition/>
+  <mc:AlternateContent xmlns:mc="http://schemas.openxmlformats.org/markup-compatibility/2006" xmlns:p159="http://schemas.microsoft.com/office/powerpoint/2015/09/main">
+    <mc:Choice Requires="p159">
+      <p:transition xmlns:p14="http://schemas.microsoft.com/office/powerpoint/2010/main" spd="slow" p14:dur="2000" advClick="0">
+        <p159:morph option="byObject"/>
+      </p:transition>
+    </mc:Choice>
+    <mc:Fallback xmlns="">
+      <p:transition spd="slow" advClick="0">
+        <p:fade/>
+      </p:transition>
+    </mc:Fallback>
+  </mc:AlternateContent>
 </p:sldLayout>
 </file>
 
@@ -3845,7 +2553,18 @@
   <p:clrMapOvr>
     <a:masterClrMapping/>
   </p:clrMapOvr>
-  <p:transition/>
+  <mc:AlternateContent xmlns:mc="http://schemas.openxmlformats.org/markup-compatibility/2006" xmlns:p159="http://schemas.microsoft.com/office/powerpoint/2015/09/main">
+    <mc:Choice Requires="p159">
+      <p:transition xmlns:p14="http://schemas.microsoft.com/office/powerpoint/2010/main" spd="slow" p14:dur="2000" advClick="0">
+        <p159:morph option="byObject"/>
+      </p:transition>
+    </mc:Choice>
+    <mc:Fallback xmlns="">
+      <p:transition spd="slow" advClick="0">
+        <p:fade/>
+      </p:transition>
+    </mc:Fallback>
+  </mc:AlternateContent>
 </p:sldLayout>
 </file>
 
@@ -3981,6 +2700,18 @@
     <p:sldLayoutId id="2147484043" r:id="rId4"/>
     <p:sldLayoutId id="2147484045" r:id="rId5"/>
   </p:sldLayoutIdLst>
+  <mc:AlternateContent xmlns:mc="http://schemas.openxmlformats.org/markup-compatibility/2006" xmlns:p159="http://schemas.microsoft.com/office/powerpoint/2015/09/main">
+    <mc:Choice Requires="p159">
+      <p:transition xmlns:p14="http://schemas.microsoft.com/office/powerpoint/2010/main" spd="slow" p14:dur="2000" advClick="0">
+        <p159:morph option="byObject"/>
+      </p:transition>
+    </mc:Choice>
+    <mc:Fallback xmlns="">
+      <p:transition spd="slow" advClick="0">
+        <p:fade/>
+      </p:transition>
+    </mc:Fallback>
+  </mc:AlternateContent>
   <p:hf hdr="0" ftr="0" dt="0"/>
   <p:txStyles>
     <p:titleStyle>
@@ -4460,12 +3191,16 @@
   <p:clrMapOvr>
     <a:masterClrMapping/>
   </p:clrMapOvr>
-  <mc:AlternateContent xmlns:mc="http://schemas.openxmlformats.org/markup-compatibility/2006" xmlns:p14="http://schemas.microsoft.com/office/powerpoint/2010/main">
-    <mc:Choice Requires="p14">
-      <p:transition p14:dur="0" advClick="0"/>
+  <mc:AlternateContent xmlns:mc="http://schemas.openxmlformats.org/markup-compatibility/2006" xmlns:p159="http://schemas.microsoft.com/office/powerpoint/2015/09/main">
+    <mc:Choice Requires="p159">
+      <p:transition xmlns:p14="http://schemas.microsoft.com/office/powerpoint/2010/main" spd="slow" p14:dur="2000" advClick="0">
+        <p159:morph option="byObject"/>
+      </p:transition>
     </mc:Choice>
     <mc:Fallback xmlns="">
-      <p:transition advClick="0"/>
+      <p:transition spd="slow" advClick="0">
+        <p:fade/>
+      </p:transition>
     </mc:Fallback>
   </mc:AlternateContent>
 </p:sld>
@@ -4707,12 +3442,16 @@
   <p:clrMapOvr>
     <a:masterClrMapping/>
   </p:clrMapOvr>
-  <mc:AlternateContent xmlns:mc="http://schemas.openxmlformats.org/markup-compatibility/2006">
-    <mc:Choice xmlns:p14="http://schemas.microsoft.com/office/powerpoint/2010/main" Requires="p14">
-      <p:transition p14:dur="0" advClick="0"/>
+  <mc:AlternateContent xmlns:mc="http://schemas.openxmlformats.org/markup-compatibility/2006" xmlns:p159="http://schemas.microsoft.com/office/powerpoint/2015/09/main">
+    <mc:Choice Requires="p159">
+      <p:transition xmlns:p14="http://schemas.microsoft.com/office/powerpoint/2010/main" spd="slow" p14:dur="2000" advClick="0">
+        <p159:morph option="byObject"/>
+      </p:transition>
     </mc:Choice>
-    <mc:Fallback>
-      <p:transition advClick="0"/>
+    <mc:Fallback xmlns="">
+      <p:transition spd="slow" advClick="0">
+        <p:fade/>
+      </p:transition>
     </mc:Fallback>
   </mc:AlternateContent>
 </p:sld>
@@ -4987,12 +3726,16 @@
   <p:clrMapOvr>
     <a:masterClrMapping/>
   </p:clrMapOvr>
-  <mc:AlternateContent xmlns:mc="http://schemas.openxmlformats.org/markup-compatibility/2006">
-    <mc:Choice xmlns:p14="http://schemas.microsoft.com/office/powerpoint/2010/main" Requires="p14">
-      <p:transition p14:dur="0" advClick="0"/>
+  <mc:AlternateContent xmlns:mc="http://schemas.openxmlformats.org/markup-compatibility/2006" xmlns:p159="http://schemas.microsoft.com/office/powerpoint/2015/09/main">
+    <mc:Choice Requires="p159">
+      <p:transition xmlns:p14="http://schemas.microsoft.com/office/powerpoint/2010/main" spd="slow" p14:dur="2000" advClick="0">
+        <p159:morph option="byObject"/>
+      </p:transition>
     </mc:Choice>
-    <mc:Fallback>
-      <p:transition advClick="0"/>
+    <mc:Fallback xmlns="">
+      <p:transition spd="slow" advClick="0">
+        <p:fade/>
+      </p:transition>
     </mc:Fallback>
   </mc:AlternateContent>
 </p:sld>
@@ -5183,12 +3926,16 @@
   <p:clrMapOvr>
     <a:masterClrMapping/>
   </p:clrMapOvr>
-  <mc:AlternateContent xmlns:mc="http://schemas.openxmlformats.org/markup-compatibility/2006">
-    <mc:Choice xmlns:p14="http://schemas.microsoft.com/office/powerpoint/2010/main" Requires="p14">
-      <p:transition p14:dur="0" advClick="0"/>
+  <mc:AlternateContent xmlns:mc="http://schemas.openxmlformats.org/markup-compatibility/2006" xmlns:p159="http://schemas.microsoft.com/office/powerpoint/2015/09/main">
+    <mc:Choice Requires="p159">
+      <p:transition xmlns:p14="http://schemas.microsoft.com/office/powerpoint/2010/main" spd="slow" p14:dur="2000" advClick="0">
+        <p159:morph option="byObject"/>
+      </p:transition>
     </mc:Choice>
-    <mc:Fallback>
-      <p:transition advClick="0"/>
+    <mc:Fallback xmlns="">
+      <p:transition spd="slow" advClick="0">
+        <p:fade/>
+      </p:transition>
     </mc:Fallback>
   </mc:AlternateContent>
 </p:sld>
@@ -5347,29 +4094,51 @@
           <a:effectLst/>
         </p:spPr>
       </p:sp>
-      <p:sp>
-        <p:nvSpPr>
-          <p:cNvPr id="3" name="Espace réservé pour une image  2">
+      <p:pic>
+        <p:nvPicPr>
+          <p:cNvPr id="1028" name="Picture 4">
             <a:extLst>
               <a:ext uri="{FF2B5EF4-FFF2-40B4-BE49-F238E27FC236}">
-                <a16:creationId xmlns:a16="http://schemas.microsoft.com/office/drawing/2014/main" id="{8B39CB6E-7EAE-473B-89D3-18F76D894AFA}"/>
+                <a16:creationId xmlns:a16="http://schemas.microsoft.com/office/drawing/2014/main" id="{6AD4F75A-9BD9-4CFA-B30F-9D7FB3127BDD}"/>
               </a:ext>
             </a:extLst>
           </p:cNvPr>
-          <p:cNvSpPr>
-            <a:spLocks noGrp="1"/>
-          </p:cNvSpPr>
-          <p:nvPr>
-            <p:ph type="pic" sz="quarter" idx="16"/>
-          </p:nvPr>
-        </p:nvSpPr>
-        <p:spPr>
+          <p:cNvPicPr>
+            <a:picLocks noChangeAspect="1" noChangeArrowheads="1"/>
+          </p:cNvPicPr>
+          <p:nvPr/>
+        </p:nvPicPr>
+        <p:blipFill rotWithShape="1">
+          <a:blip r:embed="rId3">
+            <a:extLst>
+              <a:ext uri="{28A0092B-C50C-407E-A947-70E740481C1C}">
+                <a14:useLocalDpi xmlns:a14="http://schemas.microsoft.com/office/drawing/2010/main" val="0"/>
+              </a:ext>
+            </a:extLst>
+          </a:blip>
+          <a:srcRect l="15266"/>
+          <a:stretch/>
+        </p:blipFill>
+        <p:spPr bwMode="auto">
           <a:xfrm>
-            <a:off x="6110725" y="4131098"/>
-            <a:ext cx="12188825" cy="7092176"/>
+            <a:off x="6094412" y="3826297"/>
+            <a:ext cx="12188825" cy="9319741"/>
           </a:xfrm>
+          <a:prstGeom prst="rect">
+            <a:avLst/>
+          </a:prstGeom>
+          <a:noFill/>
+          <a:extLst>
+            <a:ext uri="{909E8E84-426E-40DD-AFC4-6F175D3DCCD1}">
+              <a14:hiddenFill xmlns:a14="http://schemas.microsoft.com/office/drawing/2010/main">
+                <a:solidFill>
+                  <a:srgbClr val="FFFFFF"/>
+                </a:solidFill>
+              </a14:hiddenFill>
+            </a:ext>
+          </a:extLst>
         </p:spPr>
-      </p:sp>
+      </p:pic>
     </p:spTree>
     <p:extLst>
       <p:ext uri="{BB962C8B-B14F-4D97-AF65-F5344CB8AC3E}">
@@ -5380,12 +4149,16 @@
   <p:clrMapOvr>
     <a:masterClrMapping/>
   </p:clrMapOvr>
-  <mc:AlternateContent xmlns:mc="http://schemas.openxmlformats.org/markup-compatibility/2006">
-    <mc:Choice xmlns:p14="http://schemas.microsoft.com/office/powerpoint/2010/main" Requires="p14">
-      <p:transition p14:dur="0" advClick="0"/>
+  <mc:AlternateContent xmlns:mc="http://schemas.openxmlformats.org/markup-compatibility/2006" xmlns:p159="http://schemas.microsoft.com/office/powerpoint/2015/09/main">
+    <mc:Choice Requires="p159">
+      <p:transition xmlns:p14="http://schemas.microsoft.com/office/powerpoint/2010/main" spd="slow" p14:dur="2000" advClick="0">
+        <p159:morph option="byObject"/>
+      </p:transition>
     </mc:Choice>
-    <mc:Fallback>
-      <p:transition advClick="0"/>
+    <mc:Fallback xmlns="">
+      <p:transition spd="slow" advClick="0">
+        <p:fade/>
+      </p:transition>
     </mc:Fallback>
   </mc:AlternateContent>
 </p:sld>
@@ -5584,12 +4357,16 @@
   <p:clrMapOvr>
     <a:masterClrMapping/>
   </p:clrMapOvr>
-  <mc:AlternateContent xmlns:mc="http://schemas.openxmlformats.org/markup-compatibility/2006">
-    <mc:Choice xmlns:p14="http://schemas.microsoft.com/office/powerpoint/2010/main" Requires="p14">
-      <p:transition p14:dur="0" advClick="0"/>
+  <mc:AlternateContent xmlns:mc="http://schemas.openxmlformats.org/markup-compatibility/2006" xmlns:p159="http://schemas.microsoft.com/office/powerpoint/2015/09/main">
+    <mc:Choice Requires="p159">
+      <p:transition xmlns:p14="http://schemas.microsoft.com/office/powerpoint/2010/main" spd="slow" p14:dur="2000" advClick="0">
+        <p159:morph option="byObject"/>
+      </p:transition>
     </mc:Choice>
-    <mc:Fallback>
-      <p:transition advClick="0"/>
+    <mc:Fallback xmlns="">
+      <p:transition spd="slow" advClick="0">
+        <p:fade/>
+      </p:transition>
     </mc:Fallback>
   </mc:AlternateContent>
 </p:sld>
@@ -5748,29 +4525,51 @@
           <a:effectLst/>
         </p:spPr>
       </p:sp>
-      <p:sp>
-        <p:nvSpPr>
-          <p:cNvPr id="3" name="Espace réservé pour une image  2">
+      <p:pic>
+        <p:nvPicPr>
+          <p:cNvPr id="2050" name="Picture 2">
             <a:extLst>
               <a:ext uri="{FF2B5EF4-FFF2-40B4-BE49-F238E27FC236}">
-                <a16:creationId xmlns:a16="http://schemas.microsoft.com/office/drawing/2014/main" id="{8B39CB6E-7EAE-473B-89D3-18F76D894AFA}"/>
+                <a16:creationId xmlns:a16="http://schemas.microsoft.com/office/drawing/2014/main" id="{B739C0B4-CAE2-4E06-A49A-E011E6B5F39C}"/>
               </a:ext>
             </a:extLst>
           </p:cNvPr>
-          <p:cNvSpPr>
-            <a:spLocks noGrp="1"/>
-          </p:cNvSpPr>
-          <p:nvPr>
-            <p:ph type="pic" sz="quarter" idx="16"/>
-          </p:nvPr>
-        </p:nvSpPr>
-        <p:spPr>
+          <p:cNvPicPr>
+            <a:picLocks noChangeAspect="1" noChangeArrowheads="1"/>
+          </p:cNvPicPr>
+          <p:nvPr/>
+        </p:nvPicPr>
+        <p:blipFill rotWithShape="1">
+          <a:blip r:embed="rId3">
+            <a:extLst>
+              <a:ext uri="{28A0092B-C50C-407E-A947-70E740481C1C}">
+                <a14:useLocalDpi xmlns:a14="http://schemas.microsoft.com/office/drawing/2010/main" val="0"/>
+              </a:ext>
+            </a:extLst>
+          </a:blip>
+          <a:srcRect l="3735" t="7117"/>
+          <a:stretch/>
+        </p:blipFill>
+        <p:spPr bwMode="auto">
           <a:xfrm>
-            <a:off x="6110725" y="4131098"/>
-            <a:ext cx="12188825" cy="7092176"/>
+            <a:off x="3727937" y="3577811"/>
+            <a:ext cx="17604887" cy="8404713"/>
           </a:xfrm>
+          <a:prstGeom prst="rect">
+            <a:avLst/>
+          </a:prstGeom>
+          <a:noFill/>
+          <a:extLst>
+            <a:ext uri="{909E8E84-426E-40DD-AFC4-6F175D3DCCD1}">
+              <a14:hiddenFill xmlns:a14="http://schemas.microsoft.com/office/drawing/2010/main">
+                <a:solidFill>
+                  <a:srgbClr val="FFFFFF"/>
+                </a:solidFill>
+              </a14:hiddenFill>
+            </a:ext>
+          </a:extLst>
         </p:spPr>
-      </p:sp>
+      </p:pic>
     </p:spTree>
     <p:extLst>
       <p:ext uri="{BB962C8B-B14F-4D97-AF65-F5344CB8AC3E}">
@@ -5781,12 +4580,16 @@
   <p:clrMapOvr>
     <a:masterClrMapping/>
   </p:clrMapOvr>
-  <mc:AlternateContent xmlns:mc="http://schemas.openxmlformats.org/markup-compatibility/2006">
-    <mc:Choice xmlns:p14="http://schemas.microsoft.com/office/powerpoint/2010/main" Requires="p14">
-      <p:transition p14:dur="0" advClick="0"/>
+  <mc:AlternateContent xmlns:mc="http://schemas.openxmlformats.org/markup-compatibility/2006" xmlns:p159="http://schemas.microsoft.com/office/powerpoint/2015/09/main">
+    <mc:Choice Requires="p159">
+      <p:transition xmlns:p14="http://schemas.microsoft.com/office/powerpoint/2010/main" spd="slow" p14:dur="2000" advClick="0">
+        <p159:morph option="byObject"/>
+      </p:transition>
     </mc:Choice>
-    <mc:Fallback>
-      <p:transition advClick="0"/>
+    <mc:Fallback xmlns="">
+      <p:transition spd="slow" advClick="0">
+        <p:fade/>
+      </p:transition>
     </mc:Fallback>
   </mc:AlternateContent>
 </p:sld>
@@ -5817,8 +4620,8 @@
         </p:nvSpPr>
         <p:spPr>
           <a:xfrm>
-            <a:off x="-1" y="-23446"/>
-            <a:ext cx="8675649" cy="13716000"/>
+            <a:off x="-1" y="-375139"/>
+            <a:ext cx="8675649" cy="14091139"/>
           </a:xfrm>
           <a:prstGeom prst="rect">
             <a:avLst/>
@@ -5855,78 +4658,6 @@
           </a:p>
         </p:txBody>
       </p:sp>
-      <p:cxnSp>
-        <p:nvCxnSpPr>
-          <p:cNvPr id="13" name="Straight Connector 12"/>
-          <p:cNvCxnSpPr/>
-          <p:nvPr/>
-        </p:nvCxnSpPr>
-        <p:spPr>
-          <a:xfrm>
-            <a:off x="15801525" y="8325670"/>
-            <a:ext cx="1192923" cy="0"/>
-          </a:xfrm>
-          <a:prstGeom prst="line">
-            <a:avLst/>
-          </a:prstGeom>
-          <a:ln w="57150">
-            <a:solidFill>
-              <a:schemeClr val="accent1"/>
-            </a:solidFill>
-          </a:ln>
-        </p:spPr>
-        <p:style>
-          <a:lnRef idx="1">
-            <a:schemeClr val="accent1"/>
-          </a:lnRef>
-          <a:fillRef idx="0">
-            <a:schemeClr val="accent1"/>
-          </a:fillRef>
-          <a:effectRef idx="0">
-            <a:schemeClr val="accent1"/>
-          </a:effectRef>
-          <a:fontRef idx="minor">
-            <a:schemeClr val="tx1"/>
-          </a:fontRef>
-        </p:style>
-      </p:cxnSp>
-      <p:sp>
-        <p:nvSpPr>
-          <p:cNvPr id="14" name="TextBox 13"/>
-          <p:cNvSpPr txBox="1"/>
-          <p:nvPr/>
-        </p:nvSpPr>
-        <p:spPr>
-          <a:xfrm>
-            <a:off x="13107418" y="6158354"/>
-            <a:ext cx="6548589" cy="1384995"/>
-          </a:xfrm>
-          <a:prstGeom prst="rect">
-            <a:avLst/>
-          </a:prstGeom>
-          <a:noFill/>
-        </p:spPr>
-        <p:txBody>
-          <a:bodyPr wrap="none" rtlCol="0">
-            <a:spAutoFit/>
-          </a:bodyPr>
-          <a:lstStyle/>
-          <a:p>
-            <a:pPr algn="ctr"/>
-            <a:r>
-              <a:rPr lang="en-US" sz="8400" b="1" spc="800" dirty="0">
-                <a:solidFill>
-                  <a:schemeClr val="tx2"/>
-                </a:solidFill>
-                <a:latin typeface="Lato Black" charset="0"/>
-                <a:ea typeface="Lato Black" charset="0"/>
-                <a:cs typeface="Lato Black" charset="0"/>
-              </a:rPr>
-              <a:t>Conclusion</a:t>
-            </a:r>
-          </a:p>
-        </p:txBody>
-      </p:sp>
       <p:sp>
         <p:nvSpPr>
           <p:cNvPr id="19" name="Subtitle 2"/>
@@ -5937,8 +4668,8 @@
         </p:nvSpPr>
         <p:spPr>
           <a:xfrm>
-            <a:off x="685016" y="4469380"/>
-            <a:ext cx="7087384" cy="6063521"/>
+            <a:off x="591177" y="6086109"/>
+            <a:ext cx="7087384" cy="3181707"/>
           </a:xfrm>
           <a:prstGeom prst="rect">
             <a:avLst/>
@@ -6123,17 +4854,99 @@
               </a:lnSpc>
             </a:pPr>
             <a:r>
-              <a:rPr lang="en-US" dirty="0">
-                <a:solidFill>
-                  <a:schemeClr val="bg2">
-                    <a:lumMod val="90000"/>
-                  </a:schemeClr>
+              <a:rPr lang="fr-FR" dirty="0">
+                <a:solidFill>
+                  <a:srgbClr val="EEECE1"/>
                 </a:solidFill>
                 <a:latin typeface="Poppins Light" pitchFamily="2" charset="77"/>
                 <a:ea typeface="Poppins Light" charset="0"/>
                 <a:cs typeface="Poppins Light" pitchFamily="2" charset="77"/>
               </a:rPr>
-              <a:t>Frequently, your initial font choice is taken out of your awesome hands also we are companies often specify a typeface, or even a set of fonts,  part of their brand guides However for body text, When selecting a typeface for body text, your primary concern should be readability. Don’t concern yourself with personality at this stage. I’m of the school of thought that believes that you’re</a:t>
+              <a:t>La découverte de </a:t>
+            </a:r>
+            <a:r>
+              <a:rPr lang="fr-FR" dirty="0" err="1">
+                <a:solidFill>
+                  <a:srgbClr val="EEECE1"/>
+                </a:solidFill>
+                <a:latin typeface="Poppins Light" pitchFamily="2" charset="77"/>
+                <a:ea typeface="Poppins Light" charset="0"/>
+                <a:cs typeface="Poppins Light" pitchFamily="2" charset="77"/>
+              </a:rPr>
+              <a:t>ElasticSearch</a:t>
+            </a:r>
+            <a:r>
+              <a:rPr lang="fr-FR" dirty="0">
+                <a:solidFill>
+                  <a:srgbClr val="EEECE1"/>
+                </a:solidFill>
+                <a:latin typeface="Poppins Light" pitchFamily="2" charset="77"/>
+                <a:ea typeface="Poppins Light" charset="0"/>
+                <a:cs typeface="Poppins Light" pitchFamily="2" charset="77"/>
+              </a:rPr>
+              <a:t> et de ses modules </a:t>
+            </a:r>
+            <a:r>
+              <a:rPr lang="fr-FR" dirty="0" err="1">
+                <a:solidFill>
+                  <a:srgbClr val="EEECE1"/>
+                </a:solidFill>
+                <a:latin typeface="Poppins Light" pitchFamily="2" charset="77"/>
+                <a:ea typeface="Poppins Light" charset="0"/>
+                <a:cs typeface="Poppins Light" pitchFamily="2" charset="77"/>
+              </a:rPr>
+              <a:t>Kibana</a:t>
+            </a:r>
+            <a:r>
+              <a:rPr lang="fr-FR" dirty="0">
+                <a:solidFill>
+                  <a:srgbClr val="EEECE1"/>
+                </a:solidFill>
+                <a:latin typeface="Poppins Light" pitchFamily="2" charset="77"/>
+                <a:ea typeface="Poppins Light" charset="0"/>
+                <a:cs typeface="Poppins Light" pitchFamily="2" charset="77"/>
+              </a:rPr>
+              <a:t> et </a:t>
+            </a:r>
+            <a:r>
+              <a:rPr lang="fr-FR" dirty="0" err="1">
+                <a:solidFill>
+                  <a:srgbClr val="EEECE1"/>
+                </a:solidFill>
+                <a:latin typeface="Poppins Light" pitchFamily="2" charset="77"/>
+                <a:ea typeface="Poppins Light" charset="0"/>
+                <a:cs typeface="Poppins Light" pitchFamily="2" charset="77"/>
+              </a:rPr>
+              <a:t>Filebeat</a:t>
+            </a:r>
+            <a:r>
+              <a:rPr lang="fr-FR" dirty="0">
+                <a:solidFill>
+                  <a:srgbClr val="EEECE1"/>
+                </a:solidFill>
+                <a:latin typeface="Poppins Light" pitchFamily="2" charset="77"/>
+                <a:ea typeface="Poppins Light" charset="0"/>
+                <a:cs typeface="Poppins Light" pitchFamily="2" charset="77"/>
+              </a:rPr>
+              <a:t> est un véritable socle de connaissances pour une utilisation dans un contexte DevOps.</a:t>
+            </a:r>
+          </a:p>
+          <a:p>
+            <a:pPr>
+              <a:lnSpc>
+                <a:spcPts val="4640"/>
+              </a:lnSpc>
+            </a:pPr>
+            <a:r>
+              <a:rPr lang="fr-FR" dirty="0">
+                <a:solidFill>
+                  <a:srgbClr val="EEECE1"/>
+                </a:solidFill>
+                <a:latin typeface="Poppins Light" pitchFamily="2" charset="77"/>
+                <a:ea typeface="Poppins Light" charset="0"/>
+                <a:cs typeface="Poppins Light" pitchFamily="2" charset="77"/>
+              </a:rPr>
+              <a:t> </a:t>
             </a:r>
           </a:p>
         </p:txBody>
@@ -6146,7 +4959,7 @@
         </p:nvSpPr>
         <p:spPr>
           <a:xfrm>
-            <a:off x="3624130" y="3413419"/>
+            <a:off x="3530291" y="5030148"/>
             <a:ext cx="1191352" cy="553998"/>
           </a:xfrm>
           <a:prstGeom prst="rect">
@@ -6155,7 +4968,7 @@
           <a:noFill/>
         </p:spPr>
         <p:txBody>
-          <a:bodyPr wrap="none" rtlCol="0" anchor="ctr" anchorCtr="0">
+          <a:bodyPr wrap="square" rtlCol="0" anchor="ctr" anchorCtr="0">
             <a:spAutoFit/>
           </a:bodyPr>
           <a:lstStyle/>
@@ -6164,9 +4977,7 @@
             <a:r>
               <a:rPr lang="en-US" sz="3000" b="1" dirty="0">
                 <a:solidFill>
-                  <a:schemeClr val="bg2">
-                    <a:lumMod val="90000"/>
-                  </a:schemeClr>
+                  <a:srgbClr val="EEECE1"/>
                 </a:solidFill>
                 <a:latin typeface="Poppins SemiBold" charset="0"/>
                 <a:ea typeface="Poppins SemiBold" charset="0"/>
@@ -6177,91 +4988,184 @@
           </a:p>
         </p:txBody>
       </p:sp>
-      <p:sp>
-        <p:nvSpPr>
-          <p:cNvPr id="22" name="Hexagon 21"/>
-          <p:cNvSpPr/>
-          <p:nvPr/>
-        </p:nvSpPr>
-        <p:spPr>
-          <a:xfrm rot="5400000">
-            <a:off x="15472909" y="3544021"/>
-            <a:ext cx="1893728" cy="1632524"/>
-          </a:xfrm>
-          <a:prstGeom prst="hexagon">
-            <a:avLst/>
-          </a:prstGeom>
-          <a:solidFill>
-            <a:srgbClr val="253238"/>
-          </a:solidFill>
-          <a:ln>
-            <a:noFill/>
-          </a:ln>
-        </p:spPr>
-        <p:style>
-          <a:lnRef idx="2">
-            <a:schemeClr val="accent1">
-              <a:shade val="50000"/>
-            </a:schemeClr>
-          </a:lnRef>
-          <a:fillRef idx="1">
-            <a:schemeClr val="accent1"/>
-          </a:fillRef>
-          <a:effectRef idx="0">
-            <a:schemeClr val="accent1"/>
-          </a:effectRef>
-          <a:fontRef idx="minor">
-            <a:schemeClr val="lt1"/>
-          </a:fontRef>
-        </p:style>
-        <p:txBody>
-          <a:bodyPr rtlCol="0" anchor="ctr"/>
-          <a:lstStyle/>
-          <a:p>
-            <a:pPr algn="ctr"/>
-            <a:endParaRPr lang="en-US" dirty="0"/>
-          </a:p>
-        </p:txBody>
-      </p:sp>
-      <p:pic>
-        <p:nvPicPr>
-          <p:cNvPr id="3" name="Graphique 2" descr="Infini avec un remplissage uni">
+      <p:grpSp>
+        <p:nvGrpSpPr>
+          <p:cNvPr id="2" name="Groupe 1">
             <a:extLst>
               <a:ext uri="{FF2B5EF4-FFF2-40B4-BE49-F238E27FC236}">
-                <a16:creationId xmlns:a16="http://schemas.microsoft.com/office/drawing/2014/main" id="{C08D29E8-9B89-4DB6-9162-4376095CB891}"/>
+                <a16:creationId xmlns:a16="http://schemas.microsoft.com/office/drawing/2014/main" id="{9FCFEAC6-3AB2-41DD-8C91-994756B280A7}"/>
               </a:ext>
             </a:extLst>
           </p:cNvPr>
-          <p:cNvPicPr>
-            <a:picLocks noChangeAspect="1"/>
-          </p:cNvPicPr>
+          <p:cNvGrpSpPr/>
           <p:nvPr/>
-        </p:nvPicPr>
-        <p:blipFill>
-          <a:blip r:embed="rId3">
-            <a:extLst>
-              <a:ext uri="{28A0092B-C50C-407E-A947-70E740481C1C}">
-                <a14:useLocalDpi xmlns:a14="http://schemas.microsoft.com/office/drawing/2010/main" val="0"/>
-              </a:ext>
-              <a:ext uri="{96DAC541-7B7A-43D3-8B79-37D633B846F1}">
-                <asvg:svgBlip xmlns:asvg="http://schemas.microsoft.com/office/drawing/2016/SVG/main" r:embed="rId4"/>
-              </a:ext>
-            </a:extLst>
-          </a:blip>
-          <a:stretch>
-            <a:fillRect/>
-          </a:stretch>
-        </p:blipFill>
-        <p:spPr>
+        </p:nvGrpSpPr>
+        <p:grpSpPr>
           <a:xfrm>
-            <a:off x="15801524" y="3763821"/>
-            <a:ext cx="1192924" cy="1192924"/>
+            <a:off x="13107418" y="4401875"/>
+            <a:ext cx="6548589" cy="4912251"/>
+            <a:chOff x="13107418" y="3413419"/>
+            <a:chExt cx="6548589" cy="4912251"/>
           </a:xfrm>
-          <a:prstGeom prst="rect">
-            <a:avLst/>
-          </a:prstGeom>
-        </p:spPr>
-      </p:pic>
+        </p:grpSpPr>
+        <p:cxnSp>
+          <p:nvCxnSpPr>
+            <p:cNvPr id="13" name="Straight Connector 12"/>
+            <p:cNvCxnSpPr/>
+            <p:nvPr/>
+          </p:nvCxnSpPr>
+          <p:spPr>
+            <a:xfrm>
+              <a:off x="15801525" y="8325670"/>
+              <a:ext cx="1192923" cy="0"/>
+            </a:xfrm>
+            <a:prstGeom prst="line">
+              <a:avLst/>
+            </a:prstGeom>
+            <a:ln w="57150">
+              <a:solidFill>
+                <a:schemeClr val="accent1"/>
+              </a:solidFill>
+            </a:ln>
+          </p:spPr>
+          <p:style>
+            <a:lnRef idx="1">
+              <a:schemeClr val="accent1"/>
+            </a:lnRef>
+            <a:fillRef idx="0">
+              <a:schemeClr val="accent1"/>
+            </a:fillRef>
+            <a:effectRef idx="0">
+              <a:schemeClr val="accent1"/>
+            </a:effectRef>
+            <a:fontRef idx="minor">
+              <a:schemeClr val="tx1"/>
+            </a:fontRef>
+          </p:style>
+        </p:cxnSp>
+        <p:sp>
+          <p:nvSpPr>
+            <p:cNvPr id="14" name="TextBox 13"/>
+            <p:cNvSpPr txBox="1"/>
+            <p:nvPr/>
+          </p:nvSpPr>
+          <p:spPr>
+            <a:xfrm>
+              <a:off x="13107418" y="6158354"/>
+              <a:ext cx="6548589" cy="1384995"/>
+            </a:xfrm>
+            <a:prstGeom prst="rect">
+              <a:avLst/>
+            </a:prstGeom>
+            <a:noFill/>
+          </p:spPr>
+          <p:txBody>
+            <a:bodyPr wrap="none" rtlCol="0">
+              <a:spAutoFit/>
+            </a:bodyPr>
+            <a:lstStyle/>
+            <a:p>
+              <a:pPr algn="ctr"/>
+              <a:r>
+                <a:rPr lang="en-US" sz="8400" b="1" spc="800" dirty="0">
+                  <a:solidFill>
+                    <a:schemeClr val="tx2"/>
+                  </a:solidFill>
+                  <a:latin typeface="Lato Black" charset="0"/>
+                  <a:ea typeface="Lato Black" charset="0"/>
+                  <a:cs typeface="Lato Black" charset="0"/>
+                </a:rPr>
+                <a:t>Conclusion</a:t>
+              </a:r>
+            </a:p>
+          </p:txBody>
+        </p:sp>
+        <p:sp>
+          <p:nvSpPr>
+            <p:cNvPr id="22" name="Hexagon 21"/>
+            <p:cNvSpPr/>
+            <p:nvPr/>
+          </p:nvSpPr>
+          <p:spPr>
+            <a:xfrm rot="5400000">
+              <a:off x="15472909" y="3544021"/>
+              <a:ext cx="1893728" cy="1632524"/>
+            </a:xfrm>
+            <a:prstGeom prst="hexagon">
+              <a:avLst/>
+            </a:prstGeom>
+            <a:solidFill>
+              <a:srgbClr val="253238"/>
+            </a:solidFill>
+            <a:ln>
+              <a:noFill/>
+            </a:ln>
+          </p:spPr>
+          <p:style>
+            <a:lnRef idx="2">
+              <a:schemeClr val="accent1">
+                <a:shade val="50000"/>
+              </a:schemeClr>
+            </a:lnRef>
+            <a:fillRef idx="1">
+              <a:schemeClr val="accent1"/>
+            </a:fillRef>
+            <a:effectRef idx="0">
+              <a:schemeClr val="accent1"/>
+            </a:effectRef>
+            <a:fontRef idx="minor">
+              <a:schemeClr val="lt1"/>
+            </a:fontRef>
+          </p:style>
+          <p:txBody>
+            <a:bodyPr rtlCol="0" anchor="ctr"/>
+            <a:lstStyle/>
+            <a:p>
+              <a:pPr algn="ctr"/>
+              <a:endParaRPr lang="en-US" dirty="0"/>
+            </a:p>
+          </p:txBody>
+        </p:sp>
+        <p:pic>
+          <p:nvPicPr>
+            <p:cNvPr id="3" name="Graphique 2" descr="Infini avec un remplissage uni">
+              <a:extLst>
+                <a:ext uri="{FF2B5EF4-FFF2-40B4-BE49-F238E27FC236}">
+                  <a16:creationId xmlns:a16="http://schemas.microsoft.com/office/drawing/2014/main" id="{C08D29E8-9B89-4DB6-9162-4376095CB891}"/>
+                </a:ext>
+              </a:extLst>
+            </p:cNvPr>
+            <p:cNvPicPr>
+              <a:picLocks noChangeAspect="1"/>
+            </p:cNvPicPr>
+            <p:nvPr/>
+          </p:nvPicPr>
+          <p:blipFill>
+            <a:blip r:embed="rId3">
+              <a:extLst>
+                <a:ext uri="{28A0092B-C50C-407E-A947-70E740481C1C}">
+                  <a14:useLocalDpi xmlns:a14="http://schemas.microsoft.com/office/drawing/2010/main" val="0"/>
+                </a:ext>
+                <a:ext uri="{96DAC541-7B7A-43D3-8B79-37D633B846F1}">
+                  <asvg:svgBlip xmlns:asvg="http://schemas.microsoft.com/office/drawing/2016/SVG/main" r:embed="rId4"/>
+                </a:ext>
+              </a:extLst>
+            </a:blip>
+            <a:stretch>
+              <a:fillRect/>
+            </a:stretch>
+          </p:blipFill>
+          <p:spPr>
+            <a:xfrm>
+              <a:off x="15801524" y="3763821"/>
+              <a:ext cx="1192924" cy="1192924"/>
+            </a:xfrm>
+            <a:prstGeom prst="rect">
+              <a:avLst/>
+            </a:prstGeom>
+          </p:spPr>
+        </p:pic>
+      </p:grpSp>
     </p:spTree>
     <p:extLst>
       <p:ext uri="{BB962C8B-B14F-4D97-AF65-F5344CB8AC3E}">
@@ -6272,14 +5176,104 @@
   <p:clrMapOvr>
     <a:masterClrMapping/>
   </p:clrMapOvr>
-  <mc:AlternateContent xmlns:mc="http://schemas.openxmlformats.org/markup-compatibility/2006">
-    <mc:Choice xmlns:p14="http://schemas.microsoft.com/office/powerpoint/2010/main" Requires="p14">
-      <p:transition p14:dur="10" advClick="0"/>
+  <mc:AlternateContent xmlns:mc="http://schemas.openxmlformats.org/markup-compatibility/2006" xmlns:p14="http://schemas.microsoft.com/office/powerpoint/2010/main">
+    <mc:Choice Requires="p14">
+      <p:transition spd="med" p14:dur="700" advClick="0">
+        <p:fade/>
+      </p:transition>
     </mc:Choice>
-    <mc:Fallback>
-      <p:transition advClick="0"/>
+    <mc:Fallback xmlns="">
+      <p:transition spd="med" advClick="0">
+        <p:fade/>
+      </p:transition>
     </mc:Fallback>
   </mc:AlternateContent>
+  <p:timing>
+    <p:tnLst>
+      <p:par>
+        <p:cTn id="1" dur="indefinite" restart="never" nodeType="tmRoot">
+          <p:childTnLst>
+            <p:seq concurrent="1" nextAc="seek">
+              <p:cTn id="2" dur="indefinite" nodeType="mainSeq">
+                <p:childTnLst>
+                  <p:par>
+                    <p:cTn id="3" fill="hold">
+                      <p:stCondLst>
+                        <p:cond delay="indefinite"/>
+                      </p:stCondLst>
+                      <p:childTnLst>
+                        <p:par>
+                          <p:cTn id="4" fill="hold">
+                            <p:stCondLst>
+                              <p:cond delay="0"/>
+                            </p:stCondLst>
+                            <p:childTnLst>
+                              <p:par>
+                                <p:cTn id="5" presetID="22" presetClass="entr" presetSubtype="8" fill="hold" grpId="0" nodeType="clickEffect">
+                                  <p:stCondLst>
+                                    <p:cond delay="0"/>
+                                  </p:stCondLst>
+                                  <p:childTnLst>
+                                    <p:set>
+                                      <p:cBhvr>
+                                        <p:cTn id="6" dur="1" fill="hold">
+                                          <p:stCondLst>
+                                            <p:cond delay="0"/>
+                                          </p:stCondLst>
+                                        </p:cTn>
+                                        <p:tgtEl>
+                                          <p:spTgt spid="12"/>
+                                        </p:tgtEl>
+                                        <p:attrNameLst>
+                                          <p:attrName>style.visibility</p:attrName>
+                                        </p:attrNameLst>
+                                      </p:cBhvr>
+                                      <p:to>
+                                        <p:strVal val="visible"/>
+                                      </p:to>
+                                    </p:set>
+                                    <p:animEffect transition="in" filter="wipe(left)">
+                                      <p:cBhvr>
+                                        <p:cTn id="7" dur="500"/>
+                                        <p:tgtEl>
+                                          <p:spTgt spid="12"/>
+                                        </p:tgtEl>
+                                      </p:cBhvr>
+                                    </p:animEffect>
+                                  </p:childTnLst>
+                                </p:cTn>
+                              </p:par>
+                            </p:childTnLst>
+                          </p:cTn>
+                        </p:par>
+                      </p:childTnLst>
+                    </p:cTn>
+                  </p:par>
+                </p:childTnLst>
+              </p:cTn>
+              <p:prevCondLst>
+                <p:cond evt="onPrev" delay="0">
+                  <p:tgtEl>
+                    <p:sldTgt/>
+                  </p:tgtEl>
+                </p:cond>
+              </p:prevCondLst>
+              <p:nextCondLst>
+                <p:cond evt="onNext" delay="0">
+                  <p:tgtEl>
+                    <p:sldTgt/>
+                  </p:tgtEl>
+                </p:cond>
+              </p:nextCondLst>
+            </p:seq>
+          </p:childTnLst>
+        </p:cTn>
+      </p:par>
+    </p:tnLst>
+    <p:bldLst>
+      <p:bldP spid="12" grpId="0" animBg="1"/>
+    </p:bldLst>
+  </p:timing>
 </p:sld>
 </file>
 
@@ -6881,12 +5875,16 @@
   <p:clrMapOvr>
     <a:masterClrMapping/>
   </p:clrMapOvr>
-  <mc:AlternateContent xmlns:mc="http://schemas.openxmlformats.org/markup-compatibility/2006" xmlns:p14="http://schemas.microsoft.com/office/powerpoint/2010/main">
-    <mc:Choice Requires="p14">
-      <p:transition p14:dur="10" advClick="0"/>
+  <mc:AlternateContent xmlns:mc="http://schemas.openxmlformats.org/markup-compatibility/2006" xmlns:p159="http://schemas.microsoft.com/office/powerpoint/2015/09/main">
+    <mc:Choice Requires="p159">
+      <p:transition xmlns:p14="http://schemas.microsoft.com/office/powerpoint/2010/main" spd="slow" p14:dur="2000" advClick="0">
+        <p159:morph option="byObject"/>
+      </p:transition>
     </mc:Choice>
     <mc:Fallback xmlns="">
-      <p:transition advClick="0"/>
+      <p:transition spd="slow" advClick="0">
+        <p:fade/>
+      </p:transition>
     </mc:Fallback>
   </mc:AlternateContent>
 </p:sld>
@@ -7717,12 +6715,16 @@
   <p:clrMapOvr>
     <a:masterClrMapping/>
   </p:clrMapOvr>
-  <mc:AlternateContent xmlns:mc="http://schemas.openxmlformats.org/markup-compatibility/2006" xmlns:p14="http://schemas.microsoft.com/office/powerpoint/2010/main">
-    <mc:Choice Requires="p14">
-      <p:transition p14:dur="0" advClick="0"/>
+  <mc:AlternateContent xmlns:mc="http://schemas.openxmlformats.org/markup-compatibility/2006" xmlns:p159="http://schemas.microsoft.com/office/powerpoint/2015/09/main">
+    <mc:Choice Requires="p159">
+      <p:transition xmlns:p14="http://schemas.microsoft.com/office/powerpoint/2010/main" spd="slow" p14:dur="2000" advClick="0">
+        <p159:morph option="byObject"/>
+      </p:transition>
     </mc:Choice>
     <mc:Fallback xmlns="">
-      <p:transition advClick="0"/>
+      <p:transition spd="slow" advClick="0">
+        <p:fade/>
+      </p:transition>
     </mc:Fallback>
   </mc:AlternateContent>
 </p:sld>
@@ -9393,7 +8395,7 @@
           <p:nvPr/>
         </p:nvPicPr>
         <p:blipFill>
-          <a:blip r:embed="rId6">
+          <a:blip r:embed="rId6" cstate="email">
             <a:extLst>
               <a:ext uri="{28A0092B-C50C-407E-A947-70E740481C1C}">
                 <a14:useLocalDpi xmlns:a14="http://schemas.microsoft.com/office/drawing/2010/main" val="0"/>
@@ -9424,12 +8426,16 @@
   <p:clrMapOvr>
     <a:masterClrMapping/>
   </p:clrMapOvr>
-  <mc:AlternateContent xmlns:mc="http://schemas.openxmlformats.org/markup-compatibility/2006" xmlns:p14="http://schemas.microsoft.com/office/powerpoint/2010/main">
-    <mc:Choice Requires="p14">
-      <p:transition p14:dur="0" advClick="0"/>
+  <mc:AlternateContent xmlns:mc="http://schemas.openxmlformats.org/markup-compatibility/2006" xmlns:p159="http://schemas.microsoft.com/office/powerpoint/2015/09/main">
+    <mc:Choice Requires="p159">
+      <p:transition xmlns:p14="http://schemas.microsoft.com/office/powerpoint/2010/main" spd="slow" p14:dur="2000" advClick="0">
+        <p159:morph option="byObject"/>
+      </p:transition>
     </mc:Choice>
     <mc:Fallback xmlns="">
-      <p:transition advClick="0"/>
+      <p:transition spd="slow" advClick="0">
+        <p:fade/>
+      </p:transition>
     </mc:Fallback>
   </mc:AlternateContent>
 </p:sld>
@@ -11164,12 +10170,16 @@
   <p:clrMapOvr>
     <a:masterClrMapping/>
   </p:clrMapOvr>
-  <mc:AlternateContent xmlns:mc="http://schemas.openxmlformats.org/markup-compatibility/2006" xmlns:p14="http://schemas.microsoft.com/office/powerpoint/2010/main">
-    <mc:Choice Requires="p14">
-      <p:transition p14:dur="0" advClick="0"/>
+  <mc:AlternateContent xmlns:mc="http://schemas.openxmlformats.org/markup-compatibility/2006" xmlns:p159="http://schemas.microsoft.com/office/powerpoint/2015/09/main">
+    <mc:Choice Requires="p159">
+      <p:transition xmlns:p14="http://schemas.microsoft.com/office/powerpoint/2010/main" spd="slow" p14:dur="2000" advClick="0">
+        <p159:morph option="byObject"/>
+      </p:transition>
     </mc:Choice>
     <mc:Fallback xmlns="">
-      <p:transition advClick="0"/>
+      <p:transition spd="slow" advClick="0">
+        <p:fade/>
+      </p:transition>
     </mc:Fallback>
   </mc:AlternateContent>
 </p:sld>
@@ -11360,12 +10370,16 @@
   <p:clrMapOvr>
     <a:masterClrMapping/>
   </p:clrMapOvr>
-  <mc:AlternateContent xmlns:mc="http://schemas.openxmlformats.org/markup-compatibility/2006" xmlns:p14="http://schemas.microsoft.com/office/powerpoint/2010/main">
-    <mc:Choice Requires="p14">
-      <p:transition p14:dur="0" advClick="0"/>
+  <mc:AlternateContent xmlns:mc="http://schemas.openxmlformats.org/markup-compatibility/2006" xmlns:p159="http://schemas.microsoft.com/office/powerpoint/2015/09/main">
+    <mc:Choice Requires="p159">
+      <p:transition xmlns:p14="http://schemas.microsoft.com/office/powerpoint/2010/main" spd="slow" p14:dur="2000" advClick="0">
+        <p159:morph option="byObject"/>
+      </p:transition>
     </mc:Choice>
     <mc:Fallback xmlns="">
-      <p:transition advClick="0"/>
+      <p:transition spd="slow" advClick="0">
+        <p:fade/>
+      </p:transition>
     </mc:Fallback>
   </mc:AlternateContent>
 </p:sld>
@@ -11405,7 +10419,7 @@
           </p:nvPr>
         </p:nvPicPr>
         <p:blipFill>
-          <a:blip r:embed="rId2">
+          <a:blip r:embed="rId2" cstate="email">
             <a:extLst>
               <a:ext uri="{28A0092B-C50C-407E-A947-70E740481C1C}">
                 <a14:useLocalDpi xmlns:a14="http://schemas.microsoft.com/office/drawing/2010/main" val="0"/>
@@ -11446,7 +10460,7 @@
           </p:nvPr>
         </p:nvPicPr>
         <p:blipFill rotWithShape="1">
-          <a:blip r:embed="rId4">
+          <a:blip r:embed="rId4" cstate="email">
             <a:extLst>
               <a:ext uri="{28A0092B-C50C-407E-A947-70E740481C1C}">
                 <a14:useLocalDpi xmlns:a14="http://schemas.microsoft.com/office/drawing/2010/main" val="0"/>
@@ -11486,7 +10500,7 @@
           </p:nvPr>
         </p:nvPicPr>
         <p:blipFill>
-          <a:blip r:embed="rId6">
+          <a:blip r:embed="rId6" cstate="email">
             <a:extLst>
               <a:ext uri="{28A0092B-C50C-407E-A947-70E740481C1C}">
                 <a14:useLocalDpi xmlns:a14="http://schemas.microsoft.com/office/drawing/2010/main" val="0"/>
@@ -11520,7 +10534,18 @@
   <p:clrMapOvr>
     <a:masterClrMapping/>
   </p:clrMapOvr>
-  <p:transition/>
+  <mc:AlternateContent xmlns:mc="http://schemas.openxmlformats.org/markup-compatibility/2006" xmlns:p159="http://schemas.microsoft.com/office/powerpoint/2015/09/main">
+    <mc:Choice Requires="p159">
+      <p:transition xmlns:p14="http://schemas.microsoft.com/office/powerpoint/2010/main" spd="slow" p14:dur="2000" advClick="0">
+        <p159:morph option="byObject"/>
+      </p:transition>
+    </mc:Choice>
+    <mc:Fallback xmlns="">
+      <p:transition spd="slow" advClick="0">
+        <p:fade/>
+      </p:transition>
+    </mc:Fallback>
+  </mc:AlternateContent>
 </p:sld>
 </file>
 
@@ -11709,12 +10734,16 @@
   <p:clrMapOvr>
     <a:masterClrMapping/>
   </p:clrMapOvr>
-  <mc:AlternateContent xmlns:mc="http://schemas.openxmlformats.org/markup-compatibility/2006">
-    <mc:Choice xmlns:p14="http://schemas.microsoft.com/office/powerpoint/2010/main" Requires="p14">
-      <p:transition p14:dur="0" advClick="0"/>
+  <mc:AlternateContent xmlns:mc="http://schemas.openxmlformats.org/markup-compatibility/2006" xmlns:p159="http://schemas.microsoft.com/office/powerpoint/2015/09/main">
+    <mc:Choice Requires="p159">
+      <p:transition xmlns:p14="http://schemas.microsoft.com/office/powerpoint/2010/main" spd="slow" p14:dur="2000" advClick="0">
+        <p159:morph option="byObject"/>
+      </p:transition>
     </mc:Choice>
-    <mc:Fallback>
-      <p:transition advClick="0"/>
+    <mc:Fallback xmlns="">
+      <p:transition spd="slow" advClick="0">
+        <p:fade/>
+      </p:transition>
     </mc:Fallback>
   </mc:AlternateContent>
 </p:sld>
@@ -11956,12 +10985,16 @@
   <p:clrMapOvr>
     <a:masterClrMapping/>
   </p:clrMapOvr>
-  <mc:AlternateContent xmlns:mc="http://schemas.openxmlformats.org/markup-compatibility/2006">
-    <mc:Choice xmlns:p14="http://schemas.microsoft.com/office/powerpoint/2010/main" Requires="p14">
-      <p:transition p14:dur="0" advClick="0"/>
+  <mc:AlternateContent xmlns:mc="http://schemas.openxmlformats.org/markup-compatibility/2006" xmlns:p159="http://schemas.microsoft.com/office/powerpoint/2015/09/main">
+    <mc:Choice Requires="p159">
+      <p:transition xmlns:p14="http://schemas.microsoft.com/office/powerpoint/2010/main" spd="slow" p14:dur="2000" advClick="0">
+        <p159:morph option="byObject"/>
+      </p:transition>
     </mc:Choice>
-    <mc:Fallback>
-      <p:transition advClick="0"/>
+    <mc:Fallback xmlns="">
+      <p:transition spd="slow" advClick="0">
+        <p:fade/>
+      </p:transition>
     </mc:Fallback>
   </mc:AlternateContent>
 </p:sld>
@@ -12486,4 +11519,280 @@
   </a:objectDefaults>
   <a:extraClrSchemeLst/>
 </a:theme>
+</file>
+
+<file path=customXml/item1.xml><?xml version="1.0" encoding="utf-8"?>
+<?mso-contentType ?>
+<FormTemplates xmlns="http://schemas.microsoft.com/sharepoint/v3/contenttype/forms">
+  <Display>DocumentLibraryForm</Display>
+  <Edit>DocumentLibraryForm</Edit>
+  <New>DocumentLibraryForm</New>
+</FormTemplates>
+</file>
+
+<file path=customXml/item2.xml><?xml version="1.0" encoding="utf-8"?>
+<ct:contentTypeSchema xmlns:ct="http://schemas.microsoft.com/office/2006/metadata/contentType" xmlns:ma="http://schemas.microsoft.com/office/2006/metadata/properties/metaAttributes" ct:_="" ma:_="" ma:contentTypeName="Document" ma:contentTypeID="0x01010084F1CE1B41409B4EB2583E07B7754F4D" ma:contentTypeVersion="12" ma:contentTypeDescription="Crée un document." ma:contentTypeScope="" ma:versionID="937708b093b6b04f59bf3c29c565ef6a">
+  <xsd:schema xmlns:xsd="http://www.w3.org/2001/XMLSchema" xmlns:xs="http://www.w3.org/2001/XMLSchema" xmlns:p="http://schemas.microsoft.com/office/2006/metadata/properties" xmlns:ns3="490f4d18-1b42-4a78-837f-26ad582d7a5f" xmlns:ns4="c118889d-4c8e-4464-8a43-de4e027114a5" targetNamespace="http://schemas.microsoft.com/office/2006/metadata/properties" ma:root="true" ma:fieldsID="d5743baf8d56fd07455e640aa7bbe21f" ns3:_="" ns4:_="">
+    <xsd:import namespace="490f4d18-1b42-4a78-837f-26ad582d7a5f"/>
+    <xsd:import namespace="c118889d-4c8e-4464-8a43-de4e027114a5"/>
+    <xsd:element name="properties">
+      <xsd:complexType>
+        <xsd:sequence>
+          <xsd:element name="documentManagement">
+            <xsd:complexType>
+              <xsd:all>
+                <xsd:element ref="ns3:MediaServiceMetadata" minOccurs="0"/>
+                <xsd:element ref="ns3:MediaServiceFastMetadata" minOccurs="0"/>
+                <xsd:element ref="ns3:MediaServiceAutoTags" minOccurs="0"/>
+                <xsd:element ref="ns3:MediaServiceOCR" minOccurs="0"/>
+                <xsd:element ref="ns3:MediaServiceGenerationTime" minOccurs="0"/>
+                <xsd:element ref="ns3:MediaServiceEventHashCode" minOccurs="0"/>
+                <xsd:element ref="ns3:MediaServiceDateTaken" minOccurs="0"/>
+                <xsd:element ref="ns4:SharedWithUsers" minOccurs="0"/>
+                <xsd:element ref="ns4:SharedWithDetails" minOccurs="0"/>
+                <xsd:element ref="ns4:SharingHintHash" minOccurs="0"/>
+                <xsd:element ref="ns3:MediaServiceAutoKeyPoints" minOccurs="0"/>
+                <xsd:element ref="ns3:MediaServiceKeyPoints" minOccurs="0"/>
+              </xsd:all>
+            </xsd:complexType>
+          </xsd:element>
+        </xsd:sequence>
+      </xsd:complexType>
+    </xsd:element>
+  </xsd:schema>
+  <xsd:schema xmlns:xsd="http://www.w3.org/2001/XMLSchema" xmlns:xs="http://www.w3.org/2001/XMLSchema" xmlns:dms="http://schemas.microsoft.com/office/2006/documentManagement/types" xmlns:pc="http://schemas.microsoft.com/office/infopath/2007/PartnerControls" targetNamespace="490f4d18-1b42-4a78-837f-26ad582d7a5f" elementFormDefault="qualified">
+    <xsd:import namespace="http://schemas.microsoft.com/office/2006/documentManagement/types"/>
+    <xsd:import namespace="http://schemas.microsoft.com/office/infopath/2007/PartnerControls"/>
+    <xsd:element name="MediaServiceMetadata" ma:index="8" nillable="true" ma:displayName="MediaServiceMetadata" ma:hidden="true" ma:internalName="MediaServiceMetadata" ma:readOnly="true">
+      <xsd:simpleType>
+        <xsd:restriction base="dms:Note"/>
+      </xsd:simpleType>
+    </xsd:element>
+    <xsd:element name="MediaServiceFastMetadata" ma:index="9" nillable="true" ma:displayName="MediaServiceFastMetadata" ma:hidden="true" ma:internalName="MediaServiceFastMetadata" ma:readOnly="true">
+      <xsd:simpleType>
+        <xsd:restriction base="dms:Note"/>
+      </xsd:simpleType>
+    </xsd:element>
+    <xsd:element name="MediaServiceAutoTags" ma:index="10" nillable="true" ma:displayName="Tags" ma:internalName="MediaServiceAutoTags" ma:readOnly="true">
+      <xsd:simpleType>
+        <xsd:restriction base="dms:Text"/>
+      </xsd:simpleType>
+    </xsd:element>
+    <xsd:element name="MediaServiceOCR" ma:index="11" nillable="true" ma:displayName="Extracted Text" ma:internalName="MediaServiceOCR" ma:readOnly="true">
+      <xsd:simpleType>
+        <xsd:restriction base="dms:Note">
+          <xsd:maxLength value="255"/>
+        </xsd:restriction>
+      </xsd:simpleType>
+    </xsd:element>
+    <xsd:element name="MediaServiceGenerationTime" ma:index="12" nillable="true" ma:displayName="MediaServiceGenerationTime" ma:hidden="true" ma:internalName="MediaServiceGenerationTime" ma:readOnly="true">
+      <xsd:simpleType>
+        <xsd:restriction base="dms:Text"/>
+      </xsd:simpleType>
+    </xsd:element>
+    <xsd:element name="MediaServiceEventHashCode" ma:index="13" nillable="true" ma:displayName="MediaServiceEventHashCode" ma:hidden="true" ma:internalName="MediaServiceEventHashCode" ma:readOnly="true">
+      <xsd:simpleType>
+        <xsd:restriction base="dms:Text"/>
+      </xsd:simpleType>
+    </xsd:element>
+    <xsd:element name="MediaServiceDateTaken" ma:index="14" nillable="true" ma:displayName="MediaServiceDateTaken" ma:hidden="true" ma:internalName="MediaServiceDateTaken" ma:readOnly="true">
+      <xsd:simpleType>
+        <xsd:restriction base="dms:Text"/>
+      </xsd:simpleType>
+    </xsd:element>
+    <xsd:element name="MediaServiceAutoKeyPoints" ma:index="18" nillable="true" ma:displayName="MediaServiceAutoKeyPoints" ma:hidden="true" ma:internalName="MediaServiceAutoKeyPoints" ma:readOnly="true">
+      <xsd:simpleType>
+        <xsd:restriction base="dms:Note"/>
+      </xsd:simpleType>
+    </xsd:element>
+    <xsd:element name="MediaServiceKeyPoints" ma:index="19" nillable="true" ma:displayName="KeyPoints" ma:internalName="MediaServiceKeyPoints" ma:readOnly="true">
+      <xsd:simpleType>
+        <xsd:restriction base="dms:Note">
+          <xsd:maxLength value="255"/>
+        </xsd:restriction>
+      </xsd:simpleType>
+    </xsd:element>
+  </xsd:schema>
+  <xsd:schema xmlns:xsd="http://www.w3.org/2001/XMLSchema" xmlns:xs="http://www.w3.org/2001/XMLSchema" xmlns:dms="http://schemas.microsoft.com/office/2006/documentManagement/types" xmlns:pc="http://schemas.microsoft.com/office/infopath/2007/PartnerControls" targetNamespace="c118889d-4c8e-4464-8a43-de4e027114a5" elementFormDefault="qualified">
+    <xsd:import namespace="http://schemas.microsoft.com/office/2006/documentManagement/types"/>
+    <xsd:import namespace="http://schemas.microsoft.com/office/infopath/2007/PartnerControls"/>
+    <xsd:element name="SharedWithUsers" ma:index="15" nillable="true" ma:displayName="Partagé avec" ma:internalName="SharedWithUsers" ma:readOnly="true">
+      <xsd:complexType>
+        <xsd:complexContent>
+          <xsd:extension base="dms:UserMulti">
+            <xsd:sequence>
+              <xsd:element name="UserInfo" minOccurs="0" maxOccurs="unbounded">
+                <xsd:complexType>
+                  <xsd:sequence>
+                    <xsd:element name="DisplayName" type="xsd:string" minOccurs="0"/>
+                    <xsd:element name="AccountId" type="dms:UserId" minOccurs="0" nillable="true"/>
+                    <xsd:element name="AccountType" type="xsd:string" minOccurs="0"/>
+                  </xsd:sequence>
+                </xsd:complexType>
+              </xsd:element>
+            </xsd:sequence>
+          </xsd:extension>
+        </xsd:complexContent>
+      </xsd:complexType>
+    </xsd:element>
+    <xsd:element name="SharedWithDetails" ma:index="16" nillable="true" ma:displayName="Partagé avec détails" ma:internalName="SharedWithDetails" ma:readOnly="true">
+      <xsd:simpleType>
+        <xsd:restriction base="dms:Note">
+          <xsd:maxLength value="255"/>
+        </xsd:restriction>
+      </xsd:simpleType>
+    </xsd:element>
+    <xsd:element name="SharingHintHash" ma:index="17" nillable="true" ma:displayName="Partage du hachage d’indicateur" ma:hidden="true" ma:internalName="SharingHintHash" ma:readOnly="true">
+      <xsd:simpleType>
+        <xsd:restriction base="dms:Text"/>
+      </xsd:simpleType>
+    </xsd:element>
+  </xsd:schema>
+  <xsd:schema xmlns="http://schemas.openxmlformats.org/package/2006/metadata/core-properties" xmlns:xsd="http://www.w3.org/2001/XMLSchema" xmlns:xsi="http://www.w3.org/2001/XMLSchema-instance" xmlns:dc="http://purl.org/dc/elements/1.1/" xmlns:dcterms="http://purl.org/dc/terms/" xmlns:odoc="http://schemas.microsoft.com/internal/obd" targetNamespace="http://schemas.openxmlformats.org/package/2006/metadata/core-properties" elementFormDefault="qualified" attributeFormDefault="unqualified" blockDefault="#all">
+    <xsd:import namespace="http://purl.org/dc/elements/1.1/" schemaLocation="http://dublincore.org/schemas/xmls/qdc/2003/04/02/dc.xsd"/>
+    <xsd:import namespace="http://purl.org/dc/terms/" schemaLocation="http://dublincore.org/schemas/xmls/qdc/2003/04/02/dcterms.xsd"/>
+    <xsd:element name="coreProperties" type="CT_coreProperties"/>
+    <xsd:complexType name="CT_coreProperties">
+      <xsd:all>
+        <xsd:element ref="dc:creator" minOccurs="0" maxOccurs="1"/>
+        <xsd:element ref="dcterms:created" minOccurs="0" maxOccurs="1"/>
+        <xsd:element ref="dc:identifier" minOccurs="0" maxOccurs="1"/>
+        <xsd:element name="contentType" minOccurs="0" maxOccurs="1" type="xsd:string" ma:index="0" ma:displayName="Type de contenu"/>
+        <xsd:element ref="dc:title" minOccurs="0" maxOccurs="1" ma:index="4" ma:displayName="Titre"/>
+        <xsd:element ref="dc:subject" minOccurs="0" maxOccurs="1"/>
+        <xsd:element ref="dc:description" minOccurs="0" maxOccurs="1"/>
+        <xsd:element name="keywords" minOccurs="0" maxOccurs="1" type="xsd:string"/>
+        <xsd:element ref="dc:language" minOccurs="0" maxOccurs="1"/>
+        <xsd:element name="category" minOccurs="0" maxOccurs="1" type="xsd:string"/>
+        <xsd:element name="version" minOccurs="0" maxOccurs="1" type="xsd:string"/>
+        <xsd:element name="revision" minOccurs="0" maxOccurs="1" type="xsd:string">
+          <xsd:annotation>
+            <xsd:documentation>
+                        This value indicates the number of saves or revisions. The application is responsible for updating this value after each revision.
+                    </xsd:documentation>
+          </xsd:annotation>
+        </xsd:element>
+        <xsd:element name="lastModifiedBy" minOccurs="0" maxOccurs="1" type="xsd:string"/>
+        <xsd:element ref="dcterms:modified" minOccurs="0" maxOccurs="1"/>
+        <xsd:element name="contentStatus" minOccurs="0" maxOccurs="1" type="xsd:string"/>
+      </xsd:all>
+    </xsd:complexType>
+  </xsd:schema>
+  <xs:schema xmlns:pc="http://schemas.microsoft.com/office/infopath/2007/PartnerControls" xmlns:xs="http://www.w3.org/2001/XMLSchema" targetNamespace="http://schemas.microsoft.com/office/infopath/2007/PartnerControls" elementFormDefault="qualified" attributeFormDefault="unqualified">
+    <xs:element name="Person">
+      <xs:complexType>
+        <xs:sequence>
+          <xs:element ref="pc:DisplayName" minOccurs="0"/>
+          <xs:element ref="pc:AccountId" minOccurs="0"/>
+          <xs:element ref="pc:AccountType" minOccurs="0"/>
+        </xs:sequence>
+      </xs:complexType>
+    </xs:element>
+    <xs:element name="DisplayName" type="xs:string"/>
+    <xs:element name="AccountId" type="xs:string"/>
+    <xs:element name="AccountType" type="xs:string"/>
+    <xs:element name="BDCAssociatedEntity">
+      <xs:complexType>
+        <xs:sequence>
+          <xs:element ref="pc:BDCEntity" minOccurs="0" maxOccurs="unbounded"/>
+        </xs:sequence>
+        <xs:attribute ref="pc:EntityNamespace"/>
+        <xs:attribute ref="pc:EntityName"/>
+        <xs:attribute ref="pc:SystemInstanceName"/>
+        <xs:attribute ref="pc:AssociationName"/>
+      </xs:complexType>
+    </xs:element>
+    <xs:attribute name="EntityNamespace" type="xs:string"/>
+    <xs:attribute name="EntityName" type="xs:string"/>
+    <xs:attribute name="SystemInstanceName" type="xs:string"/>
+    <xs:attribute name="AssociationName" type="xs:string"/>
+    <xs:element name="BDCEntity">
+      <xs:complexType>
+        <xs:sequence>
+          <xs:element ref="pc:EntityDisplayName" minOccurs="0"/>
+          <xs:element ref="pc:EntityInstanceReference" minOccurs="0"/>
+          <xs:element ref="pc:EntityId1" minOccurs="0"/>
+          <xs:element ref="pc:EntityId2" minOccurs="0"/>
+          <xs:element ref="pc:EntityId3" minOccurs="0"/>
+          <xs:element ref="pc:EntityId4" minOccurs="0"/>
+          <xs:element ref="pc:EntityId5" minOccurs="0"/>
+        </xs:sequence>
+      </xs:complexType>
+    </xs:element>
+    <xs:element name="EntityDisplayName" type="xs:string"/>
+    <xs:element name="EntityInstanceReference" type="xs:string"/>
+    <xs:element name="EntityId1" type="xs:string"/>
+    <xs:element name="EntityId2" type="xs:string"/>
+    <xs:element name="EntityId3" type="xs:string"/>
+    <xs:element name="EntityId4" type="xs:string"/>
+    <xs:element name="EntityId5" type="xs:string"/>
+    <xs:element name="Terms">
+      <xs:complexType>
+        <xs:sequence>
+          <xs:element ref="pc:TermInfo" minOccurs="0" maxOccurs="unbounded"/>
+        </xs:sequence>
+      </xs:complexType>
+    </xs:element>
+    <xs:element name="TermInfo">
+      <xs:complexType>
+        <xs:sequence>
+          <xs:element ref="pc:TermName" minOccurs="0"/>
+          <xs:element ref="pc:TermId" minOccurs="0"/>
+        </xs:sequence>
+      </xs:complexType>
+    </xs:element>
+    <xs:element name="TermName" type="xs:string"/>
+    <xs:element name="TermId" type="xs:string"/>
+  </xs:schema>
+</ct:contentTypeSchema>
+</file>
+
+<file path=customXml/item3.xml><?xml version="1.0" encoding="utf-8"?>
+<p:properties xmlns:p="http://schemas.microsoft.com/office/2006/metadata/properties" xmlns:xsi="http://www.w3.org/2001/XMLSchema-instance" xmlns:pc="http://schemas.microsoft.com/office/infopath/2007/PartnerControls">
+  <documentManagement/>
+</p:properties>
+</file>
+
+<file path=customXml/itemProps1.xml><?xml version="1.0" encoding="utf-8"?>
+<ds:datastoreItem xmlns:ds="http://schemas.openxmlformats.org/officeDocument/2006/customXml" ds:itemID="{E80032CA-EB2D-4687-92C9-C77B6699F31C}">
+  <ds:schemaRefs>
+    <ds:schemaRef ds:uri="http://schemas.microsoft.com/sharepoint/v3/contenttype/forms"/>
+  </ds:schemaRefs>
+</ds:datastoreItem>
+</file>
+
+<file path=customXml/itemProps2.xml><?xml version="1.0" encoding="utf-8"?>
+<ds:datastoreItem xmlns:ds="http://schemas.openxmlformats.org/officeDocument/2006/customXml" ds:itemID="{37952D33-97F5-4439-A00F-6617EFE87C38}">
+  <ds:schemaRefs>
+    <ds:schemaRef ds:uri="http://schemas.microsoft.com/office/2006/metadata/contentType"/>
+    <ds:schemaRef ds:uri="http://schemas.microsoft.com/office/2006/metadata/properties/metaAttributes"/>
+    <ds:schemaRef ds:uri="http://www.w3.org/2001/XMLSchema"/>
+    <ds:schemaRef ds:uri="http://schemas.microsoft.com/office/2006/metadata/properties"/>
+    <ds:schemaRef ds:uri="490f4d18-1b42-4a78-837f-26ad582d7a5f"/>
+    <ds:schemaRef ds:uri="c118889d-4c8e-4464-8a43-de4e027114a5"/>
+    <ds:schemaRef ds:uri="http://schemas.microsoft.com/office/2006/documentManagement/types"/>
+    <ds:schemaRef ds:uri="http://schemas.microsoft.com/office/infopath/2007/PartnerControls"/>
+    <ds:schemaRef ds:uri="http://schemas.openxmlformats.org/package/2006/metadata/core-properties"/>
+    <ds:schemaRef ds:uri="http://purl.org/dc/elements/1.1/"/>
+    <ds:schemaRef ds:uri="http://purl.org/dc/terms/"/>
+    <ds:schemaRef ds:uri="http://schemas.microsoft.com/internal/obd"/>
+  </ds:schemaRefs>
+</ds:datastoreItem>
+</file>
+
+<file path=customXml/itemProps3.xml><?xml version="1.0" encoding="utf-8"?>
+<ds:datastoreItem xmlns:ds="http://schemas.openxmlformats.org/officeDocument/2006/customXml" ds:itemID="{D4257597-B907-481E-94D5-3F76AB1F865B}">
+  <ds:schemaRefs>
+    <ds:schemaRef ds:uri="http://www.w3.org/XML/1998/namespace"/>
+    <ds:schemaRef ds:uri="c118889d-4c8e-4464-8a43-de4e027114a5"/>
+    <ds:schemaRef ds:uri="490f4d18-1b42-4a78-837f-26ad582d7a5f"/>
+    <ds:schemaRef ds:uri="http://purl.org/dc/terms/"/>
+    <ds:schemaRef ds:uri="http://schemas.microsoft.com/office/2006/documentManagement/types"/>
+    <ds:schemaRef ds:uri="http://schemas.microsoft.com/office/2006/metadata/properties"/>
+    <ds:schemaRef ds:uri="http://purl.org/dc/elements/1.1/"/>
+    <ds:schemaRef ds:uri="http://schemas.microsoft.com/office/infopath/2007/PartnerControls"/>
+    <ds:schemaRef ds:uri="http://schemas.openxmlformats.org/package/2006/metadata/core-properties"/>
+    <ds:schemaRef ds:uri="http://purl.org/dc/dcmitype/"/>
+  </ds:schemaRefs>
+</ds:datastoreItem>
 </file>
--- a/Diapo Présentation.pptx
+++ b/Diapo Présentation.pptx
@@ -147,10 +147,230 @@
 <file path=ppt/revisionInfo.xml><?xml version="1.0" encoding="utf-8"?>
 <p1510:revInfo xmlns:a="http://schemas.openxmlformats.org/drawingml/2006/main" xmlns:r="http://schemas.openxmlformats.org/officeDocument/2006/relationships" xmlns:p1510="http://schemas.microsoft.com/office/powerpoint/2015/10/main">
   <p1510:revLst>
-    <p1510:client id="{BC77E55B-3EA1-4BFB-9789-35A79929866B}" v="3" dt="2022-01-01T18:28:49.049"/>
-    <p1510:client id="{E9982812-8B46-4E5A-8405-D9D98755CCAE}" v="57" dt="2022-01-01T17:24:29.718"/>
+    <p1510:client id="{56FE30EE-4498-4FE9-AC92-56142C88830D}" v="4" dt="2022-01-02T22:42:07.372"/>
+    <p1510:client id="{C9583A55-8E96-48BF-8F5B-B67F834AA359}" v="30" dt="2022-01-02T22:43:22.335"/>
   </p1510:revLst>
 </p1510:revInfo>
+</file>
+
+<file path=ppt/changesInfos/changesInfo1.xml><?xml version="1.0" encoding="utf-8"?>
+<pc:chgInfo xmlns:a="http://schemas.openxmlformats.org/drawingml/2006/main" xmlns:r="http://schemas.openxmlformats.org/officeDocument/2006/relationships" xmlns:ac="http://schemas.microsoft.com/office/drawing/2013/main/command" xmlns:pc="http://schemas.microsoft.com/office/powerpoint/2013/main/command">
+  <pc:docChgLst>
+    <pc:chgData name="BONNIN François" userId="d90fafad-3c8a-4b4e-90f8-caf225ca9ff7" providerId="ADAL" clId="{56FE30EE-4498-4FE9-AC92-56142C88830D}"/>
+    <pc:docChg chg="undo redo custSel modSld">
+      <pc:chgData name="BONNIN François" userId="d90fafad-3c8a-4b4e-90f8-caf225ca9ff7" providerId="ADAL" clId="{56FE30EE-4498-4FE9-AC92-56142C88830D}" dt="2022-01-03T09:56:14.177" v="191" actId="14100"/>
+      <pc:docMkLst>
+        <pc:docMk/>
+      </pc:docMkLst>
+      <pc:sldChg chg="modSp mod modNotesTx">
+        <pc:chgData name="BONNIN François" userId="d90fafad-3c8a-4b4e-90f8-caf225ca9ff7" providerId="ADAL" clId="{56FE30EE-4498-4FE9-AC92-56142C88830D}" dt="2022-01-03T09:56:14.177" v="191" actId="14100"/>
+        <pc:sldMkLst>
+          <pc:docMk/>
+          <pc:sldMk cId="1741621966" sldId="2343"/>
+        </pc:sldMkLst>
+        <pc:spChg chg="mod">
+          <ac:chgData name="BONNIN François" userId="d90fafad-3c8a-4b4e-90f8-caf225ca9ff7" providerId="ADAL" clId="{56FE30EE-4498-4FE9-AC92-56142C88830D}" dt="2022-01-03T09:56:14.177" v="191" actId="14100"/>
+          <ac:spMkLst>
+            <pc:docMk/>
+            <pc:sldMk cId="1741621966" sldId="2343"/>
+            <ac:spMk id="15" creationId="{69E9FCA6-FFFF-43AA-A68D-3CBC171EDAA9}"/>
+          </ac:spMkLst>
+        </pc:spChg>
+        <pc:spChg chg="mod">
+          <ac:chgData name="BONNIN François" userId="d90fafad-3c8a-4b4e-90f8-caf225ca9ff7" providerId="ADAL" clId="{56FE30EE-4498-4FE9-AC92-56142C88830D}" dt="2022-01-03T09:50:53.306" v="133" actId="6549"/>
+          <ac:spMkLst>
+            <pc:docMk/>
+            <pc:sldMk cId="1741621966" sldId="2343"/>
+            <ac:spMk id="30" creationId="{00000000-0000-0000-0000-000000000000}"/>
+          </ac:spMkLst>
+        </pc:spChg>
+        <pc:spChg chg="mod">
+          <ac:chgData name="BONNIN François" userId="d90fafad-3c8a-4b4e-90f8-caf225ca9ff7" providerId="ADAL" clId="{56FE30EE-4498-4FE9-AC92-56142C88830D}" dt="2022-01-03T09:50:32.452" v="130" actId="2711"/>
+          <ac:spMkLst>
+            <pc:docMk/>
+            <pc:sldMk cId="1741621966" sldId="2343"/>
+            <ac:spMk id="33" creationId="{00000000-0000-0000-0000-000000000000}"/>
+          </ac:spMkLst>
+        </pc:spChg>
+      </pc:sldChg>
+      <pc:sldChg chg="modNotesTx">
+        <pc:chgData name="BONNIN François" userId="d90fafad-3c8a-4b4e-90f8-caf225ca9ff7" providerId="ADAL" clId="{56FE30EE-4498-4FE9-AC92-56142C88830D}" dt="2022-01-02T22:36:28.180" v="0"/>
+        <pc:sldMkLst>
+          <pc:docMk/>
+          <pc:sldMk cId="1890488339" sldId="2420"/>
+        </pc:sldMkLst>
+      </pc:sldChg>
+    </pc:docChg>
+  </pc:docChgLst>
+  <pc:docChgLst>
+    <pc:chgData name="BONNIN François" userId="d90fafad-3c8a-4b4e-90f8-caf225ca9ff7" providerId="ADAL" clId="{C9583A55-8E96-48BF-8F5B-B67F834AA359}"/>
+    <pc:docChg chg="modSld modMainMaster">
+      <pc:chgData name="BONNIN François" userId="d90fafad-3c8a-4b4e-90f8-caf225ca9ff7" providerId="ADAL" clId="{C9583A55-8E96-48BF-8F5B-B67F834AA359}" dt="2022-01-02T22:43:22.335" v="29"/>
+      <pc:docMkLst>
+        <pc:docMk/>
+      </pc:docMkLst>
+      <pc:sldChg chg="modTransition">
+        <pc:chgData name="BONNIN François" userId="d90fafad-3c8a-4b4e-90f8-caf225ca9ff7" providerId="ADAL" clId="{C9583A55-8E96-48BF-8F5B-B67F834AA359}" dt="2022-01-02T22:43:22.335" v="29"/>
+        <pc:sldMkLst>
+          <pc:docMk/>
+          <pc:sldMk cId="1279229334" sldId="2323"/>
+        </pc:sldMkLst>
+      </pc:sldChg>
+      <pc:sldChg chg="modTransition">
+        <pc:chgData name="BONNIN François" userId="d90fafad-3c8a-4b4e-90f8-caf225ca9ff7" providerId="ADAL" clId="{C9583A55-8E96-48BF-8F5B-B67F834AA359}" dt="2022-01-02T22:43:22.335" v="29"/>
+        <pc:sldMkLst>
+          <pc:docMk/>
+          <pc:sldMk cId="1741621966" sldId="2343"/>
+        </pc:sldMkLst>
+      </pc:sldChg>
+      <pc:sldChg chg="modTransition">
+        <pc:chgData name="BONNIN François" userId="d90fafad-3c8a-4b4e-90f8-caf225ca9ff7" providerId="ADAL" clId="{C9583A55-8E96-48BF-8F5B-B67F834AA359}" dt="2022-01-02T22:43:22.335" v="29"/>
+        <pc:sldMkLst>
+          <pc:docMk/>
+          <pc:sldMk cId="3381359016" sldId="2401"/>
+        </pc:sldMkLst>
+      </pc:sldChg>
+      <pc:sldChg chg="modTransition">
+        <pc:chgData name="BONNIN François" userId="d90fafad-3c8a-4b4e-90f8-caf225ca9ff7" providerId="ADAL" clId="{C9583A55-8E96-48BF-8F5B-B67F834AA359}" dt="2022-01-02T22:43:22.335" v="29"/>
+        <pc:sldMkLst>
+          <pc:docMk/>
+          <pc:sldMk cId="1890488339" sldId="2420"/>
+        </pc:sldMkLst>
+      </pc:sldChg>
+      <pc:sldChg chg="modTransition">
+        <pc:chgData name="BONNIN François" userId="d90fafad-3c8a-4b4e-90f8-caf225ca9ff7" providerId="ADAL" clId="{C9583A55-8E96-48BF-8F5B-B67F834AA359}" dt="2022-01-02T22:43:22.335" v="29"/>
+        <pc:sldMkLst>
+          <pc:docMk/>
+          <pc:sldMk cId="1156491059" sldId="2427"/>
+        </pc:sldMkLst>
+      </pc:sldChg>
+      <pc:sldChg chg="modTransition">
+        <pc:chgData name="BONNIN François" userId="d90fafad-3c8a-4b4e-90f8-caf225ca9ff7" providerId="ADAL" clId="{C9583A55-8E96-48BF-8F5B-B67F834AA359}" dt="2022-01-02T22:43:22.335" v="29"/>
+        <pc:sldMkLst>
+          <pc:docMk/>
+          <pc:sldMk cId="3375800771" sldId="2429"/>
+        </pc:sldMkLst>
+      </pc:sldChg>
+      <pc:sldChg chg="modTransition">
+        <pc:chgData name="BONNIN François" userId="d90fafad-3c8a-4b4e-90f8-caf225ca9ff7" providerId="ADAL" clId="{C9583A55-8E96-48BF-8F5B-B67F834AA359}" dt="2022-01-02T22:43:22.335" v="29"/>
+        <pc:sldMkLst>
+          <pc:docMk/>
+          <pc:sldMk cId="3963181478" sldId="2464"/>
+        </pc:sldMkLst>
+      </pc:sldChg>
+      <pc:sldChg chg="modTransition">
+        <pc:chgData name="BONNIN François" userId="d90fafad-3c8a-4b4e-90f8-caf225ca9ff7" providerId="ADAL" clId="{C9583A55-8E96-48BF-8F5B-B67F834AA359}" dt="2022-01-02T22:43:22.335" v="29"/>
+        <pc:sldMkLst>
+          <pc:docMk/>
+          <pc:sldMk cId="1868281814" sldId="2465"/>
+        </pc:sldMkLst>
+      </pc:sldChg>
+      <pc:sldChg chg="modTransition">
+        <pc:chgData name="BONNIN François" userId="d90fafad-3c8a-4b4e-90f8-caf225ca9ff7" providerId="ADAL" clId="{C9583A55-8E96-48BF-8F5B-B67F834AA359}" dt="2022-01-02T22:43:22.335" v="29"/>
+        <pc:sldMkLst>
+          <pc:docMk/>
+          <pc:sldMk cId="275256398" sldId="2466"/>
+        </pc:sldMkLst>
+      </pc:sldChg>
+      <pc:sldChg chg="modTransition">
+        <pc:chgData name="BONNIN François" userId="d90fafad-3c8a-4b4e-90f8-caf225ca9ff7" providerId="ADAL" clId="{C9583A55-8E96-48BF-8F5B-B67F834AA359}" dt="2022-01-02T22:43:22.335" v="29"/>
+        <pc:sldMkLst>
+          <pc:docMk/>
+          <pc:sldMk cId="345967441" sldId="2467"/>
+        </pc:sldMkLst>
+      </pc:sldChg>
+      <pc:sldChg chg="modTransition">
+        <pc:chgData name="BONNIN François" userId="d90fafad-3c8a-4b4e-90f8-caf225ca9ff7" providerId="ADAL" clId="{C9583A55-8E96-48BF-8F5B-B67F834AA359}" dt="2022-01-02T22:43:22.335" v="29"/>
+        <pc:sldMkLst>
+          <pc:docMk/>
+          <pc:sldMk cId="2303087837" sldId="2468"/>
+        </pc:sldMkLst>
+      </pc:sldChg>
+      <pc:sldChg chg="modTransition">
+        <pc:chgData name="BONNIN François" userId="d90fafad-3c8a-4b4e-90f8-caf225ca9ff7" providerId="ADAL" clId="{C9583A55-8E96-48BF-8F5B-B67F834AA359}" dt="2022-01-02T22:43:22.335" v="29"/>
+        <pc:sldMkLst>
+          <pc:docMk/>
+          <pc:sldMk cId="2734735935" sldId="2471"/>
+        </pc:sldMkLst>
+      </pc:sldChg>
+      <pc:sldChg chg="modTransition">
+        <pc:chgData name="BONNIN François" userId="d90fafad-3c8a-4b4e-90f8-caf225ca9ff7" providerId="ADAL" clId="{C9583A55-8E96-48BF-8F5B-B67F834AA359}" dt="2022-01-02T22:43:22.335" v="29"/>
+        <pc:sldMkLst>
+          <pc:docMk/>
+          <pc:sldMk cId="1702928186" sldId="2472"/>
+        </pc:sldMkLst>
+      </pc:sldChg>
+      <pc:sldChg chg="modTransition">
+        <pc:chgData name="BONNIN François" userId="d90fafad-3c8a-4b4e-90f8-caf225ca9ff7" providerId="ADAL" clId="{C9583A55-8E96-48BF-8F5B-B67F834AA359}" dt="2022-01-02T22:43:22.335" v="29"/>
+        <pc:sldMkLst>
+          <pc:docMk/>
+          <pc:sldMk cId="3171574921" sldId="2473"/>
+        </pc:sldMkLst>
+      </pc:sldChg>
+      <pc:sldChg chg="modTransition">
+        <pc:chgData name="BONNIN François" userId="d90fafad-3c8a-4b4e-90f8-caf225ca9ff7" providerId="ADAL" clId="{C9583A55-8E96-48BF-8F5B-B67F834AA359}" dt="2022-01-02T22:43:22.335" v="29"/>
+        <pc:sldMkLst>
+          <pc:docMk/>
+          <pc:sldMk cId="2660301468" sldId="2474"/>
+        </pc:sldMkLst>
+      </pc:sldChg>
+      <pc:sldChg chg="modTransition">
+        <pc:chgData name="BONNIN François" userId="d90fafad-3c8a-4b4e-90f8-caf225ca9ff7" providerId="ADAL" clId="{C9583A55-8E96-48BF-8F5B-B67F834AA359}" dt="2022-01-02T22:43:22.335" v="29"/>
+        <pc:sldMkLst>
+          <pc:docMk/>
+          <pc:sldMk cId="595208413" sldId="2475"/>
+        </pc:sldMkLst>
+      </pc:sldChg>
+      <pc:sldMasterChg chg="modTransition modSldLayout">
+        <pc:chgData name="BONNIN François" userId="d90fafad-3c8a-4b4e-90f8-caf225ca9ff7" providerId="ADAL" clId="{C9583A55-8E96-48BF-8F5B-B67F834AA359}" dt="2022-01-02T22:43:22.335" v="29"/>
+        <pc:sldMasterMkLst>
+          <pc:docMk/>
+          <pc:sldMasterMk cId="1422848046" sldId="2147483648"/>
+        </pc:sldMasterMkLst>
+        <pc:sldLayoutChg chg="modTransition">
+          <pc:chgData name="BONNIN François" userId="d90fafad-3c8a-4b4e-90f8-caf225ca9ff7" providerId="ADAL" clId="{C9583A55-8E96-48BF-8F5B-B67F834AA359}" dt="2022-01-02T22:43:22.335" v="29"/>
+          <pc:sldLayoutMkLst>
+            <pc:docMk/>
+            <pc:sldMasterMk cId="1422848046" sldId="2147483648"/>
+            <pc:sldLayoutMk cId="2099736512" sldId="2147483754"/>
+          </pc:sldLayoutMkLst>
+        </pc:sldLayoutChg>
+        <pc:sldLayoutChg chg="modTransition">
+          <pc:chgData name="BONNIN François" userId="d90fafad-3c8a-4b4e-90f8-caf225ca9ff7" providerId="ADAL" clId="{C9583A55-8E96-48BF-8F5B-B67F834AA359}" dt="2022-01-02T22:43:22.335" v="29"/>
+          <pc:sldLayoutMkLst>
+            <pc:docMk/>
+            <pc:sldMasterMk cId="1422848046" sldId="2147483648"/>
+            <pc:sldLayoutMk cId="70605983" sldId="2147484034"/>
+          </pc:sldLayoutMkLst>
+        </pc:sldLayoutChg>
+        <pc:sldLayoutChg chg="modTransition">
+          <pc:chgData name="BONNIN François" userId="d90fafad-3c8a-4b4e-90f8-caf225ca9ff7" providerId="ADAL" clId="{C9583A55-8E96-48BF-8F5B-B67F834AA359}" dt="2022-01-02T22:43:22.335" v="29"/>
+          <pc:sldLayoutMkLst>
+            <pc:docMk/>
+            <pc:sldMasterMk cId="1422848046" sldId="2147483648"/>
+            <pc:sldLayoutMk cId="1747953660" sldId="2147484041"/>
+          </pc:sldLayoutMkLst>
+        </pc:sldLayoutChg>
+        <pc:sldLayoutChg chg="modTransition">
+          <pc:chgData name="BONNIN François" userId="d90fafad-3c8a-4b4e-90f8-caf225ca9ff7" providerId="ADAL" clId="{C9583A55-8E96-48BF-8F5B-B67F834AA359}" dt="2022-01-02T22:43:22.335" v="29"/>
+          <pc:sldLayoutMkLst>
+            <pc:docMk/>
+            <pc:sldMasterMk cId="1422848046" sldId="2147483648"/>
+            <pc:sldLayoutMk cId="2797187889" sldId="2147484043"/>
+          </pc:sldLayoutMkLst>
+        </pc:sldLayoutChg>
+        <pc:sldLayoutChg chg="modTransition">
+          <pc:chgData name="BONNIN François" userId="d90fafad-3c8a-4b4e-90f8-caf225ca9ff7" providerId="ADAL" clId="{C9583A55-8E96-48BF-8F5B-B67F834AA359}" dt="2022-01-02T22:43:22.335" v="29"/>
+          <pc:sldLayoutMkLst>
+            <pc:docMk/>
+            <pc:sldMasterMk cId="1422848046" sldId="2147483648"/>
+            <pc:sldLayoutMk cId="2676481560" sldId="2147484045"/>
+          </pc:sldLayoutMkLst>
+        </pc:sldLayoutChg>
+      </pc:sldMasterChg>
+    </pc:docChg>
+  </pc:docChgLst>
+</pc:chgInfo>
 </file>
 
 <file path=ppt/notesMasters/notesMaster1.xml><?xml version="1.0" encoding="utf-8"?>
@@ -204,7 +424,7 @@
             </a:lvl1pPr>
           </a:lstStyle>
           <a:p>
-            <a:endParaRPr lang="en-US" dirty="0"/>
+            <a:endParaRPr lang="en-US"/>
           </a:p>
         </p:txBody>
       </p:sp>
@@ -240,9 +460,9 @@
             <a:fld id="{EFC10EE1-B198-C942-8235-326C972CBB30}" type="datetimeFigureOut">
               <a:rPr lang="en-US" smtClean="0"/>
               <a:pPr/>
-              <a:t>1/1/2022</a:t>
+              <a:t>1/3/2022</a:t>
             </a:fld>
-            <a:endParaRPr lang="en-US" dirty="0"/>
+            <a:endParaRPr lang="en-US"/>
           </a:p>
         </p:txBody>
       </p:sp>
@@ -275,7 +495,7 @@
           <a:bodyPr vert="horz" lIns="91440" tIns="45720" rIns="91440" bIns="45720" rtlCol="0" anchor="ctr"/>
           <a:lstStyle/>
           <a:p>
-            <a:endParaRPr lang="en-US" dirty="0"/>
+            <a:endParaRPr lang="en-US"/>
           </a:p>
         </p:txBody>
       </p:sp>
@@ -304,35 +524,35 @@
           <a:p>
             <a:pPr lvl="0"/>
             <a:r>
-              <a:rPr lang="en-US" dirty="0"/>
+              <a:rPr lang="en-US"/>
               <a:t>Click to edit Master text styles</a:t>
             </a:r>
           </a:p>
           <a:p>
             <a:pPr lvl="1"/>
             <a:r>
-              <a:rPr lang="en-US" dirty="0"/>
+              <a:rPr lang="en-US"/>
               <a:t>Second level</a:t>
             </a:r>
           </a:p>
           <a:p>
             <a:pPr lvl="2"/>
             <a:r>
-              <a:rPr lang="en-US" dirty="0"/>
+              <a:rPr lang="en-US"/>
               <a:t>Third level</a:t>
             </a:r>
           </a:p>
           <a:p>
             <a:pPr lvl="3"/>
             <a:r>
-              <a:rPr lang="en-US" dirty="0"/>
+              <a:rPr lang="en-US"/>
               <a:t>Fourth level</a:t>
             </a:r>
           </a:p>
           <a:p>
             <a:pPr lvl="4"/>
             <a:r>
-              <a:rPr lang="en-US" dirty="0"/>
+              <a:rPr lang="en-US"/>
               <a:t>Fifth level</a:t>
             </a:r>
           </a:p>
@@ -367,7 +587,7 @@
             </a:lvl1pPr>
           </a:lstStyle>
           <a:p>
-            <a:endParaRPr lang="en-US" dirty="0"/>
+            <a:endParaRPr lang="en-US"/>
           </a:p>
         </p:txBody>
       </p:sp>
@@ -405,7 +625,7 @@
               <a:pPr/>
               <a:t>‹N°›</a:t>
             </a:fld>
-            <a:endParaRPr lang="en-US" dirty="0"/>
+            <a:endParaRPr lang="en-US"/>
           </a:p>
         </p:txBody>
       </p:sp>
@@ -556,7 +776,7 @@
           <a:bodyPr/>
           <a:lstStyle/>
           <a:p>
-            <a:endParaRPr lang="en-US" dirty="0"/>
+            <a:endParaRPr lang="en-US"/>
           </a:p>
         </p:txBody>
       </p:sp>
@@ -580,7 +800,7 @@
               <a:pPr/>
               <a:t>1</a:t>
             </a:fld>
-            <a:endParaRPr lang="en-US" dirty="0"/>
+            <a:endParaRPr lang="en-US"/>
           </a:p>
         </p:txBody>
       </p:sp>
@@ -641,7 +861,7 @@
           <a:bodyPr/>
           <a:lstStyle/>
           <a:p>
-            <a:endParaRPr lang="en-US" dirty="0"/>
+            <a:endParaRPr lang="en-US"/>
           </a:p>
         </p:txBody>
       </p:sp>
@@ -665,7 +885,7 @@
               <a:pPr/>
               <a:t>11</a:t>
             </a:fld>
-            <a:endParaRPr lang="en-US" dirty="0"/>
+            <a:endParaRPr lang="en-US"/>
           </a:p>
         </p:txBody>
       </p:sp>
@@ -726,7 +946,7 @@
           <a:bodyPr/>
           <a:lstStyle/>
           <a:p>
-            <a:endParaRPr lang="en-US" dirty="0"/>
+            <a:endParaRPr lang="en-US"/>
           </a:p>
         </p:txBody>
       </p:sp>
@@ -750,7 +970,7 @@
               <a:pPr/>
               <a:t>12</a:t>
             </a:fld>
-            <a:endParaRPr lang="en-US" dirty="0"/>
+            <a:endParaRPr lang="en-US"/>
           </a:p>
         </p:txBody>
       </p:sp>
@@ -811,7 +1031,7 @@
           <a:bodyPr/>
           <a:lstStyle/>
           <a:p>
-            <a:endParaRPr lang="en-US" dirty="0"/>
+            <a:endParaRPr lang="en-US"/>
           </a:p>
         </p:txBody>
       </p:sp>
@@ -835,7 +1055,7 @@
               <a:pPr/>
               <a:t>13</a:t>
             </a:fld>
-            <a:endParaRPr lang="en-US" dirty="0"/>
+            <a:endParaRPr lang="en-US"/>
           </a:p>
         </p:txBody>
       </p:sp>
@@ -896,7 +1116,7 @@
           <a:bodyPr/>
           <a:lstStyle/>
           <a:p>
-            <a:endParaRPr lang="en-US" dirty="0"/>
+            <a:endParaRPr lang="en-US"/>
           </a:p>
         </p:txBody>
       </p:sp>
@@ -920,7 +1140,7 @@
               <a:pPr/>
               <a:t>14</a:t>
             </a:fld>
-            <a:endParaRPr lang="en-US" dirty="0"/>
+            <a:endParaRPr lang="en-US"/>
           </a:p>
         </p:txBody>
       </p:sp>
@@ -981,7 +1201,7 @@
           <a:bodyPr/>
           <a:lstStyle/>
           <a:p>
-            <a:endParaRPr lang="en-US" dirty="0"/>
+            <a:endParaRPr lang="en-US"/>
           </a:p>
         </p:txBody>
       </p:sp>
@@ -1005,7 +1225,7 @@
               <a:pPr/>
               <a:t>15</a:t>
             </a:fld>
-            <a:endParaRPr lang="en-US" dirty="0"/>
+            <a:endParaRPr lang="en-US"/>
           </a:p>
         </p:txBody>
       </p:sp>
@@ -1066,7 +1286,11 @@
           <a:bodyPr/>
           <a:lstStyle/>
           <a:p>
-            <a:endParaRPr lang="en-US" dirty="0"/>
+            <a:r>
+              <a:rPr lang="fr-FR"/>
+              <a:t>Aujourd'hui en tant que développeur web, nous pouvons être amenée à travailler dans le DevOps et à débuguer nos propres applications. C'est pourquoi nous avons choisi ce projet mettant en place un suivi et une gestion des logs de notre application</a:t>
+            </a:r>
+            <a:endParaRPr lang="en-US"/>
           </a:p>
         </p:txBody>
       </p:sp>
@@ -1090,7 +1314,7 @@
               <a:pPr/>
               <a:t>16</a:t>
             </a:fld>
-            <a:endParaRPr lang="en-US" dirty="0"/>
+            <a:endParaRPr lang="en-US"/>
           </a:p>
         </p:txBody>
       </p:sp>
@@ -1151,7 +1375,7 @@
           <a:bodyPr/>
           <a:lstStyle/>
           <a:p>
-            <a:endParaRPr lang="en-US" dirty="0"/>
+            <a:endParaRPr lang="en-US"/>
           </a:p>
         </p:txBody>
       </p:sp>
@@ -1175,7 +1399,7 @@
               <a:pPr/>
               <a:t>2</a:t>
             </a:fld>
-            <a:endParaRPr lang="en-US" dirty="0"/>
+            <a:endParaRPr lang="en-US"/>
           </a:p>
         </p:txBody>
       </p:sp>
@@ -1242,7 +1466,7 @@
               </a:lnSpc>
             </a:pPr>
             <a:r>
-              <a:rPr lang="fr-FR" b="0" i="0" dirty="0">
+              <a:rPr lang="fr-FR" b="0" i="0">
                 <a:solidFill>
                   <a:srgbClr val="000000"/>
                 </a:solidFill>
@@ -1259,7 +1483,7 @@
               </a:lnSpc>
             </a:pPr>
             <a:r>
-              <a:rPr lang="fr-FR" dirty="0">
+              <a:rPr lang="fr-FR">
                 <a:solidFill>
                   <a:srgbClr val="000000"/>
                 </a:solidFill>
@@ -1277,7 +1501,7 @@
               </a:lnSpc>
             </a:pPr>
             <a:r>
-              <a:rPr lang="fr-FR" dirty="0">
+              <a:rPr lang="fr-FR">
                 <a:solidFill>
                   <a:srgbClr val="000000"/>
                 </a:solidFill>
@@ -1287,61 +1511,61 @@
               </a:rPr>
               <a:t>On peut donc lancer nos applications quelque soit l’environnement d’exécution, de manière stable et rapide.</a:t>
             </a:r>
-            <a:endParaRPr lang="en-US" dirty="0"/>
+            <a:endParaRPr lang="en-US"/>
           </a:p>
           <a:p>
-            <a:endParaRPr lang="en-US" dirty="0"/>
+            <a:endParaRPr lang="en-US"/>
           </a:p>
           <a:p>
             <a:r>
-              <a:rPr lang="en-US" dirty="0" err="1"/>
+              <a:rPr lang="en-US" err="1"/>
               <a:t>Dépendances</a:t>
             </a:r>
             <a:r>
-              <a:rPr lang="en-US" dirty="0"/>
+              <a:rPr lang="en-US"/>
               <a:t> : </a:t>
             </a:r>
             <a:r>
-              <a:rPr lang="en-US" dirty="0" err="1"/>
+              <a:rPr lang="en-US" err="1"/>
               <a:t>librairies</a:t>
             </a:r>
             <a:r>
-              <a:rPr lang="en-US" dirty="0"/>
+              <a:rPr lang="en-US"/>
               <a:t>, code source, </a:t>
             </a:r>
             <a:r>
-              <a:rPr lang="en-US" dirty="0" err="1"/>
+              <a:rPr lang="en-US" err="1"/>
               <a:t>fichiers</a:t>
             </a:r>
             <a:r>
-              <a:rPr lang="en-US" dirty="0"/>
+              <a:rPr lang="en-US"/>
               <a:t> de configuration, </a:t>
             </a:r>
             <a:r>
-              <a:rPr lang="en-US" dirty="0" err="1"/>
+              <a:rPr lang="en-US" err="1"/>
               <a:t>etc</a:t>
             </a:r>
             <a:r>
-              <a:rPr lang="en-US" dirty="0"/>
+              <a:rPr lang="en-US"/>
               <a:t>…</a:t>
             </a:r>
           </a:p>
           <a:p>
-            <a:endParaRPr lang="en-US" dirty="0"/>
+            <a:endParaRPr lang="en-US"/>
           </a:p>
           <a:p>
             <a:r>
-              <a:rPr lang="en-US" dirty="0" err="1"/>
+              <a:rPr lang="en-US" err="1"/>
               <a:t>Inconvénients</a:t>
             </a:r>
             <a:r>
-              <a:rPr lang="en-US" dirty="0"/>
+              <a:rPr lang="en-US"/>
               <a:t> :</a:t>
             </a:r>
           </a:p>
           <a:p>
             <a:r>
-              <a:rPr lang="fr-FR" b="0" i="0" dirty="0">
+              <a:rPr lang="fr-FR" b="0" i="0">
                 <a:solidFill>
                   <a:srgbClr val="B9BBBE"/>
                 </a:solidFill>
@@ -1353,7 +1577,7 @@
           </a:p>
           <a:p>
             <a:r>
-              <a:rPr lang="fr-FR" b="0" i="0" dirty="0">
+              <a:rPr lang="fr-FR" b="0" i="0">
                 <a:solidFill>
                   <a:srgbClr val="B9BBBE"/>
                 </a:solidFill>
@@ -1365,7 +1589,7 @@
           </a:p>
           <a:p>
             <a:r>
-              <a:rPr lang="fr-FR" b="0" i="0" dirty="0">
+              <a:rPr lang="fr-FR" b="0" i="0">
                 <a:solidFill>
                   <a:srgbClr val="B9BBBE"/>
                 </a:solidFill>
@@ -1374,7 +1598,7 @@
               </a:rPr>
               <a:t>De fait, une attaque ou une faille de sécurité sur l’OS peut compromettre tous les containers. Pour minimiser ce risque, certaines entreprises exécutent leurs containers au sein d’une machine virtuelle.</a:t>
             </a:r>
-            <a:endParaRPr lang="en-US" dirty="0"/>
+            <a:endParaRPr lang="en-US"/>
           </a:p>
         </p:txBody>
       </p:sp>
@@ -1398,7 +1622,7 @@
               <a:pPr/>
               <a:t>3</a:t>
             </a:fld>
-            <a:endParaRPr lang="en-US" dirty="0"/>
+            <a:endParaRPr lang="en-US"/>
           </a:p>
         </p:txBody>
       </p:sp>
@@ -1459,7 +1683,184 @@
           <a:bodyPr/>
           <a:lstStyle/>
           <a:p>
-            <a:endParaRPr lang="en-US" dirty="0"/>
+            <a:r>
+              <a:rPr lang="fr-FR" b="1" i="0" dirty="0" err="1">
+                <a:solidFill>
+                  <a:srgbClr val="222222"/>
+                </a:solidFill>
+                <a:effectLst/>
+                <a:latin typeface="Montserrat" panose="00000500000000000000" pitchFamily="2" charset="0"/>
+              </a:rPr>
+              <a:t>ElasticSearch</a:t>
+            </a:r>
+            <a:r>
+              <a:rPr lang="fr-FR" b="0" i="0" dirty="0">
+                <a:solidFill>
+                  <a:srgbClr val="222222"/>
+                </a:solidFill>
+                <a:effectLst/>
+                <a:latin typeface="Montserrat" panose="00000500000000000000" pitchFamily="2" charset="0"/>
+              </a:rPr>
+              <a:t> a été créé en 2012. Publié sous licence Apache et basé sur </a:t>
+            </a:r>
+            <a:r>
+              <a:rPr lang="fr-FR" b="0" i="0" dirty="0" err="1">
+                <a:solidFill>
+                  <a:srgbClr val="222222"/>
+                </a:solidFill>
+                <a:effectLst/>
+                <a:latin typeface="Montserrat" panose="00000500000000000000" pitchFamily="2" charset="0"/>
+              </a:rPr>
+              <a:t>Lucene</a:t>
+            </a:r>
+            <a:r>
+              <a:rPr lang="fr-FR" b="0" i="0" dirty="0">
+                <a:solidFill>
+                  <a:srgbClr val="222222"/>
+                </a:solidFill>
+                <a:effectLst/>
+                <a:latin typeface="Montserrat" panose="00000500000000000000" pitchFamily="2" charset="0"/>
+              </a:rPr>
+              <a:t>, </a:t>
+            </a:r>
+            <a:r>
+              <a:rPr lang="fr-FR" b="0" i="0" dirty="0" err="1">
+                <a:solidFill>
+                  <a:srgbClr val="222222"/>
+                </a:solidFill>
+                <a:effectLst/>
+                <a:latin typeface="Montserrat" panose="00000500000000000000" pitchFamily="2" charset="0"/>
+              </a:rPr>
+              <a:t>Elasticsearch</a:t>
+            </a:r>
+            <a:r>
+              <a:rPr lang="fr-FR" b="0" i="0" dirty="0">
+                <a:solidFill>
+                  <a:srgbClr val="222222"/>
+                </a:solidFill>
+                <a:effectLst/>
+                <a:latin typeface="Montserrat" panose="00000500000000000000" pitchFamily="2" charset="0"/>
+              </a:rPr>
+              <a:t> rend possible la recherche sur absolument tout type de document. Il s’agit du serveur de recherche le plus populaire.</a:t>
+            </a:r>
+          </a:p>
+          <a:p>
+            <a:endParaRPr lang="fr-FR" b="0" i="0" dirty="0">
+              <a:solidFill>
+                <a:srgbClr val="222222"/>
+              </a:solidFill>
+              <a:effectLst/>
+              <a:latin typeface="Montserrat" panose="00000500000000000000" pitchFamily="2" charset="0"/>
+            </a:endParaRPr>
+          </a:p>
+          <a:p>
+            <a:r>
+              <a:rPr lang="fr-FR" b="1" i="0" dirty="0" err="1">
+                <a:solidFill>
+                  <a:srgbClr val="222222"/>
+                </a:solidFill>
+                <a:effectLst/>
+                <a:latin typeface="Montserrat" panose="00000500000000000000" pitchFamily="2" charset="0"/>
+              </a:rPr>
+              <a:t>Kibana</a:t>
+            </a:r>
+            <a:r>
+              <a:rPr lang="fr-FR" b="1" i="0" dirty="0">
+                <a:solidFill>
+                  <a:srgbClr val="222222"/>
+                </a:solidFill>
+                <a:effectLst/>
+                <a:latin typeface="Montserrat" panose="00000500000000000000" pitchFamily="2" charset="0"/>
+              </a:rPr>
+              <a:t> </a:t>
+            </a:r>
+            <a:r>
+              <a:rPr lang="fr-FR" b="0" i="0" dirty="0">
+                <a:solidFill>
+                  <a:srgbClr val="222222"/>
+                </a:solidFill>
+                <a:effectLst/>
+                <a:latin typeface="Montserrat" panose="00000500000000000000" pitchFamily="2" charset="0"/>
+              </a:rPr>
+              <a:t>est un o</a:t>
+            </a:r>
+            <a:r>
+              <a:rPr lang="fr-FR" dirty="0">
+                <a:solidFill>
+                  <a:schemeClr val="tx1"/>
+                </a:solidFill>
+                <a:latin typeface="Poppins Light" charset="0"/>
+                <a:ea typeface="Poppins Light" charset="0"/>
+                <a:cs typeface="Poppins Light" charset="0"/>
+              </a:rPr>
+              <a:t>util open source de visualisation de données pour le moteur d’indexation </a:t>
+            </a:r>
+            <a:r>
+              <a:rPr lang="fr-FR" dirty="0" err="1">
+                <a:solidFill>
+                  <a:schemeClr val="tx1"/>
+                </a:solidFill>
+                <a:latin typeface="Poppins Light" charset="0"/>
+                <a:ea typeface="Poppins Light" charset="0"/>
+                <a:cs typeface="Poppins Light" charset="0"/>
+              </a:rPr>
+              <a:t>ElasticSearch</a:t>
+            </a:r>
+            <a:r>
+              <a:rPr lang="fr-FR" dirty="0">
+                <a:solidFill>
+                  <a:schemeClr val="tx1"/>
+                </a:solidFill>
+                <a:latin typeface="Poppins Light" charset="0"/>
+                <a:ea typeface="Poppins Light" charset="0"/>
+                <a:cs typeface="Poppins Light" charset="0"/>
+              </a:rPr>
+              <a:t>.</a:t>
+            </a:r>
+          </a:p>
+          <a:p>
+            <a:endParaRPr lang="fr-FR" b="1" dirty="0">
+              <a:solidFill>
+                <a:schemeClr val="tx1"/>
+              </a:solidFill>
+              <a:latin typeface="Poppins Light" charset="0"/>
+              <a:cs typeface="Poppins Light" charset="0"/>
+            </a:endParaRPr>
+          </a:p>
+          <a:p>
+            <a:r>
+              <a:rPr lang="fr-FR" b="1" dirty="0" err="1"/>
+              <a:t>Filebeat</a:t>
+            </a:r>
+            <a:r>
+              <a:rPr lang="fr-FR" b="0" dirty="0"/>
+              <a:t> est un expéditeur léger qui permet de transmettre et de centraliser les données de logs. Installé en tant qu'agent sur vos serveurs, </a:t>
+            </a:r>
+            <a:r>
+              <a:rPr lang="fr-FR" b="0" dirty="0" err="1"/>
+              <a:t>Filebeat</a:t>
+            </a:r>
+            <a:r>
+              <a:rPr lang="fr-FR" b="0" dirty="0"/>
+              <a:t> surveille les fichiers ou emplacements de journaux que vous spécifiez, collecte les événements de journaux et les transmet à </a:t>
+            </a:r>
+            <a:r>
+              <a:rPr lang="fr-FR" b="0" dirty="0" err="1"/>
+              <a:t>Elasticsearch</a:t>
+            </a:r>
+            <a:r>
+              <a:rPr lang="fr-FR" b="0" dirty="0"/>
+              <a:t> ou </a:t>
+            </a:r>
+            <a:r>
+              <a:rPr lang="fr-FR" b="0" dirty="0" err="1"/>
+              <a:t>Logstash</a:t>
+            </a:r>
+            <a:r>
+              <a:rPr lang="fr-FR" b="0" dirty="0"/>
+              <a:t> pour indexation.</a:t>
+            </a:r>
+            <a:endParaRPr lang="en-US" b="0" dirty="0"/>
           </a:p>
         </p:txBody>
       </p:sp>
@@ -1483,7 +1884,7 @@
               <a:pPr/>
               <a:t>4</a:t>
             </a:fld>
-            <a:endParaRPr lang="en-US" dirty="0"/>
+            <a:endParaRPr lang="en-US"/>
           </a:p>
         </p:txBody>
       </p:sp>
@@ -1545,62 +1946,62 @@
           <a:lstStyle/>
           <a:p>
             <a:r>
-              <a:rPr lang="fr-FR" noProof="0" dirty="0"/>
+              <a:rPr lang="fr-FR" noProof="0"/>
               <a:t>Environnement</a:t>
             </a:r>
             <a:r>
-              <a:rPr lang="en-US" dirty="0"/>
+              <a:rPr lang="en-US"/>
               <a:t> : </a:t>
             </a:r>
           </a:p>
           <a:p>
-            <a:endParaRPr lang="en-US" dirty="0"/>
+            <a:endParaRPr lang="en-US"/>
           </a:p>
           <a:p>
             <a:r>
-              <a:rPr lang="en-US" dirty="0"/>
+              <a:rPr lang="en-US"/>
               <a:t>Docker-compose : </a:t>
             </a:r>
           </a:p>
           <a:p>
-            <a:endParaRPr lang="en-US" dirty="0"/>
+            <a:endParaRPr lang="en-US"/>
           </a:p>
           <a:p>
             <a:r>
-              <a:rPr lang="en-US" dirty="0" err="1"/>
+              <a:rPr lang="en-US" err="1"/>
               <a:t>Accès</a:t>
             </a:r>
             <a:r>
-              <a:rPr lang="en-US" dirty="0"/>
+              <a:rPr lang="en-US"/>
               <a:t> à </a:t>
             </a:r>
             <a:r>
-              <a:rPr lang="en-US" dirty="0" err="1"/>
+              <a:rPr lang="en-US" err="1"/>
               <a:t>l’interface</a:t>
             </a:r>
             <a:r>
-              <a:rPr lang="en-US" dirty="0"/>
+              <a:rPr lang="en-US"/>
               <a:t> :</a:t>
             </a:r>
           </a:p>
           <a:p>
-            <a:endParaRPr lang="en-US" dirty="0"/>
+            <a:endParaRPr lang="en-US"/>
           </a:p>
           <a:p>
             <a:r>
-              <a:rPr lang="en-US" dirty="0" err="1"/>
+              <a:rPr lang="en-US" err="1"/>
               <a:t>Visualisation</a:t>
             </a:r>
             <a:r>
-              <a:rPr lang="en-US" dirty="0"/>
+              <a:rPr lang="en-US"/>
               <a:t> des </a:t>
             </a:r>
             <a:r>
-              <a:rPr lang="en-US" dirty="0" err="1"/>
+              <a:rPr lang="en-US" err="1"/>
               <a:t>données</a:t>
             </a:r>
             <a:r>
-              <a:rPr lang="en-US" dirty="0"/>
+              <a:rPr lang="en-US"/>
               <a:t> :</a:t>
             </a:r>
           </a:p>
@@ -1626,7 +2027,7 @@
               <a:pPr/>
               <a:t>5</a:t>
             </a:fld>
-            <a:endParaRPr lang="en-US" dirty="0"/>
+            <a:endParaRPr lang="en-US"/>
           </a:p>
         </p:txBody>
       </p:sp>
@@ -1687,7 +2088,7 @@
           <a:bodyPr/>
           <a:lstStyle/>
           <a:p>
-            <a:endParaRPr lang="en-US" dirty="0"/>
+            <a:endParaRPr lang="en-US"/>
           </a:p>
         </p:txBody>
       </p:sp>
@@ -1711,7 +2112,7 @@
               <a:pPr/>
               <a:t>6</a:t>
             </a:fld>
-            <a:endParaRPr lang="en-US" dirty="0"/>
+            <a:endParaRPr lang="en-US"/>
           </a:p>
         </p:txBody>
       </p:sp>
@@ -1772,7 +2173,7 @@
           <a:bodyPr/>
           <a:lstStyle/>
           <a:p>
-            <a:endParaRPr lang="en-US" dirty="0"/>
+            <a:endParaRPr lang="en-US"/>
           </a:p>
         </p:txBody>
       </p:sp>
@@ -1796,7 +2197,7 @@
               <a:pPr/>
               <a:t>8</a:t>
             </a:fld>
-            <a:endParaRPr lang="en-US" dirty="0"/>
+            <a:endParaRPr lang="en-US"/>
           </a:p>
         </p:txBody>
       </p:sp>
@@ -1857,7 +2258,7 @@
           <a:bodyPr/>
           <a:lstStyle/>
           <a:p>
-            <a:endParaRPr lang="en-US" dirty="0"/>
+            <a:endParaRPr lang="en-US"/>
           </a:p>
         </p:txBody>
       </p:sp>
@@ -1881,7 +2282,7 @@
               <a:pPr/>
               <a:t>9</a:t>
             </a:fld>
-            <a:endParaRPr lang="en-US" dirty="0"/>
+            <a:endParaRPr lang="en-US"/>
           </a:p>
         </p:txBody>
       </p:sp>
@@ -1942,7 +2343,7 @@
           <a:bodyPr/>
           <a:lstStyle/>
           <a:p>
-            <a:endParaRPr lang="en-US" dirty="0"/>
+            <a:endParaRPr lang="en-US"/>
           </a:p>
         </p:txBody>
       </p:sp>
@@ -1966,7 +2367,7 @@
               <a:pPr/>
               <a:t>10</a:t>
             </a:fld>
-            <a:endParaRPr lang="en-US" dirty="0"/>
+            <a:endParaRPr lang="en-US"/>
           </a:p>
         </p:txBody>
       </p:sp>
@@ -2010,10 +2411,10 @@
   <p:clrMapOvr>
     <a:masterClrMapping/>
   </p:clrMapOvr>
-  <mc:AlternateContent xmlns:mc="http://schemas.openxmlformats.org/markup-compatibility/2006" xmlns:p159="http://schemas.microsoft.com/office/powerpoint/2015/09/main">
-    <mc:Choice Requires="p159">
-      <p:transition xmlns:p14="http://schemas.microsoft.com/office/powerpoint/2010/main" spd="slow" p14:dur="2000" advClick="0">
-        <p159:morph option="byObject"/>
+  <mc:AlternateContent xmlns:mc="http://schemas.openxmlformats.org/markup-compatibility/2006" xmlns:p14="http://schemas.microsoft.com/office/powerpoint/2010/main">
+    <mc:Choice Requires="p14">
+      <p:transition spd="slow" p14:dur="1300" advClick="0">
+        <p14:pan dir="u"/>
       </p:transition>
     </mc:Choice>
     <mc:Fallback xmlns="">
@@ -2085,7 +2486,7 @@
             </a:lvl1pPr>
           </a:lstStyle>
           <a:p>
-            <a:endParaRPr lang="en-US" dirty="0"/>
+            <a:endParaRPr lang="en-US"/>
           </a:p>
         </p:txBody>
       </p:sp>
@@ -2132,7 +2533,7 @@
             </a:lvl1pPr>
           </a:lstStyle>
           <a:p>
-            <a:endParaRPr lang="en-US" dirty="0"/>
+            <a:endParaRPr lang="en-US"/>
           </a:p>
         </p:txBody>
       </p:sp>
@@ -2179,7 +2580,7 @@
             </a:lvl1pPr>
           </a:lstStyle>
           <a:p>
-            <a:endParaRPr lang="en-US" dirty="0"/>
+            <a:endParaRPr lang="en-US"/>
           </a:p>
         </p:txBody>
       </p:sp>
@@ -2193,10 +2594,10 @@
   <p:clrMapOvr>
     <a:masterClrMapping/>
   </p:clrMapOvr>
-  <mc:AlternateContent xmlns:mc="http://schemas.openxmlformats.org/markup-compatibility/2006" xmlns:p159="http://schemas.microsoft.com/office/powerpoint/2015/09/main">
-    <mc:Choice Requires="p159">
-      <p:transition xmlns:p14="http://schemas.microsoft.com/office/powerpoint/2010/main" spd="slow" p14:dur="2000" advClick="0">
-        <p159:morph option="byObject"/>
+  <mc:AlternateContent xmlns:mc="http://schemas.openxmlformats.org/markup-compatibility/2006" xmlns:p14="http://schemas.microsoft.com/office/powerpoint/2010/main">
+    <mc:Choice Requires="p14">
+      <p:transition spd="slow" p14:dur="1300" advClick="0">
+        <p14:pan dir="u"/>
       </p:transition>
     </mc:Choice>
     <mc:Fallback xmlns="">
@@ -2268,7 +2669,7 @@
             </a:lvl1pPr>
           </a:lstStyle>
           <a:p>
-            <a:endParaRPr lang="en-US" dirty="0"/>
+            <a:endParaRPr lang="en-US"/>
           </a:p>
         </p:txBody>
       </p:sp>
@@ -2315,7 +2716,7 @@
             </a:lvl1pPr>
           </a:lstStyle>
           <a:p>
-            <a:endParaRPr lang="en-US" dirty="0"/>
+            <a:endParaRPr lang="en-US"/>
           </a:p>
         </p:txBody>
       </p:sp>
@@ -2329,10 +2730,10 @@
   <p:clrMapOvr>
     <a:masterClrMapping/>
   </p:clrMapOvr>
-  <mc:AlternateContent xmlns:mc="http://schemas.openxmlformats.org/markup-compatibility/2006" xmlns:p159="http://schemas.microsoft.com/office/powerpoint/2015/09/main">
-    <mc:Choice Requires="p159">
-      <p:transition xmlns:p14="http://schemas.microsoft.com/office/powerpoint/2010/main" spd="slow" p14:dur="2000" advClick="0">
-        <p159:morph option="byObject"/>
+  <mc:AlternateContent xmlns:mc="http://schemas.openxmlformats.org/markup-compatibility/2006" xmlns:p14="http://schemas.microsoft.com/office/powerpoint/2010/main">
+    <mc:Choice Requires="p14">
+      <p:transition spd="slow" p14:dur="1300" advClick="0">
+        <p14:pan dir="u"/>
       </p:transition>
     </mc:Choice>
     <mc:Fallback xmlns="">
@@ -2404,7 +2805,7 @@
             </a:lvl1pPr>
           </a:lstStyle>
           <a:p>
-            <a:endParaRPr lang="en-US" dirty="0"/>
+            <a:endParaRPr lang="en-US"/>
           </a:p>
         </p:txBody>
       </p:sp>
@@ -2418,10 +2819,10 @@
   <p:clrMapOvr>
     <a:masterClrMapping/>
   </p:clrMapOvr>
-  <mc:AlternateContent xmlns:mc="http://schemas.openxmlformats.org/markup-compatibility/2006" xmlns:p159="http://schemas.microsoft.com/office/powerpoint/2015/09/main">
-    <mc:Choice Requires="p159">
-      <p:transition xmlns:p14="http://schemas.microsoft.com/office/powerpoint/2010/main" spd="slow" p14:dur="2000" advClick="0">
-        <p159:morph option="byObject"/>
+  <mc:AlternateContent xmlns:mc="http://schemas.openxmlformats.org/markup-compatibility/2006" xmlns:p14="http://schemas.microsoft.com/office/powerpoint/2010/main">
+    <mc:Choice Requires="p14">
+      <p:transition spd="slow" p14:dur="1300" advClick="0">
+        <p14:pan dir="u"/>
       </p:transition>
     </mc:Choice>
     <mc:Fallback xmlns="">
@@ -2539,7 +2940,7 @@
             </a:lvl1pPr>
           </a:lstStyle>
           <a:p>
-            <a:endParaRPr lang="en-US" dirty="0"/>
+            <a:endParaRPr lang="en-US"/>
           </a:p>
         </p:txBody>
       </p:sp>
@@ -2553,10 +2954,10 @@
   <p:clrMapOvr>
     <a:masterClrMapping/>
   </p:clrMapOvr>
-  <mc:AlternateContent xmlns:mc="http://schemas.openxmlformats.org/markup-compatibility/2006" xmlns:p159="http://schemas.microsoft.com/office/powerpoint/2015/09/main">
-    <mc:Choice Requires="p159">
-      <p:transition xmlns:p14="http://schemas.microsoft.com/office/powerpoint/2010/main" spd="slow" p14:dur="2000" advClick="0">
-        <p159:morph option="byObject"/>
+  <mc:AlternateContent xmlns:mc="http://schemas.openxmlformats.org/markup-compatibility/2006" xmlns:p14="http://schemas.microsoft.com/office/powerpoint/2010/main">
+    <mc:Choice Requires="p14">
+      <p:transition spd="slow" p14:dur="1300" advClick="0">
+        <p14:pan dir="u"/>
       </p:transition>
     </mc:Choice>
     <mc:Fallback xmlns="">
@@ -2672,7 +3073,7 @@
               <a:t>‹N°›</a:t>
             </a:fld>
             <a:r>
-              <a:rPr lang="id-ID" sz="2400" b="1" i="0" dirty="0">
+              <a:rPr lang="id-ID" sz="2400" b="1" i="0">
                 <a:solidFill>
                   <a:schemeClr val="tx2"/>
                 </a:solidFill>
@@ -2700,10 +3101,10 @@
     <p:sldLayoutId id="2147484043" r:id="rId4"/>
     <p:sldLayoutId id="2147484045" r:id="rId5"/>
   </p:sldLayoutIdLst>
-  <mc:AlternateContent xmlns:mc="http://schemas.openxmlformats.org/markup-compatibility/2006" xmlns:p159="http://schemas.microsoft.com/office/powerpoint/2015/09/main">
-    <mc:Choice Requires="p159">
-      <p:transition xmlns:p14="http://schemas.microsoft.com/office/powerpoint/2010/main" spd="slow" p14:dur="2000" advClick="0">
-        <p159:morph option="byObject"/>
+  <mc:AlternateContent xmlns:mc="http://schemas.openxmlformats.org/markup-compatibility/2006" xmlns:p14="http://schemas.microsoft.com/office/powerpoint/2010/main">
+    <mc:Choice Requires="p14">
+      <p:transition spd="slow" p14:dur="1300" advClick="0">
+        <p14:pan dir="u"/>
       </p:transition>
     </mc:Choice>
     <mc:Fallback xmlns="">
@@ -3079,7 +3480,7 @@
           <a:p>
             <a:pPr algn="ctr"/>
             <a:r>
-              <a:rPr lang="en-US" sz="15000" b="1" spc="800" dirty="0">
+              <a:rPr lang="en-US" sz="15000" b="1" spc="800">
                 <a:solidFill>
                   <a:schemeClr val="tx2"/>
                 </a:solidFill>
@@ -3165,7 +3566,7 @@
           <a:p>
             <a:pPr algn="ctr"/>
             <a:r>
-              <a:rPr lang="en-US" sz="2400" b="1" spc="600" dirty="0">
+              <a:rPr lang="en-US" sz="2400" b="1" spc="600">
                 <a:solidFill>
                   <a:schemeClr val="tx1">
                     <a:lumMod val="50000"/>
@@ -3191,10 +3592,10 @@
   <p:clrMapOvr>
     <a:masterClrMapping/>
   </p:clrMapOvr>
-  <mc:AlternateContent xmlns:mc="http://schemas.openxmlformats.org/markup-compatibility/2006" xmlns:p159="http://schemas.microsoft.com/office/powerpoint/2015/09/main">
-    <mc:Choice Requires="p159">
-      <p:transition xmlns:p14="http://schemas.microsoft.com/office/powerpoint/2010/main" spd="slow" p14:dur="2000" advClick="0">
-        <p159:morph option="byObject"/>
+  <mc:AlternateContent xmlns:mc="http://schemas.openxmlformats.org/markup-compatibility/2006" xmlns:p14="http://schemas.microsoft.com/office/powerpoint/2010/main">
+    <mc:Choice Requires="p14">
+      <p:transition spd="slow" p14:dur="1300" advClick="0">
+        <p14:pan dir="u"/>
       </p:transition>
     </mc:Choice>
     <mc:Fallback xmlns="">
@@ -3288,7 +3689,7 @@
           <a:p>
             <a:pPr algn="ctr"/>
             <a:r>
-              <a:rPr lang="en-US" sz="7000" b="1" spc="800" dirty="0">
+              <a:rPr lang="en-US" sz="7000" b="1" spc="800">
                 <a:solidFill>
                   <a:schemeClr val="tx2"/>
                 </a:solidFill>
@@ -3299,7 +3700,7 @@
               <a:t>Les </a:t>
             </a:r>
             <a:r>
-              <a:rPr lang="fr-FR" sz="7000" b="1" spc="800" dirty="0">
+              <a:rPr lang="fr-FR" sz="7000" b="1" spc="800">
                 <a:solidFill>
                   <a:schemeClr val="tx2"/>
                 </a:solidFill>
@@ -3310,7 +3711,7 @@
               <a:t>différents services</a:t>
             </a:r>
             <a:r>
-              <a:rPr lang="en-US" sz="7000" b="1" spc="800" dirty="0">
+              <a:rPr lang="en-US" sz="7000" b="1" spc="800">
                 <a:solidFill>
                   <a:schemeClr val="tx2"/>
                 </a:solidFill>
@@ -3358,7 +3759,7 @@
           <a:p>
             <a:pPr algn="ctr"/>
             <a:r>
-              <a:rPr lang="en-US" sz="2800" b="1" dirty="0">
+              <a:rPr lang="en-US" sz="2800" b="1">
                 <a:solidFill>
                   <a:srgbClr val="002452"/>
                 </a:solidFill>
@@ -3442,10 +3843,10 @@
   <p:clrMapOvr>
     <a:masterClrMapping/>
   </p:clrMapOvr>
-  <mc:AlternateContent xmlns:mc="http://schemas.openxmlformats.org/markup-compatibility/2006" xmlns:p159="http://schemas.microsoft.com/office/powerpoint/2015/09/main">
-    <mc:Choice Requires="p159">
-      <p:transition xmlns:p14="http://schemas.microsoft.com/office/powerpoint/2010/main" spd="slow" p14:dur="2000" advClick="0">
-        <p159:morph option="byObject"/>
+  <mc:AlternateContent xmlns:mc="http://schemas.openxmlformats.org/markup-compatibility/2006" xmlns:p14="http://schemas.microsoft.com/office/powerpoint/2010/main">
+    <mc:Choice Requires="p14">
+      <p:transition spd="slow" p14:dur="1300" advClick="0">
+        <p14:pan dir="u"/>
       </p:transition>
     </mc:Choice>
     <mc:Fallback xmlns="">
@@ -3539,7 +3940,7 @@
           <a:p>
             <a:pPr algn="ctr"/>
             <a:r>
-              <a:rPr lang="en-US" sz="7000" b="1" spc="800" dirty="0">
+              <a:rPr lang="en-US" sz="7000" b="1" spc="800">
                 <a:solidFill>
                   <a:schemeClr val="tx2"/>
                 </a:solidFill>
@@ -3550,7 +3951,7 @@
               <a:t>Les </a:t>
             </a:r>
             <a:r>
-              <a:rPr lang="fr-FR" sz="7000" b="1" spc="800" dirty="0">
+              <a:rPr lang="fr-FR" sz="7000" b="1" spc="800">
                 <a:solidFill>
                   <a:schemeClr val="tx2"/>
                 </a:solidFill>
@@ -3561,7 +3962,7 @@
               <a:t>différents services</a:t>
             </a:r>
             <a:r>
-              <a:rPr lang="en-US" sz="7000" b="1" spc="800" dirty="0">
+              <a:rPr lang="en-US" sz="7000" b="1" spc="800">
                 <a:solidFill>
                   <a:schemeClr val="tx2"/>
                 </a:solidFill>
@@ -3609,7 +4010,7 @@
           <a:p>
             <a:pPr algn="ctr"/>
             <a:r>
-              <a:rPr lang="en-US" sz="2800" b="1" dirty="0" err="1">
+              <a:rPr lang="en-US" sz="2800" b="1" err="1">
                 <a:solidFill>
                   <a:srgbClr val="002452"/>
                 </a:solidFill>
@@ -3619,7 +4020,7 @@
               </a:rPr>
               <a:t>Filebeat</a:t>
             </a:r>
-            <a:endParaRPr lang="en-US" sz="2800" b="1" dirty="0">
+            <a:endParaRPr lang="en-US" sz="2800" b="1">
               <a:solidFill>
                 <a:srgbClr val="002452"/>
               </a:solidFill>
@@ -3726,10 +4127,10 @@
   <p:clrMapOvr>
     <a:masterClrMapping/>
   </p:clrMapOvr>
-  <mc:AlternateContent xmlns:mc="http://schemas.openxmlformats.org/markup-compatibility/2006" xmlns:p159="http://schemas.microsoft.com/office/powerpoint/2015/09/main">
-    <mc:Choice Requires="p159">
-      <p:transition xmlns:p14="http://schemas.microsoft.com/office/powerpoint/2010/main" spd="slow" p14:dur="2000" advClick="0">
-        <p159:morph option="byObject"/>
+  <mc:AlternateContent xmlns:mc="http://schemas.openxmlformats.org/markup-compatibility/2006" xmlns:p14="http://schemas.microsoft.com/office/powerpoint/2010/main">
+    <mc:Choice Requires="p14">
+      <p:transition spd="slow" p14:dur="1300" advClick="0">
+        <p14:pan dir="u"/>
       </p:transition>
     </mc:Choice>
     <mc:Fallback xmlns="">
@@ -3817,7 +4218,7 @@
           <a:p>
             <a:pPr algn="ctr"/>
             <a:r>
-              <a:rPr lang="en-US" sz="8400" b="1" spc="800" dirty="0">
+              <a:rPr lang="en-US" sz="8400" b="1" spc="800">
                 <a:solidFill>
                   <a:schemeClr val="tx2"/>
                 </a:solidFill>
@@ -3854,7 +4255,7 @@
           <a:p>
             <a:pPr algn="ctr"/>
             <a:r>
-              <a:rPr lang="en-US" sz="2800" b="1" spc="800" dirty="0">
+              <a:rPr lang="en-US" sz="2800" b="1" spc="800">
                 <a:solidFill>
                   <a:schemeClr val="tx2"/>
                 </a:solidFill>
@@ -3910,7 +4311,7 @@
           <a:p>
             <a:pPr algn="ctr"/>
             <a:r>
-              <a:rPr lang="en-US" sz="6600" b="1" dirty="0"/>
+              <a:rPr lang="en-US" sz="6600" b="1"/>
               <a:t>3</a:t>
             </a:r>
           </a:p>
@@ -3926,10 +4327,10 @@
   <p:clrMapOvr>
     <a:masterClrMapping/>
   </p:clrMapOvr>
-  <mc:AlternateContent xmlns:mc="http://schemas.openxmlformats.org/markup-compatibility/2006" xmlns:p159="http://schemas.microsoft.com/office/powerpoint/2015/09/main">
-    <mc:Choice Requires="p159">
-      <p:transition xmlns:p14="http://schemas.microsoft.com/office/powerpoint/2010/main" spd="slow" p14:dur="2000" advClick="0">
-        <p159:morph option="byObject"/>
+  <mc:AlternateContent xmlns:mc="http://schemas.openxmlformats.org/markup-compatibility/2006" xmlns:p14="http://schemas.microsoft.com/office/powerpoint/2010/main">
+    <mc:Choice Requires="p14">
+      <p:transition spd="slow" p14:dur="1300" advClick="0">
+        <p14:pan dir="u"/>
       </p:transition>
     </mc:Choice>
     <mc:Fallback xmlns="">
@@ -4023,7 +4424,7 @@
           <a:p>
             <a:pPr algn="ctr"/>
             <a:r>
-              <a:rPr lang="fr-FR" sz="7000" b="1" spc="800" dirty="0">
+              <a:rPr lang="fr-FR" sz="7000" b="1" spc="800">
                 <a:solidFill>
                   <a:schemeClr val="tx2"/>
                 </a:solidFill>
@@ -4033,7 +4434,7 @@
               </a:rPr>
               <a:t>Accès à l’interface</a:t>
             </a:r>
-            <a:endParaRPr lang="en-US" sz="7000" b="1" spc="800" dirty="0">
+            <a:endParaRPr lang="en-US" sz="7000" b="1" spc="800">
               <a:solidFill>
                 <a:schemeClr val="tx2"/>
               </a:solidFill>
@@ -4149,10 +4550,10 @@
   <p:clrMapOvr>
     <a:masterClrMapping/>
   </p:clrMapOvr>
-  <mc:AlternateContent xmlns:mc="http://schemas.openxmlformats.org/markup-compatibility/2006" xmlns:p159="http://schemas.microsoft.com/office/powerpoint/2015/09/main">
-    <mc:Choice Requires="p159">
-      <p:transition xmlns:p14="http://schemas.microsoft.com/office/powerpoint/2010/main" spd="slow" p14:dur="2000" advClick="0">
-        <p159:morph option="byObject"/>
+  <mc:AlternateContent xmlns:mc="http://schemas.openxmlformats.org/markup-compatibility/2006" xmlns:p14="http://schemas.microsoft.com/office/powerpoint/2010/main">
+    <mc:Choice Requires="p14">
+      <p:transition spd="slow" p14:dur="1300" advClick="0">
+        <p14:pan dir="u"/>
       </p:transition>
     </mc:Choice>
     <mc:Fallback xmlns="">
@@ -4240,7 +4641,7 @@
           <a:p>
             <a:pPr algn="ctr"/>
             <a:r>
-              <a:rPr lang="en-US" sz="8400" b="1" spc="800" dirty="0">
+              <a:rPr lang="en-US" sz="8400" b="1" spc="800">
                 <a:solidFill>
                   <a:schemeClr val="tx2"/>
                 </a:solidFill>
@@ -4277,7 +4678,7 @@
           <a:p>
             <a:pPr algn="ctr"/>
             <a:r>
-              <a:rPr lang="en-US" sz="2800" b="1" spc="800" dirty="0">
+              <a:rPr lang="en-US" sz="2800" b="1" spc="800">
                 <a:solidFill>
                   <a:schemeClr val="tx2"/>
                 </a:solidFill>
@@ -4287,7 +4688,7 @@
               </a:rPr>
               <a:t>ETUDES DES DONNÉES</a:t>
             </a:r>
-            <a:endParaRPr lang="en-US" sz="2800" b="1" dirty="0">
+            <a:endParaRPr lang="en-US" sz="2800" b="1">
               <a:solidFill>
                 <a:schemeClr val="tx2"/>
               </a:solidFill>
@@ -4341,7 +4742,7 @@
           <a:p>
             <a:pPr algn="ctr"/>
             <a:r>
-              <a:rPr lang="en-US" sz="6600" b="1" dirty="0"/>
+              <a:rPr lang="en-US" sz="6600" b="1"/>
               <a:t>4</a:t>
             </a:r>
           </a:p>
@@ -4357,10 +4758,10 @@
   <p:clrMapOvr>
     <a:masterClrMapping/>
   </p:clrMapOvr>
-  <mc:AlternateContent xmlns:mc="http://schemas.openxmlformats.org/markup-compatibility/2006" xmlns:p159="http://schemas.microsoft.com/office/powerpoint/2015/09/main">
-    <mc:Choice Requires="p159">
-      <p:transition xmlns:p14="http://schemas.microsoft.com/office/powerpoint/2010/main" spd="slow" p14:dur="2000" advClick="0">
-        <p159:morph option="byObject"/>
+  <mc:AlternateContent xmlns:mc="http://schemas.openxmlformats.org/markup-compatibility/2006" xmlns:p14="http://schemas.microsoft.com/office/powerpoint/2010/main">
+    <mc:Choice Requires="p14">
+      <p:transition spd="slow" p14:dur="1300" advClick="0">
+        <p14:pan dir="u"/>
       </p:transition>
     </mc:Choice>
     <mc:Fallback xmlns="">
@@ -4454,7 +4855,7 @@
           <a:p>
             <a:pPr algn="ctr"/>
             <a:r>
-              <a:rPr lang="fr-FR" sz="7000" b="1" spc="800" dirty="0">
+              <a:rPr lang="fr-FR" sz="7000" b="1" spc="800">
                 <a:solidFill>
                   <a:schemeClr val="tx2"/>
                 </a:solidFill>
@@ -4464,7 +4865,7 @@
               </a:rPr>
               <a:t>Etude des données</a:t>
             </a:r>
-            <a:endParaRPr lang="en-US" sz="7000" b="1" spc="800" dirty="0">
+            <a:endParaRPr lang="en-US" sz="7000" b="1" spc="800">
               <a:solidFill>
                 <a:schemeClr val="tx2"/>
               </a:solidFill>
@@ -4580,10 +4981,10 @@
   <p:clrMapOvr>
     <a:masterClrMapping/>
   </p:clrMapOvr>
-  <mc:AlternateContent xmlns:mc="http://schemas.openxmlformats.org/markup-compatibility/2006" xmlns:p159="http://schemas.microsoft.com/office/powerpoint/2015/09/main">
-    <mc:Choice Requires="p159">
-      <p:transition xmlns:p14="http://schemas.microsoft.com/office/powerpoint/2010/main" spd="slow" p14:dur="2000" advClick="0">
-        <p159:morph option="byObject"/>
+  <mc:AlternateContent xmlns:mc="http://schemas.openxmlformats.org/markup-compatibility/2006" xmlns:p14="http://schemas.microsoft.com/office/powerpoint/2010/main">
+    <mc:Choice Requires="p14">
+      <p:transition spd="slow" p14:dur="1300" advClick="0">
+        <p14:pan dir="u"/>
       </p:transition>
     </mc:Choice>
     <mc:Fallback xmlns="">
@@ -4854,7 +5255,7 @@
               </a:lnSpc>
             </a:pPr>
             <a:r>
-              <a:rPr lang="fr-FR" dirty="0">
+              <a:rPr lang="fr-FR">
                 <a:solidFill>
                   <a:srgbClr val="EEECE1"/>
                 </a:solidFill>
@@ -4865,7 +5266,7 @@
               <a:t>La découverte de </a:t>
             </a:r>
             <a:r>
-              <a:rPr lang="fr-FR" dirty="0" err="1">
+              <a:rPr lang="fr-FR" err="1">
                 <a:solidFill>
                   <a:srgbClr val="EEECE1"/>
                 </a:solidFill>
@@ -4876,7 +5277,7 @@
               <a:t>ElasticSearch</a:t>
             </a:r>
             <a:r>
-              <a:rPr lang="fr-FR" dirty="0">
+              <a:rPr lang="fr-FR">
                 <a:solidFill>
                   <a:srgbClr val="EEECE1"/>
                 </a:solidFill>
@@ -4887,7 +5288,7 @@
               <a:t> et de ses modules </a:t>
             </a:r>
             <a:r>
-              <a:rPr lang="fr-FR" dirty="0" err="1">
+              <a:rPr lang="fr-FR" err="1">
                 <a:solidFill>
                   <a:srgbClr val="EEECE1"/>
                 </a:solidFill>
@@ -4898,7 +5299,7 @@
               <a:t>Kibana</a:t>
             </a:r>
             <a:r>
-              <a:rPr lang="fr-FR" dirty="0">
+              <a:rPr lang="fr-FR">
                 <a:solidFill>
                   <a:srgbClr val="EEECE1"/>
                 </a:solidFill>
@@ -4909,7 +5310,7 @@
               <a:t> et </a:t>
             </a:r>
             <a:r>
-              <a:rPr lang="fr-FR" dirty="0" err="1">
+              <a:rPr lang="fr-FR" err="1">
                 <a:solidFill>
                   <a:srgbClr val="EEECE1"/>
                 </a:solidFill>
@@ -4920,7 +5321,7 @@
               <a:t>Filebeat</a:t>
             </a:r>
             <a:r>
-              <a:rPr lang="fr-FR" dirty="0">
+              <a:rPr lang="fr-FR">
                 <a:solidFill>
                   <a:srgbClr val="EEECE1"/>
                 </a:solidFill>
@@ -4938,7 +5339,7 @@
               </a:lnSpc>
             </a:pPr>
             <a:r>
-              <a:rPr lang="fr-FR" dirty="0">
+              <a:rPr lang="fr-FR">
                 <a:solidFill>
                   <a:srgbClr val="EEECE1"/>
                 </a:solidFill>
@@ -4975,7 +5376,7 @@
           <a:p>
             <a:pPr algn="ctr"/>
             <a:r>
-              <a:rPr lang="en-US" sz="3000" b="1" dirty="0">
+              <a:rPr lang="en-US" sz="3000" b="1">
                 <a:solidFill>
                   <a:srgbClr val="EEECE1"/>
                 </a:solidFill>
@@ -5067,7 +5468,7 @@
             <a:p>
               <a:pPr algn="ctr"/>
               <a:r>
-                <a:rPr lang="en-US" sz="8400" b="1" spc="800" dirty="0">
+                <a:rPr lang="en-US" sz="8400" b="1" spc="800">
                   <a:solidFill>
                     <a:schemeClr val="tx2"/>
                   </a:solidFill>
@@ -5122,7 +5523,7 @@
             <a:lstStyle/>
             <a:p>
               <a:pPr algn="ctr"/>
-              <a:endParaRPr lang="en-US" dirty="0"/>
+              <a:endParaRPr lang="en-US"/>
             </a:p>
           </p:txBody>
         </p:sp>
@@ -5178,12 +5579,12 @@
   </p:clrMapOvr>
   <mc:AlternateContent xmlns:mc="http://schemas.openxmlformats.org/markup-compatibility/2006" xmlns:p14="http://schemas.microsoft.com/office/powerpoint/2010/main">
     <mc:Choice Requires="p14">
-      <p:transition spd="med" p14:dur="700" advClick="0">
-        <p:fade/>
+      <p:transition spd="slow" p14:dur="1300" advClick="0">
+        <p14:pan dir="u"/>
       </p:transition>
     </mc:Choice>
     <mc:Fallback xmlns="">
-      <p:transition spd="med" advClick="0">
+      <p:transition spd="slow" advClick="0">
         <p:fade/>
       </p:transition>
     </mc:Fallback>
@@ -5318,7 +5719,7 @@
           <a:p>
             <a:pPr algn="ctr"/>
             <a:r>
-              <a:rPr lang="en-US" sz="3000" b="1" dirty="0">
+              <a:rPr lang="en-US" sz="3000" b="1">
                 <a:solidFill>
                   <a:schemeClr val="tx2"/>
                 </a:solidFill>
@@ -5527,7 +5928,7 @@
               </a:lnSpc>
             </a:pPr>
             <a:r>
-              <a:rPr lang="fr-FR" dirty="0">
+              <a:rPr lang="fr-FR">
                 <a:solidFill>
                   <a:schemeClr val="tx1"/>
                 </a:solidFill>
@@ -5599,7 +6000,7 @@
           <a:p>
             <a:pPr algn="ctr"/>
             <a:r>
-              <a:rPr lang="en-US" sz="7000" b="1" spc="800" dirty="0">
+              <a:rPr lang="en-US" sz="7000" b="1" spc="800">
                 <a:solidFill>
                   <a:schemeClr val="tx2"/>
                 </a:solidFill>
@@ -5610,7 +6011,7 @@
               <a:t>Les </a:t>
             </a:r>
             <a:r>
-              <a:rPr lang="en-US" sz="7000" b="1" spc="800" dirty="0" err="1">
+              <a:rPr lang="en-US" sz="7000" b="1" spc="800" err="1">
                 <a:solidFill>
                   <a:schemeClr val="tx2"/>
                 </a:solidFill>
@@ -5620,7 +6021,7 @@
               </a:rPr>
               <a:t>Membres</a:t>
             </a:r>
-            <a:endParaRPr lang="en-US" sz="7000" b="1" spc="800" dirty="0">
+            <a:endParaRPr lang="en-US" sz="7000" b="1" spc="800">
               <a:solidFill>
                 <a:schemeClr val="tx2"/>
               </a:solidFill>
@@ -5751,7 +6152,7 @@
             <a:p>
               <a:pPr algn="ctr"/>
               <a:r>
-                <a:rPr lang="en-US" sz="3000" b="1" dirty="0">
+                <a:rPr lang="en-US" sz="3000" b="1">
                   <a:solidFill>
                     <a:schemeClr val="tx2"/>
                   </a:solidFill>
@@ -5851,7 +6252,7 @@
             <a:p>
               <a:pPr algn="ctr"/>
               <a:r>
-                <a:rPr lang="en-US" sz="3000" b="1" dirty="0">
+                <a:rPr lang="en-US" sz="3000" b="1">
                   <a:solidFill>
                     <a:schemeClr val="tx2"/>
                   </a:solidFill>
@@ -5875,10 +6276,10 @@
   <p:clrMapOvr>
     <a:masterClrMapping/>
   </p:clrMapOvr>
-  <mc:AlternateContent xmlns:mc="http://schemas.openxmlformats.org/markup-compatibility/2006" xmlns:p159="http://schemas.microsoft.com/office/powerpoint/2015/09/main">
-    <mc:Choice Requires="p159">
-      <p:transition xmlns:p14="http://schemas.microsoft.com/office/powerpoint/2010/main" spd="slow" p14:dur="2000" advClick="0">
-        <p159:morph option="byObject"/>
+  <mc:AlternateContent xmlns:mc="http://schemas.openxmlformats.org/markup-compatibility/2006" xmlns:p14="http://schemas.microsoft.com/office/powerpoint/2010/main">
+    <mc:Choice Requires="p14">
+      <p:transition spd="slow" p14:dur="1300" advClick="0">
+        <p14:pan dir="u"/>
       </p:transition>
     </mc:Choice>
     <mc:Fallback xmlns="">
@@ -6152,7 +6553,7 @@
               </a:lnSpc>
             </a:pPr>
             <a:r>
-              <a:rPr lang="fr-FR" dirty="0">
+              <a:rPr lang="fr-FR">
                 <a:solidFill>
                   <a:schemeClr val="tx1"/>
                 </a:solidFill>
@@ -6188,7 +6589,7 @@
           <a:lstStyle/>
           <a:p>
             <a:r>
-              <a:rPr lang="en-US" sz="3000" b="1" dirty="0">
+              <a:rPr lang="en-US" sz="3000" b="1">
                 <a:solidFill>
                   <a:schemeClr val="tx2"/>
                 </a:solidFill>
@@ -6396,7 +6797,7 @@
               </a:lnSpc>
             </a:pPr>
             <a:r>
-              <a:rPr lang="fr-FR" dirty="0">
+              <a:rPr lang="fr-FR">
                 <a:solidFill>
                   <a:schemeClr val="tx1"/>
                 </a:solidFill>
@@ -6407,7 +6808,7 @@
               <a:t>Docker est une </a:t>
             </a:r>
             <a:r>
-              <a:rPr lang="fr-FR" b="1" dirty="0">
+              <a:rPr lang="fr-FR" b="1">
                 <a:solidFill>
                   <a:schemeClr val="tx1"/>
                 </a:solidFill>
@@ -6418,7 +6819,7 @@
               <a:t>technologie de virtualisation </a:t>
             </a:r>
             <a:r>
-              <a:rPr lang="fr-FR" dirty="0">
+              <a:rPr lang="fr-FR">
                 <a:solidFill>
                   <a:schemeClr val="tx1"/>
                 </a:solidFill>
@@ -6429,7 +6830,7 @@
               <a:t>qui permet de créer, déployer et démarrer des applications facilement en utilisant </a:t>
             </a:r>
             <a:r>
-              <a:rPr lang="fr-FR" b="1" dirty="0">
+              <a:rPr lang="fr-FR" b="1">
                 <a:solidFill>
                   <a:schemeClr val="tx1"/>
                 </a:solidFill>
@@ -6440,7 +6841,7 @@
               <a:t>des conteneurs</a:t>
             </a:r>
             <a:r>
-              <a:rPr lang="fr-FR" dirty="0">
+              <a:rPr lang="fr-FR">
                 <a:solidFill>
                   <a:schemeClr val="tx1"/>
                 </a:solidFill>
@@ -6476,7 +6877,7 @@
           <a:lstStyle/>
           <a:p>
             <a:r>
-              <a:rPr lang="en-US" sz="3000" b="1" dirty="0">
+              <a:rPr lang="en-US" sz="3000" b="1">
                 <a:solidFill>
                   <a:schemeClr val="tx2"/>
                 </a:solidFill>
@@ -6552,7 +6953,7 @@
           <a:lstStyle/>
           <a:p>
             <a:r>
-              <a:rPr lang="en-US" sz="7000" b="1" spc="800" dirty="0" err="1">
+              <a:rPr lang="en-US" sz="7000" b="1" spc="800" err="1">
                 <a:solidFill>
                   <a:schemeClr val="tx2"/>
                 </a:solidFill>
@@ -6563,7 +6964,7 @@
               <a:t>Utilisation</a:t>
             </a:r>
             <a:r>
-              <a:rPr lang="en-US" sz="7000" b="1" spc="800" dirty="0">
+              <a:rPr lang="en-US" sz="7000" b="1" spc="800">
                 <a:solidFill>
                   <a:schemeClr val="tx2"/>
                 </a:solidFill>
@@ -6610,7 +7011,7 @@
               </a:lnSpc>
             </a:pPr>
             <a:r>
-              <a:rPr lang="en-US" sz="2400" dirty="0">
+              <a:rPr lang="en-US" sz="2400">
                 <a:latin typeface="Poppins Light" charset="0"/>
                 <a:cs typeface="Poppins Light" charset="0"/>
               </a:rPr>
@@ -6653,7 +7054,7 @@
               </a:lnSpc>
             </a:pPr>
             <a:r>
-              <a:rPr lang="en-US" sz="2400" dirty="0">
+              <a:rPr lang="en-US" sz="2400">
                 <a:latin typeface="Poppins Light" charset="0"/>
                 <a:cs typeface="Poppins Light" charset="0"/>
               </a:rPr>
@@ -6696,7 +7097,7 @@
               </a:lnSpc>
             </a:pPr>
             <a:r>
-              <a:rPr lang="fr-FR" sz="2400" dirty="0">
+              <a:rPr lang="fr-FR" sz="2400">
                 <a:latin typeface="Poppins Light" charset="0"/>
                 <a:cs typeface="Poppins Light" charset="0"/>
               </a:rPr>
@@ -6715,10 +7116,10 @@
   <p:clrMapOvr>
     <a:masterClrMapping/>
   </p:clrMapOvr>
-  <mc:AlternateContent xmlns:mc="http://schemas.openxmlformats.org/markup-compatibility/2006" xmlns:p159="http://schemas.microsoft.com/office/powerpoint/2015/09/main">
-    <mc:Choice Requires="p159">
-      <p:transition xmlns:p14="http://schemas.microsoft.com/office/powerpoint/2010/main" spd="slow" p14:dur="2000" advClick="0">
-        <p159:morph option="byObject"/>
+  <mc:AlternateContent xmlns:mc="http://schemas.openxmlformats.org/markup-compatibility/2006" xmlns:p14="http://schemas.microsoft.com/office/powerpoint/2010/main">
+    <mc:Choice Requires="p14">
+      <p:transition spd="slow" p14:dur="1300" advClick="0">
+        <p14:pan dir="u"/>
       </p:transition>
     </mc:Choice>
     <mc:Fallback xmlns="">
@@ -6852,7 +7253,7 @@
           <a:p>
             <a:pPr algn="ctr"/>
             <a:r>
-              <a:rPr lang="en-US" sz="2800" b="1" dirty="0">
+              <a:rPr lang="en-US" sz="2800" b="1">
                 <a:solidFill>
                   <a:schemeClr val="bg2">
                     <a:lumMod val="90000"/>
@@ -6878,7 +7279,7 @@
         <p:spPr>
           <a:xfrm>
             <a:off x="9388394" y="4992472"/>
-            <a:ext cx="5633489" cy="2229395"/>
+            <a:ext cx="5633489" cy="1716434"/>
           </a:xfrm>
           <a:prstGeom prst="rect">
             <a:avLst/>
@@ -7063,7 +7464,7 @@
               </a:lnSpc>
             </a:pPr>
             <a:r>
-              <a:rPr lang="en-US" dirty="0">
+              <a:rPr lang="fr-FR" dirty="0">
                 <a:solidFill>
                   <a:schemeClr val="tx1"/>
                 </a:solidFill>
@@ -7071,206 +7472,16 @@
                 <a:ea typeface="Poppins Light" charset="0"/>
                 <a:cs typeface="Poppins Light" charset="0"/>
               </a:rPr>
-              <a:t>Lorem ipsum dolor sit </a:t>
-            </a:r>
-            <a:r>
-              <a:rPr lang="en-US" dirty="0" err="1">
-                <a:solidFill>
-                  <a:schemeClr val="tx1"/>
-                </a:solidFill>
-                <a:latin typeface="Poppins Light" charset="0"/>
-                <a:ea typeface="Poppins Light" charset="0"/>
-                <a:cs typeface="Poppins Light" charset="0"/>
-              </a:rPr>
-              <a:t>amet</a:t>
-            </a:r>
-            <a:r>
-              <a:rPr lang="en-US" dirty="0">
-                <a:solidFill>
-                  <a:schemeClr val="tx1"/>
-                </a:solidFill>
-                <a:latin typeface="Poppins Light" charset="0"/>
-                <a:ea typeface="Poppins Light" charset="0"/>
-                <a:cs typeface="Poppins Light" charset="0"/>
-              </a:rPr>
-              <a:t>, </a:t>
-            </a:r>
-            <a:r>
-              <a:rPr lang="en-US" dirty="0" err="1">
-                <a:solidFill>
-                  <a:schemeClr val="tx1"/>
-                </a:solidFill>
-                <a:latin typeface="Poppins Light" charset="0"/>
-                <a:ea typeface="Poppins Light" charset="0"/>
-                <a:cs typeface="Poppins Light" charset="0"/>
-              </a:rPr>
-              <a:t>consectetur</a:t>
-            </a:r>
-            <a:r>
-              <a:rPr lang="en-US" dirty="0">
-                <a:solidFill>
-                  <a:schemeClr val="tx1"/>
-                </a:solidFill>
-                <a:latin typeface="Poppins Light" charset="0"/>
-                <a:ea typeface="Poppins Light" charset="0"/>
-                <a:cs typeface="Poppins Light" charset="0"/>
-              </a:rPr>
-              <a:t> </a:t>
-            </a:r>
-            <a:r>
-              <a:rPr lang="en-US" dirty="0" err="1">
-                <a:solidFill>
-                  <a:schemeClr val="tx1"/>
-                </a:solidFill>
-                <a:latin typeface="Poppins Light" charset="0"/>
-                <a:ea typeface="Poppins Light" charset="0"/>
-                <a:cs typeface="Poppins Light" charset="0"/>
-              </a:rPr>
-              <a:t>adipiscing</a:t>
-            </a:r>
-            <a:r>
-              <a:rPr lang="en-US" dirty="0">
-                <a:solidFill>
-                  <a:schemeClr val="tx1"/>
-                </a:solidFill>
-                <a:latin typeface="Poppins Light" charset="0"/>
-                <a:ea typeface="Poppins Light" charset="0"/>
-                <a:cs typeface="Poppins Light" charset="0"/>
-              </a:rPr>
-              <a:t> </a:t>
-            </a:r>
-            <a:r>
-              <a:rPr lang="en-US" dirty="0" err="1">
-                <a:solidFill>
-                  <a:schemeClr val="tx1"/>
-                </a:solidFill>
-                <a:latin typeface="Poppins Light" charset="0"/>
-                <a:ea typeface="Poppins Light" charset="0"/>
-                <a:cs typeface="Poppins Light" charset="0"/>
-              </a:rPr>
-              <a:t>elit</a:t>
-            </a:r>
-            <a:r>
-              <a:rPr lang="en-US" dirty="0">
-                <a:solidFill>
-                  <a:schemeClr val="tx1"/>
-                </a:solidFill>
-                <a:latin typeface="Poppins Light" charset="0"/>
-                <a:ea typeface="Poppins Light" charset="0"/>
-                <a:cs typeface="Poppins Light" charset="0"/>
-              </a:rPr>
-              <a:t>. Maecenas </a:t>
-            </a:r>
-            <a:r>
-              <a:rPr lang="en-US" dirty="0" err="1">
-                <a:solidFill>
-                  <a:schemeClr val="tx1"/>
-                </a:solidFill>
-                <a:latin typeface="Poppins Light" charset="0"/>
-                <a:ea typeface="Poppins Light" charset="0"/>
-                <a:cs typeface="Poppins Light" charset="0"/>
-              </a:rPr>
-              <a:t>viverra</a:t>
-            </a:r>
-            <a:r>
-              <a:rPr lang="en-US" dirty="0">
-                <a:solidFill>
-                  <a:schemeClr val="tx1"/>
-                </a:solidFill>
-                <a:latin typeface="Poppins Light" charset="0"/>
-                <a:ea typeface="Poppins Light" charset="0"/>
-                <a:cs typeface="Poppins Light" charset="0"/>
-              </a:rPr>
-              <a:t> eros </a:t>
-            </a:r>
-            <a:r>
-              <a:rPr lang="en-US" dirty="0" err="1">
-                <a:solidFill>
-                  <a:schemeClr val="tx1"/>
-                </a:solidFill>
-                <a:latin typeface="Poppins Light" charset="0"/>
-                <a:ea typeface="Poppins Light" charset="0"/>
-                <a:cs typeface="Poppins Light" charset="0"/>
-              </a:rPr>
-              <a:t>enim</a:t>
-            </a:r>
-            <a:r>
-              <a:rPr lang="en-US" dirty="0">
-                <a:solidFill>
-                  <a:schemeClr val="tx1"/>
-                </a:solidFill>
-                <a:latin typeface="Poppins Light" charset="0"/>
-                <a:ea typeface="Poppins Light" charset="0"/>
-                <a:cs typeface="Poppins Light" charset="0"/>
-              </a:rPr>
-              <a:t>, et </a:t>
-            </a:r>
-            <a:r>
-              <a:rPr lang="en-US" dirty="0" err="1">
-                <a:solidFill>
-                  <a:schemeClr val="tx1"/>
-                </a:solidFill>
-                <a:latin typeface="Poppins Light" charset="0"/>
-                <a:ea typeface="Poppins Light" charset="0"/>
-                <a:cs typeface="Poppins Light" charset="0"/>
-              </a:rPr>
-              <a:t>condimentum</a:t>
-            </a:r>
-            <a:r>
-              <a:rPr lang="en-US" dirty="0">
-                <a:solidFill>
-                  <a:schemeClr val="tx1"/>
-                </a:solidFill>
-                <a:latin typeface="Poppins Light" charset="0"/>
-                <a:ea typeface="Poppins Light" charset="0"/>
-                <a:cs typeface="Poppins Light" charset="0"/>
-              </a:rPr>
-              <a:t> ex </a:t>
-            </a:r>
-            <a:r>
-              <a:rPr lang="en-US" dirty="0" err="1">
-                <a:solidFill>
-                  <a:schemeClr val="tx1"/>
-                </a:solidFill>
-                <a:latin typeface="Poppins Light" charset="0"/>
-                <a:ea typeface="Poppins Light" charset="0"/>
-                <a:cs typeface="Poppins Light" charset="0"/>
-              </a:rPr>
-              <a:t>bibendum</a:t>
-            </a:r>
-            <a:r>
-              <a:rPr lang="en-US" dirty="0">
-                <a:solidFill>
-                  <a:schemeClr val="tx1"/>
-                </a:solidFill>
-                <a:latin typeface="Poppins Light" charset="0"/>
-                <a:ea typeface="Poppins Light" charset="0"/>
-                <a:cs typeface="Poppins Light" charset="0"/>
-              </a:rPr>
-              <a:t> </a:t>
-            </a:r>
-            <a:r>
-              <a:rPr lang="en-US" dirty="0" err="1">
-                <a:solidFill>
-                  <a:schemeClr val="tx1"/>
-                </a:solidFill>
-                <a:latin typeface="Poppins Light" charset="0"/>
-                <a:ea typeface="Poppins Light" charset="0"/>
-                <a:cs typeface="Poppins Light" charset="0"/>
-              </a:rPr>
-              <a:t>nec</a:t>
-            </a:r>
-            <a:r>
-              <a:rPr lang="en-US" dirty="0">
-                <a:solidFill>
-                  <a:schemeClr val="tx1"/>
-                </a:solidFill>
-                <a:latin typeface="Poppins Light" charset="0"/>
-                <a:ea typeface="Poppins Light" charset="0"/>
-                <a:cs typeface="Poppins Light" charset="0"/>
-              </a:rPr>
-              <a:t>.</a:t>
-            </a:r>
+              <a:t>Il permet de mettre en forme les données dans des tableaux de bord interactifs</a:t>
+            </a:r>
+            <a:endParaRPr lang="en-US" dirty="0">
+              <a:solidFill>
+                <a:schemeClr val="tx1"/>
+              </a:solidFill>
+              <a:latin typeface="Poppins Light" charset="0"/>
+              <a:ea typeface="Poppins Light" charset="0"/>
+              <a:cs typeface="Poppins Light" charset="0"/>
+            </a:endParaRPr>
           </a:p>
         </p:txBody>
       </p:sp>
@@ -7300,7 +7511,7 @@
           <a:p>
             <a:pPr algn="ctr"/>
             <a:r>
-              <a:rPr lang="en-US" sz="2800" b="1" dirty="0">
+              <a:rPr lang="en-US" sz="2800" b="1">
                 <a:solidFill>
                   <a:schemeClr val="bg2">
                     <a:lumMod val="90000"/>
@@ -7326,7 +7537,7 @@
         <p:spPr>
           <a:xfrm>
             <a:off x="2123469" y="4993241"/>
-            <a:ext cx="5302244" cy="2227856"/>
+            <a:ext cx="5302244" cy="1714895"/>
           </a:xfrm>
           <a:prstGeom prst="rect">
             <a:avLst/>
@@ -7516,237 +7727,18 @@
                   <a:srgbClr val="000000"/>
                 </a:solidFill>
                 <a:effectLst/>
-                <a:latin typeface="Open Sans" panose="020B0606030504020204" pitchFamily="34" charset="0"/>
+                <a:latin typeface="Poppins Light" panose="00000400000000000000" pitchFamily="2" charset="0"/>
+                <a:cs typeface="Poppins Light" panose="00000400000000000000" pitchFamily="2" charset="0"/>
               </a:rPr>
-              <a:t>Lorem ipsum </a:t>
-            </a:r>
-            <a:r>
-              <a:rPr lang="fr-FR" b="0" i="0" dirty="0" err="1">
-                <a:solidFill>
-                  <a:srgbClr val="000000"/>
-                </a:solidFill>
-                <a:effectLst/>
-                <a:latin typeface="Open Sans" panose="020B0606030504020204" pitchFamily="34" charset="0"/>
-              </a:rPr>
-              <a:t>dolor</a:t>
-            </a:r>
-            <a:r>
-              <a:rPr lang="fr-FR" b="0" i="0" dirty="0">
-                <a:solidFill>
-                  <a:srgbClr val="000000"/>
-                </a:solidFill>
-                <a:effectLst/>
-                <a:latin typeface="Open Sans" panose="020B0606030504020204" pitchFamily="34" charset="0"/>
-              </a:rPr>
-              <a:t> </a:t>
-            </a:r>
-            <a:r>
-              <a:rPr lang="fr-FR" b="0" i="0" dirty="0" err="1">
-                <a:solidFill>
-                  <a:srgbClr val="000000"/>
-                </a:solidFill>
-                <a:effectLst/>
-                <a:latin typeface="Open Sans" panose="020B0606030504020204" pitchFamily="34" charset="0"/>
-              </a:rPr>
-              <a:t>sit</a:t>
-            </a:r>
-            <a:r>
-              <a:rPr lang="fr-FR" b="0" i="0" dirty="0">
-                <a:solidFill>
-                  <a:srgbClr val="000000"/>
-                </a:solidFill>
-                <a:effectLst/>
-                <a:latin typeface="Open Sans" panose="020B0606030504020204" pitchFamily="34" charset="0"/>
-              </a:rPr>
-              <a:t> </a:t>
-            </a:r>
-            <a:r>
-              <a:rPr lang="fr-FR" b="0" i="0" dirty="0" err="1">
-                <a:solidFill>
-                  <a:srgbClr val="000000"/>
-                </a:solidFill>
-                <a:effectLst/>
-                <a:latin typeface="Open Sans" panose="020B0606030504020204" pitchFamily="34" charset="0"/>
-              </a:rPr>
-              <a:t>amet</a:t>
-            </a:r>
-            <a:r>
-              <a:rPr lang="fr-FR" b="0" i="0" dirty="0">
-                <a:solidFill>
-                  <a:srgbClr val="000000"/>
-                </a:solidFill>
-                <a:effectLst/>
-                <a:latin typeface="Open Sans" panose="020B0606030504020204" pitchFamily="34" charset="0"/>
-              </a:rPr>
-              <a:t>, </a:t>
-            </a:r>
-            <a:r>
-              <a:rPr lang="fr-FR" b="0" i="0" dirty="0" err="1">
-                <a:solidFill>
-                  <a:srgbClr val="000000"/>
-                </a:solidFill>
-                <a:effectLst/>
-                <a:latin typeface="Open Sans" panose="020B0606030504020204" pitchFamily="34" charset="0"/>
-              </a:rPr>
-              <a:t>consectetur</a:t>
-            </a:r>
-            <a:r>
-              <a:rPr lang="fr-FR" b="0" i="0" dirty="0">
-                <a:solidFill>
-                  <a:srgbClr val="000000"/>
-                </a:solidFill>
-                <a:effectLst/>
-                <a:latin typeface="Open Sans" panose="020B0606030504020204" pitchFamily="34" charset="0"/>
-              </a:rPr>
-              <a:t> </a:t>
-            </a:r>
-            <a:r>
-              <a:rPr lang="fr-FR" b="0" i="0" dirty="0" err="1">
-                <a:solidFill>
-                  <a:srgbClr val="000000"/>
-                </a:solidFill>
-                <a:effectLst/>
-                <a:latin typeface="Open Sans" panose="020B0606030504020204" pitchFamily="34" charset="0"/>
-              </a:rPr>
-              <a:t>adipiscing</a:t>
-            </a:r>
-            <a:r>
-              <a:rPr lang="fr-FR" b="0" i="0" dirty="0">
-                <a:solidFill>
-                  <a:srgbClr val="000000"/>
-                </a:solidFill>
-                <a:effectLst/>
-                <a:latin typeface="Open Sans" panose="020B0606030504020204" pitchFamily="34" charset="0"/>
-              </a:rPr>
-              <a:t> </a:t>
-            </a:r>
-            <a:r>
-              <a:rPr lang="fr-FR" b="0" i="0" dirty="0" err="1">
-                <a:solidFill>
-                  <a:srgbClr val="000000"/>
-                </a:solidFill>
-                <a:effectLst/>
-                <a:latin typeface="Open Sans" panose="020B0606030504020204" pitchFamily="34" charset="0"/>
-              </a:rPr>
-              <a:t>elit</a:t>
-            </a:r>
-            <a:r>
-              <a:rPr lang="fr-FR" b="0" i="0" dirty="0">
-                <a:solidFill>
-                  <a:srgbClr val="000000"/>
-                </a:solidFill>
-                <a:effectLst/>
-                <a:latin typeface="Open Sans" panose="020B0606030504020204" pitchFamily="34" charset="0"/>
-              </a:rPr>
-              <a:t>. </a:t>
-            </a:r>
-            <a:r>
-              <a:rPr lang="fr-FR" b="0" i="0" dirty="0" err="1">
-                <a:solidFill>
-                  <a:srgbClr val="000000"/>
-                </a:solidFill>
-                <a:effectLst/>
-                <a:latin typeface="Open Sans" panose="020B0606030504020204" pitchFamily="34" charset="0"/>
-              </a:rPr>
-              <a:t>Maecenas</a:t>
-            </a:r>
-            <a:r>
-              <a:rPr lang="fr-FR" b="0" i="0" dirty="0">
-                <a:solidFill>
-                  <a:srgbClr val="000000"/>
-                </a:solidFill>
-                <a:effectLst/>
-                <a:latin typeface="Open Sans" panose="020B0606030504020204" pitchFamily="34" charset="0"/>
-              </a:rPr>
-              <a:t> </a:t>
-            </a:r>
-            <a:r>
-              <a:rPr lang="fr-FR" b="0" i="0" dirty="0" err="1">
-                <a:solidFill>
-                  <a:srgbClr val="000000"/>
-                </a:solidFill>
-                <a:effectLst/>
-                <a:latin typeface="Open Sans" panose="020B0606030504020204" pitchFamily="34" charset="0"/>
-              </a:rPr>
-              <a:t>viverra</a:t>
-            </a:r>
-            <a:r>
-              <a:rPr lang="fr-FR" b="0" i="0" dirty="0">
-                <a:solidFill>
-                  <a:srgbClr val="000000"/>
-                </a:solidFill>
-                <a:effectLst/>
-                <a:latin typeface="Open Sans" panose="020B0606030504020204" pitchFamily="34" charset="0"/>
-              </a:rPr>
-              <a:t> </a:t>
-            </a:r>
-            <a:r>
-              <a:rPr lang="fr-FR" b="0" i="0" dirty="0" err="1">
-                <a:solidFill>
-                  <a:srgbClr val="000000"/>
-                </a:solidFill>
-                <a:effectLst/>
-                <a:latin typeface="Open Sans" panose="020B0606030504020204" pitchFamily="34" charset="0"/>
-              </a:rPr>
-              <a:t>eros</a:t>
-            </a:r>
-            <a:r>
-              <a:rPr lang="fr-FR" b="0" i="0" dirty="0">
-                <a:solidFill>
-                  <a:srgbClr val="000000"/>
-                </a:solidFill>
-                <a:effectLst/>
-                <a:latin typeface="Open Sans" panose="020B0606030504020204" pitchFamily="34" charset="0"/>
-              </a:rPr>
-              <a:t> </a:t>
-            </a:r>
-            <a:r>
-              <a:rPr lang="fr-FR" b="0" i="0" dirty="0" err="1">
-                <a:solidFill>
-                  <a:srgbClr val="000000"/>
-                </a:solidFill>
-                <a:effectLst/>
-                <a:latin typeface="Open Sans" panose="020B0606030504020204" pitchFamily="34" charset="0"/>
-              </a:rPr>
-              <a:t>enim</a:t>
-            </a:r>
-            <a:r>
-              <a:rPr lang="fr-FR" b="0" i="0" dirty="0">
-                <a:solidFill>
-                  <a:srgbClr val="000000"/>
-                </a:solidFill>
-                <a:effectLst/>
-                <a:latin typeface="Open Sans" panose="020B0606030504020204" pitchFamily="34" charset="0"/>
-              </a:rPr>
-              <a:t>, et </a:t>
-            </a:r>
-            <a:r>
-              <a:rPr lang="fr-FR" b="0" i="0" dirty="0" err="1">
-                <a:solidFill>
-                  <a:srgbClr val="000000"/>
-                </a:solidFill>
-                <a:effectLst/>
-                <a:latin typeface="Open Sans" panose="020B0606030504020204" pitchFamily="34" charset="0"/>
-              </a:rPr>
-              <a:t>condimentum</a:t>
-            </a:r>
-            <a:r>
-              <a:rPr lang="fr-FR" b="0" i="0" dirty="0">
-                <a:solidFill>
-                  <a:srgbClr val="000000"/>
-                </a:solidFill>
-                <a:effectLst/>
-                <a:latin typeface="Open Sans" panose="020B0606030504020204" pitchFamily="34" charset="0"/>
-              </a:rPr>
-              <a:t> ex bibendum nec.</a:t>
+              <a:t>Logiciel libre qui permet de centraliser, indexer, rechercher et visualiser des données.</a:t>
             </a:r>
             <a:endParaRPr lang="en-US" dirty="0">
               <a:solidFill>
                 <a:schemeClr val="tx1"/>
               </a:solidFill>
-              <a:latin typeface="Poppins Light" charset="0"/>
+              <a:latin typeface="Poppins Light" panose="00000400000000000000" pitchFamily="2" charset="0"/>
               <a:ea typeface="Poppins Light" charset="0"/>
-              <a:cs typeface="Poppins Light" charset="0"/>
+              <a:cs typeface="Poppins Light" panose="00000400000000000000" pitchFamily="2" charset="0"/>
             </a:endParaRPr>
           </a:p>
         </p:txBody>
@@ -7781,7 +7773,7 @@
           <a:p>
             <a:pPr algn="ctr"/>
             <a:r>
-              <a:rPr lang="en-US" sz="7000" b="1" spc="800" dirty="0">
+              <a:rPr lang="en-US" sz="7000" b="1" spc="800">
                 <a:solidFill>
                   <a:schemeClr val="tx2"/>
                 </a:solidFill>
@@ -7792,7 +7784,7 @@
               <a:t>Les </a:t>
             </a:r>
             <a:r>
-              <a:rPr lang="fr-FR" sz="7000" b="1" spc="800" dirty="0">
+              <a:rPr lang="fr-FR" sz="7000" b="1" spc="800">
                 <a:solidFill>
                   <a:schemeClr val="tx2"/>
                 </a:solidFill>
@@ -7803,7 +7795,7 @@
               <a:t>outils</a:t>
             </a:r>
             <a:r>
-              <a:rPr lang="en-US" sz="7000" b="1" spc="800" dirty="0">
+              <a:rPr lang="en-US" sz="7000" b="1" spc="800">
                 <a:solidFill>
                   <a:schemeClr val="tx2"/>
                 </a:solidFill>
@@ -7825,7 +7817,7 @@
               <a:t>principaux</a:t>
             </a:r>
             <a:r>
-              <a:rPr lang="en-US" sz="7000" b="1" spc="800" dirty="0">
+              <a:rPr lang="en-US" sz="7000" b="1" spc="800">
                 <a:solidFill>
                   <a:schemeClr val="tx2"/>
                 </a:solidFill>
@@ -7942,7 +7934,7 @@
           <a:p>
             <a:pPr algn="ctr"/>
             <a:r>
-              <a:rPr lang="en-US" sz="2800" b="1" dirty="0" err="1">
+              <a:rPr lang="en-US" sz="2800" b="1" err="1">
                 <a:solidFill>
                   <a:schemeClr val="bg2">
                     <a:lumMod val="90000"/>
@@ -7954,7 +7946,7 @@
               </a:rPr>
               <a:t>Filebeat</a:t>
             </a:r>
-            <a:endParaRPr lang="en-US" sz="2800" b="1" dirty="0">
+            <a:endParaRPr lang="en-US" sz="2800" b="1">
               <a:solidFill>
                 <a:schemeClr val="bg2">
                   <a:lumMod val="90000"/>
@@ -7983,8 +7975,8 @@
         </p:nvSpPr>
         <p:spPr>
           <a:xfrm>
-            <a:off x="16984564" y="4992472"/>
-            <a:ext cx="5633489" cy="2229395"/>
+            <a:off x="16437817" y="4992472"/>
+            <a:ext cx="6726984" cy="1716434"/>
           </a:xfrm>
           <a:prstGeom prst="rect">
             <a:avLst/>
@@ -8169,7 +8161,7 @@
               </a:lnSpc>
             </a:pPr>
             <a:r>
-              <a:rPr lang="en-US" dirty="0">
+              <a:rPr lang="fr-FR" dirty="0">
                 <a:solidFill>
                   <a:schemeClr val="tx1"/>
                 </a:solidFill>
@@ -8177,10 +8169,10 @@
                 <a:ea typeface="Poppins Light" charset="0"/>
                 <a:cs typeface="Poppins Light" charset="0"/>
               </a:rPr>
-              <a:t>Lorem ipsum dolor sit </a:t>
-            </a:r>
-            <a:r>
-              <a:rPr lang="en-US" dirty="0" err="1">
+              <a:t>Il surveille les fichiers ou emplacements de logs, collecte les événements et les transmet à </a:t>
+            </a:r>
+            <a:r>
+              <a:rPr lang="fr-FR" dirty="0" err="1">
                 <a:solidFill>
                   <a:schemeClr val="tx1"/>
                 </a:solidFill>
@@ -8188,195 +8180,16 @@
                 <a:ea typeface="Poppins Light" charset="0"/>
                 <a:cs typeface="Poppins Light" charset="0"/>
               </a:rPr>
-              <a:t>amet</a:t>
-            </a:r>
-            <a:r>
-              <a:rPr lang="en-US" dirty="0">
-                <a:solidFill>
-                  <a:schemeClr val="tx1"/>
-                </a:solidFill>
-                <a:latin typeface="Poppins Light" charset="0"/>
-                <a:ea typeface="Poppins Light" charset="0"/>
-                <a:cs typeface="Poppins Light" charset="0"/>
-              </a:rPr>
-              <a:t>, </a:t>
-            </a:r>
-            <a:r>
-              <a:rPr lang="en-US" dirty="0" err="1">
-                <a:solidFill>
-                  <a:schemeClr val="tx1"/>
-                </a:solidFill>
-                <a:latin typeface="Poppins Light" charset="0"/>
-                <a:ea typeface="Poppins Light" charset="0"/>
-                <a:cs typeface="Poppins Light" charset="0"/>
-              </a:rPr>
-              <a:t>consectetur</a:t>
-            </a:r>
-            <a:r>
-              <a:rPr lang="en-US" dirty="0">
-                <a:solidFill>
-                  <a:schemeClr val="tx1"/>
-                </a:solidFill>
-                <a:latin typeface="Poppins Light" charset="0"/>
-                <a:ea typeface="Poppins Light" charset="0"/>
-                <a:cs typeface="Poppins Light" charset="0"/>
-              </a:rPr>
-              <a:t> </a:t>
-            </a:r>
-            <a:r>
-              <a:rPr lang="en-US" dirty="0" err="1">
-                <a:solidFill>
-                  <a:schemeClr val="tx1"/>
-                </a:solidFill>
-                <a:latin typeface="Poppins Light" charset="0"/>
-                <a:ea typeface="Poppins Light" charset="0"/>
-                <a:cs typeface="Poppins Light" charset="0"/>
-              </a:rPr>
-              <a:t>adipiscing</a:t>
-            </a:r>
-            <a:r>
-              <a:rPr lang="en-US" dirty="0">
-                <a:solidFill>
-                  <a:schemeClr val="tx1"/>
-                </a:solidFill>
-                <a:latin typeface="Poppins Light" charset="0"/>
-                <a:ea typeface="Poppins Light" charset="0"/>
-                <a:cs typeface="Poppins Light" charset="0"/>
-              </a:rPr>
-              <a:t> </a:t>
-            </a:r>
-            <a:r>
-              <a:rPr lang="en-US" dirty="0" err="1">
-                <a:solidFill>
-                  <a:schemeClr val="tx1"/>
-                </a:solidFill>
-                <a:latin typeface="Poppins Light" charset="0"/>
-                <a:ea typeface="Poppins Light" charset="0"/>
-                <a:cs typeface="Poppins Light" charset="0"/>
-              </a:rPr>
-              <a:t>elit</a:t>
-            </a:r>
-            <a:r>
-              <a:rPr lang="en-US" dirty="0">
-                <a:solidFill>
-                  <a:schemeClr val="tx1"/>
-                </a:solidFill>
-                <a:latin typeface="Poppins Light" charset="0"/>
-                <a:ea typeface="Poppins Light" charset="0"/>
-                <a:cs typeface="Poppins Light" charset="0"/>
-              </a:rPr>
-              <a:t>. Maecenas </a:t>
-            </a:r>
-            <a:r>
-              <a:rPr lang="en-US" dirty="0" err="1">
-                <a:solidFill>
-                  <a:schemeClr val="tx1"/>
-                </a:solidFill>
-                <a:latin typeface="Poppins Light" charset="0"/>
-                <a:ea typeface="Poppins Light" charset="0"/>
-                <a:cs typeface="Poppins Light" charset="0"/>
-              </a:rPr>
-              <a:t>viverra</a:t>
-            </a:r>
-            <a:r>
-              <a:rPr lang="en-US" dirty="0">
-                <a:solidFill>
-                  <a:schemeClr val="tx1"/>
-                </a:solidFill>
-                <a:latin typeface="Poppins Light" charset="0"/>
-                <a:ea typeface="Poppins Light" charset="0"/>
-                <a:cs typeface="Poppins Light" charset="0"/>
-              </a:rPr>
-              <a:t> eros </a:t>
-            </a:r>
-            <a:r>
-              <a:rPr lang="en-US" dirty="0" err="1">
-                <a:solidFill>
-                  <a:schemeClr val="tx1"/>
-                </a:solidFill>
-                <a:latin typeface="Poppins Light" charset="0"/>
-                <a:ea typeface="Poppins Light" charset="0"/>
-                <a:cs typeface="Poppins Light" charset="0"/>
-              </a:rPr>
-              <a:t>enim</a:t>
-            </a:r>
-            <a:r>
-              <a:rPr lang="en-US" dirty="0">
-                <a:solidFill>
-                  <a:schemeClr val="tx1"/>
-                </a:solidFill>
-                <a:latin typeface="Poppins Light" charset="0"/>
-                <a:ea typeface="Poppins Light" charset="0"/>
-                <a:cs typeface="Poppins Light" charset="0"/>
-              </a:rPr>
-              <a:t>, et </a:t>
-            </a:r>
-            <a:r>
-              <a:rPr lang="en-US" dirty="0" err="1">
-                <a:solidFill>
-                  <a:schemeClr val="tx1"/>
-                </a:solidFill>
-                <a:latin typeface="Poppins Light" charset="0"/>
-                <a:ea typeface="Poppins Light" charset="0"/>
-                <a:cs typeface="Poppins Light" charset="0"/>
-              </a:rPr>
-              <a:t>condimentum</a:t>
-            </a:r>
-            <a:r>
-              <a:rPr lang="en-US" dirty="0">
-                <a:solidFill>
-                  <a:schemeClr val="tx1"/>
-                </a:solidFill>
-                <a:latin typeface="Poppins Light" charset="0"/>
-                <a:ea typeface="Poppins Light" charset="0"/>
-                <a:cs typeface="Poppins Light" charset="0"/>
-              </a:rPr>
-              <a:t> ex </a:t>
-            </a:r>
-            <a:r>
-              <a:rPr lang="en-US" dirty="0" err="1">
-                <a:solidFill>
-                  <a:schemeClr val="tx1"/>
-                </a:solidFill>
-                <a:latin typeface="Poppins Light" charset="0"/>
-                <a:ea typeface="Poppins Light" charset="0"/>
-                <a:cs typeface="Poppins Light" charset="0"/>
-              </a:rPr>
-              <a:t>bibendum</a:t>
-            </a:r>
-            <a:r>
-              <a:rPr lang="en-US" dirty="0">
-                <a:solidFill>
-                  <a:schemeClr val="tx1"/>
-                </a:solidFill>
-                <a:latin typeface="Poppins Light" charset="0"/>
-                <a:ea typeface="Poppins Light" charset="0"/>
-                <a:cs typeface="Poppins Light" charset="0"/>
-              </a:rPr>
-              <a:t> </a:t>
-            </a:r>
-            <a:r>
-              <a:rPr lang="en-US" dirty="0" err="1">
-                <a:solidFill>
-                  <a:schemeClr val="tx1"/>
-                </a:solidFill>
-                <a:latin typeface="Poppins Light" charset="0"/>
-                <a:ea typeface="Poppins Light" charset="0"/>
-                <a:cs typeface="Poppins Light" charset="0"/>
-              </a:rPr>
-              <a:t>nec</a:t>
-            </a:r>
-            <a:r>
-              <a:rPr lang="en-US" dirty="0">
-                <a:solidFill>
-                  <a:schemeClr val="tx1"/>
-                </a:solidFill>
-                <a:latin typeface="Poppins Light" charset="0"/>
-                <a:ea typeface="Poppins Light" charset="0"/>
-                <a:cs typeface="Poppins Light" charset="0"/>
-              </a:rPr>
-              <a:t>.</a:t>
-            </a:r>
+              <a:t>Elasticsearch</a:t>
+            </a:r>
+            <a:endParaRPr lang="en-US" dirty="0">
+              <a:solidFill>
+                <a:schemeClr val="tx1"/>
+              </a:solidFill>
+              <a:latin typeface="Poppins Light" charset="0"/>
+              <a:ea typeface="Poppins Light" charset="0"/>
+              <a:cs typeface="Poppins Light" charset="0"/>
+            </a:endParaRPr>
           </a:p>
         </p:txBody>
       </p:sp>
@@ -8426,10 +8239,10 @@
   <p:clrMapOvr>
     <a:masterClrMapping/>
   </p:clrMapOvr>
-  <mc:AlternateContent xmlns:mc="http://schemas.openxmlformats.org/markup-compatibility/2006" xmlns:p159="http://schemas.microsoft.com/office/powerpoint/2015/09/main">
-    <mc:Choice Requires="p159">
-      <p:transition xmlns:p14="http://schemas.microsoft.com/office/powerpoint/2010/main" spd="slow" p14:dur="2000" advClick="0">
-        <p159:morph option="byObject"/>
+  <mc:AlternateContent xmlns:mc="http://schemas.openxmlformats.org/markup-compatibility/2006" xmlns:p14="http://schemas.microsoft.com/office/powerpoint/2010/main">
+    <mc:Choice Requires="p14">
+      <p:transition spd="slow" p14:dur="1300" advClick="0">
+        <p14:pan dir="u"/>
       </p:transition>
     </mc:Choice>
     <mc:Fallback xmlns="">
@@ -8523,7 +8336,7 @@
           <a:p>
             <a:pPr algn="ctr"/>
             <a:r>
-              <a:rPr lang="en-US" sz="7000" b="1" spc="800" dirty="0">
+              <a:rPr lang="en-US" sz="7000" b="1" spc="800">
                 <a:solidFill>
                   <a:schemeClr val="tx2"/>
                 </a:solidFill>
@@ -8618,7 +8431,7 @@
               <a:lstStyle/>
               <a:p>
                 <a:pPr algn="ctr"/>
-                <a:endParaRPr lang="en-US" dirty="0"/>
+                <a:endParaRPr lang="en-US"/>
               </a:p>
             </p:txBody>
           </p:sp>
@@ -8646,7 +8459,7 @@
               <a:p>
                 <a:pPr algn="ctr"/>
                 <a:r>
-                  <a:rPr lang="en-US" sz="2800" b="1" dirty="0">
+                  <a:rPr lang="en-US" sz="2800" b="1">
                     <a:solidFill>
                       <a:schemeClr val="tx2"/>
                     </a:solidFill>
@@ -8855,7 +8668,7 @@
                   </a:lnSpc>
                 </a:pPr>
                 <a:r>
-                  <a:rPr lang="en-US" dirty="0">
+                  <a:rPr lang="en-US">
                     <a:solidFill>
                       <a:schemeClr val="tx1"/>
                     </a:solidFill>
@@ -8866,7 +8679,7 @@
                   <a:t>Mise </a:t>
                 </a:r>
                 <a:r>
-                  <a:rPr lang="en-US" dirty="0" err="1">
+                  <a:rPr lang="en-US" err="1">
                     <a:solidFill>
                       <a:schemeClr val="tx1"/>
                     </a:solidFill>
@@ -8877,7 +8690,7 @@
                   <a:t>en</a:t>
                 </a:r>
                 <a:r>
-                  <a:rPr lang="en-US" dirty="0">
+                  <a:rPr lang="en-US">
                     <a:solidFill>
                       <a:schemeClr val="tx1"/>
                     </a:solidFill>
@@ -8888,7 +8701,7 @@
                   <a:t> place de </a:t>
                 </a:r>
                 <a:r>
-                  <a:rPr lang="fr-FR" dirty="0">
+                  <a:rPr lang="fr-FR">
                     <a:solidFill>
                       <a:schemeClr val="tx1"/>
                     </a:solidFill>
@@ -8899,7 +8712,7 @@
                   <a:t>l’infrastructure</a:t>
                 </a:r>
                 <a:r>
-                  <a:rPr lang="en-US" dirty="0">
+                  <a:rPr lang="en-US">
                     <a:solidFill>
                       <a:schemeClr val="tx1"/>
                     </a:solidFill>
@@ -9042,7 +8855,7 @@
               <a:p>
                 <a:pPr algn="ctr"/>
                 <a:r>
-                  <a:rPr lang="en-US" sz="2800" b="1" dirty="0">
+                  <a:rPr lang="en-US" sz="2800" b="1">
                     <a:solidFill>
                       <a:schemeClr val="tx2"/>
                     </a:solidFill>
@@ -9251,7 +9064,7 @@
                   </a:lnSpc>
                 </a:pPr>
                 <a:r>
-                  <a:rPr lang="en-US" dirty="0">
+                  <a:rPr lang="en-US">
                     <a:solidFill>
                       <a:schemeClr val="tx1"/>
                     </a:solidFill>
@@ -9262,7 +9075,7 @@
                   <a:t>Configuration des </a:t>
                 </a:r>
                 <a:r>
-                  <a:rPr lang="en-US" dirty="0" err="1">
+                  <a:rPr lang="en-US" err="1">
                     <a:solidFill>
                       <a:schemeClr val="tx1"/>
                     </a:solidFill>
@@ -9273,7 +9086,7 @@
                   <a:t>fichiers</a:t>
                 </a:r>
                 <a:r>
-                  <a:rPr lang="en-US" dirty="0">
+                  <a:rPr lang="en-US">
                     <a:solidFill>
                       <a:schemeClr val="tx1"/>
                     </a:solidFill>
@@ -9284,7 +9097,7 @@
                   <a:t> </a:t>
                 </a:r>
                 <a:r>
-                  <a:rPr lang="en-US" dirty="0" err="1">
+                  <a:rPr lang="en-US" err="1">
                     <a:solidFill>
                       <a:schemeClr val="tx1"/>
                     </a:solidFill>
@@ -9295,7 +9108,7 @@
                   <a:t>d’installations</a:t>
                 </a:r>
                 <a:r>
-                  <a:rPr lang="en-US" dirty="0">
+                  <a:rPr lang="en-US">
                     <a:solidFill>
                       <a:schemeClr val="tx1"/>
                     </a:solidFill>
@@ -9438,7 +9251,7 @@
               <a:p>
                 <a:pPr algn="ctr"/>
                 <a:r>
-                  <a:rPr lang="en-US" sz="2800" b="1" dirty="0">
+                  <a:rPr lang="en-US" sz="2800" b="1">
                     <a:solidFill>
                       <a:schemeClr val="tx2"/>
                     </a:solidFill>
@@ -9647,7 +9460,7 @@
                   </a:lnSpc>
                 </a:pPr>
                 <a:r>
-                  <a:rPr lang="en-US" dirty="0" err="1">
+                  <a:rPr lang="en-US" err="1">
                     <a:solidFill>
                       <a:schemeClr val="tx1"/>
                     </a:solidFill>
@@ -9658,7 +9471,7 @@
                   <a:t>Affichage</a:t>
                 </a:r>
                 <a:r>
-                  <a:rPr lang="en-US" dirty="0">
+                  <a:rPr lang="en-US">
                     <a:solidFill>
                       <a:schemeClr val="tx1"/>
                     </a:solidFill>
@@ -9669,7 +9482,7 @@
                   <a:t> et </a:t>
                 </a:r>
                 <a:r>
-                  <a:rPr lang="en-US" dirty="0" err="1">
+                  <a:rPr lang="en-US" err="1">
                     <a:solidFill>
                       <a:schemeClr val="tx1"/>
                     </a:solidFill>
@@ -9680,7 +9493,7 @@
                   <a:t>accès</a:t>
                 </a:r>
                 <a:r>
-                  <a:rPr lang="en-US" dirty="0">
+                  <a:rPr lang="en-US">
                     <a:solidFill>
                       <a:schemeClr val="tx1"/>
                     </a:solidFill>
@@ -9691,7 +9504,7 @@
                   <a:t> à </a:t>
                 </a:r>
                 <a:r>
-                  <a:rPr lang="en-US" dirty="0" err="1">
+                  <a:rPr lang="en-US" err="1">
                     <a:solidFill>
                       <a:schemeClr val="tx1"/>
                     </a:solidFill>
@@ -9702,7 +9515,7 @@
                   <a:t>l’interface</a:t>
                 </a:r>
                 <a:r>
-                  <a:rPr lang="en-US" dirty="0">
+                  <a:rPr lang="en-US">
                     <a:solidFill>
                       <a:schemeClr val="tx1"/>
                     </a:solidFill>
@@ -9817,7 +9630,7 @@
               <a:lstStyle/>
               <a:p>
                 <a:pPr algn="ctr"/>
-                <a:endParaRPr lang="en-US" dirty="0"/>
+                <a:endParaRPr lang="en-US"/>
               </a:p>
             </p:txBody>
           </p:sp>
@@ -9845,7 +9658,7 @@
               <a:p>
                 <a:pPr algn="ctr"/>
                 <a:r>
-                  <a:rPr lang="en-US" sz="2800" b="1" dirty="0">
+                  <a:rPr lang="en-US" sz="2800" b="1">
                     <a:solidFill>
                       <a:schemeClr val="tx2"/>
                     </a:solidFill>
@@ -10054,7 +9867,7 @@
                   </a:lnSpc>
                 </a:pPr>
                 <a:r>
-                  <a:rPr lang="en-US" dirty="0" err="1">
+                  <a:rPr lang="en-US" err="1">
                     <a:solidFill>
                       <a:schemeClr val="tx1"/>
                     </a:solidFill>
@@ -10065,7 +9878,7 @@
                   <a:t>Affichage</a:t>
                 </a:r>
                 <a:r>
-                  <a:rPr lang="en-US" dirty="0">
+                  <a:rPr lang="en-US">
                     <a:solidFill>
                       <a:schemeClr val="tx1"/>
                     </a:solidFill>
@@ -10076,7 +9889,7 @@
                   <a:t> des </a:t>
                 </a:r>
                 <a:r>
-                  <a:rPr lang="en-US" dirty="0" err="1">
+                  <a:rPr lang="en-US" err="1">
                     <a:solidFill>
                       <a:schemeClr val="tx1"/>
                     </a:solidFill>
@@ -10087,7 +9900,7 @@
                   <a:t>données</a:t>
                 </a:r>
                 <a:r>
-                  <a:rPr lang="en-US" dirty="0">
+                  <a:rPr lang="en-US">
                     <a:solidFill>
                       <a:schemeClr val="tx1"/>
                     </a:solidFill>
@@ -10098,7 +9911,7 @@
                   <a:t> dans </a:t>
                 </a:r>
                 <a:r>
-                  <a:rPr lang="en-US" dirty="0" err="1">
+                  <a:rPr lang="en-US" err="1">
                     <a:solidFill>
                       <a:schemeClr val="tx1"/>
                     </a:solidFill>
@@ -10108,7 +9921,7 @@
                   </a:rPr>
                   <a:t>l’interface</a:t>
                 </a:r>
-                <a:endParaRPr lang="en-US" dirty="0">
+                <a:endParaRPr lang="en-US">
                   <a:solidFill>
                     <a:schemeClr val="tx1"/>
                   </a:solidFill>
@@ -10170,10 +9983,10 @@
   <p:clrMapOvr>
     <a:masterClrMapping/>
   </p:clrMapOvr>
-  <mc:AlternateContent xmlns:mc="http://schemas.openxmlformats.org/markup-compatibility/2006" xmlns:p159="http://schemas.microsoft.com/office/powerpoint/2015/09/main">
-    <mc:Choice Requires="p159">
-      <p:transition xmlns:p14="http://schemas.microsoft.com/office/powerpoint/2010/main" spd="slow" p14:dur="2000" advClick="0">
-        <p159:morph option="byObject"/>
+  <mc:AlternateContent xmlns:mc="http://schemas.openxmlformats.org/markup-compatibility/2006" xmlns:p14="http://schemas.microsoft.com/office/powerpoint/2010/main">
+    <mc:Choice Requires="p14">
+      <p:transition spd="slow" p14:dur="1300" advClick="0">
+        <p14:pan dir="u"/>
       </p:transition>
     </mc:Choice>
     <mc:Fallback xmlns="">
@@ -10261,7 +10074,7 @@
           <a:p>
             <a:pPr algn="ctr"/>
             <a:r>
-              <a:rPr lang="en-US" sz="8400" b="1" spc="800" dirty="0">
+              <a:rPr lang="en-US" sz="8400" b="1" spc="800">
                 <a:solidFill>
                   <a:schemeClr val="tx2"/>
                 </a:solidFill>
@@ -10298,7 +10111,7 @@
           <a:p>
             <a:pPr algn="ctr"/>
             <a:r>
-              <a:rPr lang="en-US" sz="2800" b="1" spc="800" dirty="0">
+              <a:rPr lang="en-US" sz="2800" b="1" spc="800">
                 <a:solidFill>
                   <a:schemeClr val="tx2"/>
                 </a:solidFill>
@@ -10354,7 +10167,7 @@
           <a:p>
             <a:pPr algn="ctr"/>
             <a:r>
-              <a:rPr lang="en-US" sz="6600" b="1" dirty="0"/>
+              <a:rPr lang="en-US" sz="6600" b="1"/>
               <a:t>1</a:t>
             </a:r>
           </a:p>
@@ -10370,10 +10183,10 @@
   <p:clrMapOvr>
     <a:masterClrMapping/>
   </p:clrMapOvr>
-  <mc:AlternateContent xmlns:mc="http://schemas.openxmlformats.org/markup-compatibility/2006" xmlns:p159="http://schemas.microsoft.com/office/powerpoint/2015/09/main">
-    <mc:Choice Requires="p159">
-      <p:transition xmlns:p14="http://schemas.microsoft.com/office/powerpoint/2010/main" spd="slow" p14:dur="2000" advClick="0">
-        <p159:morph option="byObject"/>
+  <mc:AlternateContent xmlns:mc="http://schemas.openxmlformats.org/markup-compatibility/2006" xmlns:p14="http://schemas.microsoft.com/office/powerpoint/2010/main">
+    <mc:Choice Requires="p14">
+      <p:transition spd="slow" p14:dur="1300" advClick="0">
+        <p14:pan dir="u"/>
       </p:transition>
     </mc:Choice>
     <mc:Fallback xmlns="">
@@ -10534,10 +10347,10 @@
   <p:clrMapOvr>
     <a:masterClrMapping/>
   </p:clrMapOvr>
-  <mc:AlternateContent xmlns:mc="http://schemas.openxmlformats.org/markup-compatibility/2006" xmlns:p159="http://schemas.microsoft.com/office/powerpoint/2015/09/main">
-    <mc:Choice Requires="p159">
-      <p:transition xmlns:p14="http://schemas.microsoft.com/office/powerpoint/2010/main" spd="slow" p14:dur="2000" advClick="0">
-        <p159:morph option="byObject"/>
+  <mc:AlternateContent xmlns:mc="http://schemas.openxmlformats.org/markup-compatibility/2006" xmlns:p14="http://schemas.microsoft.com/office/powerpoint/2010/main">
+    <mc:Choice Requires="p14">
+      <p:transition spd="slow" p14:dur="1300" advClick="0">
+        <p14:pan dir="u"/>
       </p:transition>
     </mc:Choice>
     <mc:Fallback xmlns="">
@@ -10625,7 +10438,7 @@
           <a:p>
             <a:pPr algn="ctr"/>
             <a:r>
-              <a:rPr lang="en-US" sz="8400" b="1" spc="800" dirty="0">
+              <a:rPr lang="en-US" sz="8400" b="1" spc="800">
                 <a:solidFill>
                   <a:schemeClr val="tx2"/>
                 </a:solidFill>
@@ -10662,7 +10475,7 @@
           <a:p>
             <a:pPr algn="ctr"/>
             <a:r>
-              <a:rPr lang="en-US" sz="2800" b="1" spc="800" dirty="0">
+              <a:rPr lang="en-US" sz="2800" b="1" spc="800">
                 <a:solidFill>
                   <a:schemeClr val="tx2"/>
                 </a:solidFill>
@@ -10718,7 +10531,7 @@
           <a:p>
             <a:pPr algn="ctr"/>
             <a:r>
-              <a:rPr lang="en-US" sz="6600" b="1" dirty="0"/>
+              <a:rPr lang="en-US" sz="6600" b="1"/>
               <a:t>2</a:t>
             </a:r>
           </a:p>
@@ -10734,10 +10547,10 @@
   <p:clrMapOvr>
     <a:masterClrMapping/>
   </p:clrMapOvr>
-  <mc:AlternateContent xmlns:mc="http://schemas.openxmlformats.org/markup-compatibility/2006" xmlns:p159="http://schemas.microsoft.com/office/powerpoint/2015/09/main">
-    <mc:Choice Requires="p159">
-      <p:transition xmlns:p14="http://schemas.microsoft.com/office/powerpoint/2010/main" spd="slow" p14:dur="2000" advClick="0">
-        <p159:morph option="byObject"/>
+  <mc:AlternateContent xmlns:mc="http://schemas.openxmlformats.org/markup-compatibility/2006" xmlns:p14="http://schemas.microsoft.com/office/powerpoint/2010/main">
+    <mc:Choice Requires="p14">
+      <p:transition spd="slow" p14:dur="1300" advClick="0">
+        <p14:pan dir="u"/>
       </p:transition>
     </mc:Choice>
     <mc:Fallback xmlns="">
@@ -10831,7 +10644,7 @@
           <a:p>
             <a:pPr algn="ctr"/>
             <a:r>
-              <a:rPr lang="en-US" sz="7000" b="1" spc="800" dirty="0">
+              <a:rPr lang="en-US" sz="7000" b="1" spc="800">
                 <a:solidFill>
                   <a:schemeClr val="tx2"/>
                 </a:solidFill>
@@ -10842,7 +10655,7 @@
               <a:t>Les </a:t>
             </a:r>
             <a:r>
-              <a:rPr lang="fr-FR" sz="7000" b="1" spc="800" dirty="0">
+              <a:rPr lang="fr-FR" sz="7000" b="1" spc="800">
                 <a:solidFill>
                   <a:schemeClr val="tx2"/>
                 </a:solidFill>
@@ -10853,7 +10666,7 @@
               <a:t>différents services</a:t>
             </a:r>
             <a:r>
-              <a:rPr lang="en-US" sz="7000" b="1" spc="800" dirty="0">
+              <a:rPr lang="en-US" sz="7000" b="1" spc="800">
                 <a:solidFill>
                   <a:schemeClr val="tx2"/>
                 </a:solidFill>
@@ -10901,7 +10714,7 @@
           <a:p>
             <a:pPr algn="ctr"/>
             <a:r>
-              <a:rPr lang="en-US" sz="2800" b="1" dirty="0">
+              <a:rPr lang="en-US" sz="2800" b="1">
                 <a:solidFill>
                   <a:srgbClr val="002452"/>
                 </a:solidFill>
@@ -10985,10 +10798,10 @@
   <p:clrMapOvr>
     <a:masterClrMapping/>
   </p:clrMapOvr>
-  <mc:AlternateContent xmlns:mc="http://schemas.openxmlformats.org/markup-compatibility/2006" xmlns:p159="http://schemas.microsoft.com/office/powerpoint/2015/09/main">
-    <mc:Choice Requires="p159">
-      <p:transition xmlns:p14="http://schemas.microsoft.com/office/powerpoint/2010/main" spd="slow" p14:dur="2000" advClick="0">
-        <p159:morph option="byObject"/>
+  <mc:AlternateContent xmlns:mc="http://schemas.openxmlformats.org/markup-compatibility/2006" xmlns:p14="http://schemas.microsoft.com/office/powerpoint/2010/main">
+    <mc:Choice Requires="p14">
+      <p:transition spd="slow" p14:dur="1300" advClick="0">
+        <p14:pan dir="u"/>
       </p:transition>
     </mc:Choice>
     <mc:Fallback xmlns="">
@@ -11522,15 +11335,6 @@
 </file>
 
 <file path=customXml/item1.xml><?xml version="1.0" encoding="utf-8"?>
-<?mso-contentType ?>
-<FormTemplates xmlns="http://schemas.microsoft.com/sharepoint/v3/contenttype/forms">
-  <Display>DocumentLibraryForm</Display>
-  <Edit>DocumentLibraryForm</Edit>
-  <New>DocumentLibraryForm</New>
-</FormTemplates>
-</file>
-
-<file path=customXml/item2.xml><?xml version="1.0" encoding="utf-8"?>
 <ct:contentTypeSchema xmlns:ct="http://schemas.microsoft.com/office/2006/metadata/contentType" xmlns:ma="http://schemas.microsoft.com/office/2006/metadata/properties/metaAttributes" ct:_="" ma:_="" ma:contentTypeName="Document" ma:contentTypeID="0x01010084F1CE1B41409B4EB2583E07B7754F4D" ma:contentTypeVersion="12" ma:contentTypeDescription="Crée un document." ma:contentTypeScope="" ma:versionID="937708b093b6b04f59bf3c29c565ef6a">
   <xsd:schema xmlns:xsd="http://www.w3.org/2001/XMLSchema" xmlns:xs="http://www.w3.org/2001/XMLSchema" xmlns:p="http://schemas.microsoft.com/office/2006/metadata/properties" xmlns:ns3="490f4d18-1b42-4a78-837f-26ad582d7a5f" xmlns:ns4="c118889d-4c8e-4464-8a43-de4e027114a5" targetNamespace="http://schemas.microsoft.com/office/2006/metadata/properties" ma:root="true" ma:fieldsID="d5743baf8d56fd07455e640aa7bbe21f" ns3:_="" ns4:_="">
     <xsd:import namespace="490f4d18-1b42-4a78-837f-26ad582d7a5f"/>
@@ -11747,52 +11551,61 @@
 </ct:contentTypeSchema>
 </file>
 
-<file path=customXml/item3.xml><?xml version="1.0" encoding="utf-8"?>
+<file path=customXml/item2.xml><?xml version="1.0" encoding="utf-8"?>
 <p:properties xmlns:p="http://schemas.microsoft.com/office/2006/metadata/properties" xmlns:xsi="http://www.w3.org/2001/XMLSchema-instance" xmlns:pc="http://schemas.microsoft.com/office/infopath/2007/PartnerControls">
   <documentManagement/>
 </p:properties>
 </file>
 
+<file path=customXml/item3.xml><?xml version="1.0" encoding="utf-8"?>
+<?mso-contentType ?>
+<FormTemplates xmlns="http://schemas.microsoft.com/sharepoint/v3/contenttype/forms">
+  <Display>DocumentLibraryForm</Display>
+  <Edit>DocumentLibraryForm</Edit>
+  <New>DocumentLibraryForm</New>
+</FormTemplates>
+</file>
+
 <file path=customXml/itemProps1.xml><?xml version="1.0" encoding="utf-8"?>
+<ds:datastoreItem xmlns:ds="http://schemas.openxmlformats.org/officeDocument/2006/customXml" ds:itemID="{37952D33-97F5-4439-A00F-6617EFE87C38}">
+  <ds:schemaRefs>
+    <ds:schemaRef ds:uri="490f4d18-1b42-4a78-837f-26ad582d7a5f"/>
+    <ds:schemaRef ds:uri="c118889d-4c8e-4464-8a43-de4e027114a5"/>
+    <ds:schemaRef ds:uri="http://purl.org/dc/elements/1.1/"/>
+    <ds:schemaRef ds:uri="http://purl.org/dc/terms/"/>
+    <ds:schemaRef ds:uri="http://schemas.microsoft.com/internal/obd"/>
+    <ds:schemaRef ds:uri="http://schemas.microsoft.com/office/2006/documentManagement/types"/>
+    <ds:schemaRef ds:uri="http://schemas.microsoft.com/office/2006/metadata/contentType"/>
+    <ds:schemaRef ds:uri="http://schemas.microsoft.com/office/2006/metadata/properties"/>
+    <ds:schemaRef ds:uri="http://schemas.microsoft.com/office/2006/metadata/properties/metaAttributes"/>
+    <ds:schemaRef ds:uri="http://schemas.microsoft.com/office/infopath/2007/PartnerControls"/>
+    <ds:schemaRef ds:uri="http://schemas.openxmlformats.org/package/2006/metadata/core-properties"/>
+    <ds:schemaRef ds:uri="http://www.w3.org/2001/XMLSchema"/>
+  </ds:schemaRefs>
+</ds:datastoreItem>
+</file>
+
+<file path=customXml/itemProps2.xml><?xml version="1.0" encoding="utf-8"?>
+<ds:datastoreItem xmlns:ds="http://schemas.openxmlformats.org/officeDocument/2006/customXml" ds:itemID="{D4257597-B907-481E-94D5-3F76AB1F865B}">
+  <ds:schemaRefs>
+    <ds:schemaRef ds:uri="490f4d18-1b42-4a78-837f-26ad582d7a5f"/>
+    <ds:schemaRef ds:uri="c118889d-4c8e-4464-8a43-de4e027114a5"/>
+    <ds:schemaRef ds:uri="http://purl.org/dc/dcmitype/"/>
+    <ds:schemaRef ds:uri="http://purl.org/dc/elements/1.1/"/>
+    <ds:schemaRef ds:uri="http://purl.org/dc/terms/"/>
+    <ds:schemaRef ds:uri="http://schemas.microsoft.com/office/2006/documentManagement/types"/>
+    <ds:schemaRef ds:uri="http://schemas.microsoft.com/office/2006/metadata/properties"/>
+    <ds:schemaRef ds:uri="http://schemas.microsoft.com/office/infopath/2007/PartnerControls"/>
+    <ds:schemaRef ds:uri="http://schemas.openxmlformats.org/package/2006/metadata/core-properties"/>
+    <ds:schemaRef ds:uri="http://www.w3.org/XML/1998/namespace"/>
+  </ds:schemaRefs>
+</ds:datastoreItem>
+</file>
+
+<file path=customXml/itemProps3.xml><?xml version="1.0" encoding="utf-8"?>
 <ds:datastoreItem xmlns:ds="http://schemas.openxmlformats.org/officeDocument/2006/customXml" ds:itemID="{E80032CA-EB2D-4687-92C9-C77B6699F31C}">
   <ds:schemaRefs>
     <ds:schemaRef ds:uri="http://schemas.microsoft.com/sharepoint/v3/contenttype/forms"/>
   </ds:schemaRefs>
 </ds:datastoreItem>
-</file>
-
-<file path=customXml/itemProps2.xml><?xml version="1.0" encoding="utf-8"?>
-<ds:datastoreItem xmlns:ds="http://schemas.openxmlformats.org/officeDocument/2006/customXml" ds:itemID="{37952D33-97F5-4439-A00F-6617EFE87C38}">
-  <ds:schemaRefs>
-    <ds:schemaRef ds:uri="http://schemas.microsoft.com/office/2006/metadata/contentType"/>
-    <ds:schemaRef ds:uri="http://schemas.microsoft.com/office/2006/metadata/properties/metaAttributes"/>
-    <ds:schemaRef ds:uri="http://www.w3.org/2001/XMLSchema"/>
-    <ds:schemaRef ds:uri="http://schemas.microsoft.com/office/2006/metadata/properties"/>
-    <ds:schemaRef ds:uri="490f4d18-1b42-4a78-837f-26ad582d7a5f"/>
-    <ds:schemaRef ds:uri="c118889d-4c8e-4464-8a43-de4e027114a5"/>
-    <ds:schemaRef ds:uri="http://schemas.microsoft.com/office/2006/documentManagement/types"/>
-    <ds:schemaRef ds:uri="http://schemas.microsoft.com/office/infopath/2007/PartnerControls"/>
-    <ds:schemaRef ds:uri="http://schemas.openxmlformats.org/package/2006/metadata/core-properties"/>
-    <ds:schemaRef ds:uri="http://purl.org/dc/elements/1.1/"/>
-    <ds:schemaRef ds:uri="http://purl.org/dc/terms/"/>
-    <ds:schemaRef ds:uri="http://schemas.microsoft.com/internal/obd"/>
-  </ds:schemaRefs>
-</ds:datastoreItem>
-</file>
-
-<file path=customXml/itemProps3.xml><?xml version="1.0" encoding="utf-8"?>
-<ds:datastoreItem xmlns:ds="http://schemas.openxmlformats.org/officeDocument/2006/customXml" ds:itemID="{D4257597-B907-481E-94D5-3F76AB1F865B}">
-  <ds:schemaRefs>
-    <ds:schemaRef ds:uri="http://www.w3.org/XML/1998/namespace"/>
-    <ds:schemaRef ds:uri="c118889d-4c8e-4464-8a43-de4e027114a5"/>
-    <ds:schemaRef ds:uri="490f4d18-1b42-4a78-837f-26ad582d7a5f"/>
-    <ds:schemaRef ds:uri="http://purl.org/dc/terms/"/>
-    <ds:schemaRef ds:uri="http://schemas.microsoft.com/office/2006/documentManagement/types"/>
-    <ds:schemaRef ds:uri="http://schemas.microsoft.com/office/2006/metadata/properties"/>
-    <ds:schemaRef ds:uri="http://purl.org/dc/elements/1.1/"/>
-    <ds:schemaRef ds:uri="http://schemas.microsoft.com/office/infopath/2007/PartnerControls"/>
-    <ds:schemaRef ds:uri="http://schemas.openxmlformats.org/package/2006/metadata/core-properties"/>
-    <ds:schemaRef ds:uri="http://purl.org/dc/dcmitype/"/>
-  </ds:schemaRefs>
-</ds:datastoreItem>
 </file>